--- a/43-canvas-particle-web/43.pptx
+++ b/43-canvas-particle-web/43.pptx
@@ -8,6 +8,7 @@
     <p:notesMasterId r:id="rId19"/>
   </p:notesMasterIdLst>
   <p:sldIdLst>
+    <p:sldId id="502" r:id="rId2"/>
     <p:sldId id="257" r:id="rId3"/>
     <p:sldId id="258" r:id="rId4"/>
     <p:sldId id="412" r:id="rId5"/>
@@ -122,6 +123,22 @@
       </a:defRPr>
     </a:lvl9pPr>
   </p:defaultTextStyle>
+  <p:extLst>
+    <p:ext uri="{EFAFB233-063F-42B5-8137-9DF3F51BA10A}">
+      <p15:sldGuideLst xmlns:p15="http://schemas.microsoft.com/office/powerpoint/2012/main">
+        <p15:guide id="1" orient="horz" pos="2088">
+          <p15:clr>
+            <a:srgbClr val="A4A3A4"/>
+          </p15:clr>
+        </p15:guide>
+        <p15:guide id="2" pos="2898">
+          <p15:clr>
+            <a:srgbClr val="A4A3A4"/>
+          </p15:clr>
+        </p15:guide>
+      </p15:sldGuideLst>
+    </p:ext>
+  </p:extLst>
 </p:presentation>
 </file>
 
@@ -207,6 +224,7 @@
           <a:p>
             <a:fld id="{918C987C-5DAD-4601-B625-55A3208473B0}" type="datetimeFigureOut">
               <a:rPr lang="zh-CN" altLang="en-US" smtClean="0"/>
+              <a:t>2019/4/11</a:t>
             </a:fld>
             <a:endParaRPr lang="zh-CN" altLang="en-US"/>
           </a:p>
@@ -273,7 +291,6 @@
               <a:rPr lang="zh-CN" altLang="en-US" smtClean="0"/>
               <a:t>单击此处编辑母版文本样式</a:t>
             </a:r>
-            <a:endParaRPr lang="zh-CN" altLang="en-US" smtClean="0"/>
           </a:p>
           <a:p>
             <a:pPr lvl="1"/>
@@ -281,7 +298,6 @@
               <a:rPr lang="zh-CN" altLang="en-US" smtClean="0"/>
               <a:t>第二级</a:t>
             </a:r>
-            <a:endParaRPr lang="zh-CN" altLang="en-US" smtClean="0"/>
           </a:p>
           <a:p>
             <a:pPr lvl="2"/>
@@ -289,7 +305,6 @@
               <a:rPr lang="zh-CN" altLang="en-US" smtClean="0"/>
               <a:t>第三级</a:t>
             </a:r>
-            <a:endParaRPr lang="zh-CN" altLang="en-US" smtClean="0"/>
           </a:p>
           <a:p>
             <a:pPr lvl="3"/>
@@ -297,7 +312,6 @@
               <a:rPr lang="zh-CN" altLang="en-US" smtClean="0"/>
               <a:t>第四级</a:t>
             </a:r>
-            <a:endParaRPr lang="zh-CN" altLang="en-US" smtClean="0"/>
           </a:p>
           <a:p>
             <a:pPr lvl="4"/>
@@ -369,12 +383,18 @@
           <a:p>
             <a:fld id="{AB6F2BC2-E7C7-4DAF-AC38-C7272999FEC3}" type="slidenum">
               <a:rPr lang="zh-CN" altLang="en-US" smtClean="0"/>
+              <a:t>‹#›</a:t>
             </a:fld>
             <a:endParaRPr lang="zh-CN" altLang="en-US"/>
           </a:p>
         </p:txBody>
       </p:sp>
     </p:spTree>
+    <p:extLst>
+      <p:ext uri="{BB962C8B-B14F-4D97-AF65-F5344CB8AC3E}">
+        <p14:creationId xmlns:p14="http://schemas.microsoft.com/office/powerpoint/2010/main" val="3291673063"/>
+      </p:ext>
+    </p:extLst>
   </p:cSld>
   <p:clrMap bg1="lt1" tx1="dk1" bg2="lt2" tx2="dk2" accent1="accent1" accent2="accent2" accent3="accent3" accent4="accent4" accent5="accent5" accent6="accent6" hlink="hlink" folHlink="folHlink"/>
   <p:notesStyle>
@@ -653,6 +673,7 @@
           <a:p>
             <a:fld id="{17C7C8FB-1C37-4023-AA22-09D5A8E13DCF}" type="datetimeFigureOut">
               <a:rPr lang="zh-CN" altLang="en-US" smtClean="0"/>
+              <a:t>2019/4/11</a:t>
             </a:fld>
             <a:endParaRPr lang="zh-CN" altLang="en-US"/>
           </a:p>
@@ -694,6 +715,7 @@
           <a:p>
             <a:fld id="{AD7A695C-6577-4F9C-8852-41CF46CB3BB3}" type="slidenum">
               <a:rPr lang="zh-CN" altLang="en-US" smtClean="0"/>
+              <a:t>‹#›</a:t>
             </a:fld>
             <a:endParaRPr lang="zh-CN" altLang="en-US"/>
           </a:p>
@@ -767,7 +789,6 @@
               <a:rPr lang="zh-CN" altLang="en-US" smtClean="0"/>
               <a:t>单击此处编辑母版文本样式</a:t>
             </a:r>
-            <a:endParaRPr lang="zh-CN" altLang="en-US" smtClean="0"/>
           </a:p>
           <a:p>
             <a:pPr lvl="1"/>
@@ -775,7 +796,6 @@
               <a:rPr lang="zh-CN" altLang="en-US" smtClean="0"/>
               <a:t>第二级</a:t>
             </a:r>
-            <a:endParaRPr lang="zh-CN" altLang="en-US" smtClean="0"/>
           </a:p>
           <a:p>
             <a:pPr lvl="2"/>
@@ -783,7 +803,6 @@
               <a:rPr lang="zh-CN" altLang="en-US" smtClean="0"/>
               <a:t>第三级</a:t>
             </a:r>
-            <a:endParaRPr lang="zh-CN" altLang="en-US" smtClean="0"/>
           </a:p>
           <a:p>
             <a:pPr lvl="3"/>
@@ -791,7 +810,6 @@
               <a:rPr lang="zh-CN" altLang="en-US" smtClean="0"/>
               <a:t>第四级</a:t>
             </a:r>
-            <a:endParaRPr lang="zh-CN" altLang="en-US" smtClean="0"/>
           </a:p>
           <a:p>
             <a:pPr lvl="4"/>
@@ -820,6 +838,7 @@
           <a:p>
             <a:fld id="{17C7C8FB-1C37-4023-AA22-09D5A8E13DCF}" type="datetimeFigureOut">
               <a:rPr lang="zh-CN" altLang="en-US" smtClean="0"/>
+              <a:t>2019/4/11</a:t>
             </a:fld>
             <a:endParaRPr lang="zh-CN" altLang="en-US"/>
           </a:p>
@@ -861,6 +880,7 @@
           <a:p>
             <a:fld id="{AD7A695C-6577-4F9C-8852-41CF46CB3BB3}" type="slidenum">
               <a:rPr lang="zh-CN" altLang="en-US" smtClean="0"/>
+              <a:t>‹#›</a:t>
             </a:fld>
             <a:endParaRPr lang="zh-CN" altLang="en-US"/>
           </a:p>
@@ -944,7 +964,6 @@
               <a:rPr lang="zh-CN" altLang="en-US" smtClean="0"/>
               <a:t>单击此处编辑母版文本样式</a:t>
             </a:r>
-            <a:endParaRPr lang="zh-CN" altLang="en-US" smtClean="0"/>
           </a:p>
           <a:p>
             <a:pPr lvl="1"/>
@@ -952,7 +971,6 @@
               <a:rPr lang="zh-CN" altLang="en-US" smtClean="0"/>
               <a:t>第二级</a:t>
             </a:r>
-            <a:endParaRPr lang="zh-CN" altLang="en-US" smtClean="0"/>
           </a:p>
           <a:p>
             <a:pPr lvl="2"/>
@@ -960,7 +978,6 @@
               <a:rPr lang="zh-CN" altLang="en-US" smtClean="0"/>
               <a:t>第三级</a:t>
             </a:r>
-            <a:endParaRPr lang="zh-CN" altLang="en-US" smtClean="0"/>
           </a:p>
           <a:p>
             <a:pPr lvl="3"/>
@@ -968,7 +985,6 @@
               <a:rPr lang="zh-CN" altLang="en-US" smtClean="0"/>
               <a:t>第四级</a:t>
             </a:r>
-            <a:endParaRPr lang="zh-CN" altLang="en-US" smtClean="0"/>
           </a:p>
           <a:p>
             <a:pPr lvl="4"/>
@@ -997,6 +1013,7 @@
           <a:p>
             <a:fld id="{17C7C8FB-1C37-4023-AA22-09D5A8E13DCF}" type="datetimeFigureOut">
               <a:rPr lang="zh-CN" altLang="en-US" smtClean="0"/>
+              <a:t>2019/4/11</a:t>
             </a:fld>
             <a:endParaRPr lang="zh-CN" altLang="en-US"/>
           </a:p>
@@ -1038,6 +1055,7 @@
           <a:p>
             <a:fld id="{AD7A695C-6577-4F9C-8852-41CF46CB3BB3}" type="slidenum">
               <a:rPr lang="zh-CN" altLang="en-US" smtClean="0"/>
+              <a:t>‹#›</a:t>
             </a:fld>
             <a:endParaRPr lang="zh-CN" altLang="en-US"/>
           </a:p>
@@ -1111,7 +1129,6 @@
               <a:rPr lang="zh-CN" altLang="en-US" smtClean="0"/>
               <a:t>单击此处编辑母版文本样式</a:t>
             </a:r>
-            <a:endParaRPr lang="zh-CN" altLang="en-US" smtClean="0"/>
           </a:p>
           <a:p>
             <a:pPr lvl="1"/>
@@ -1119,7 +1136,6 @@
               <a:rPr lang="zh-CN" altLang="en-US" smtClean="0"/>
               <a:t>第二级</a:t>
             </a:r>
-            <a:endParaRPr lang="zh-CN" altLang="en-US" smtClean="0"/>
           </a:p>
           <a:p>
             <a:pPr lvl="2"/>
@@ -1127,7 +1143,6 @@
               <a:rPr lang="zh-CN" altLang="en-US" smtClean="0"/>
               <a:t>第三级</a:t>
             </a:r>
-            <a:endParaRPr lang="zh-CN" altLang="en-US" smtClean="0"/>
           </a:p>
           <a:p>
             <a:pPr lvl="3"/>
@@ -1135,7 +1150,6 @@
               <a:rPr lang="zh-CN" altLang="en-US" smtClean="0"/>
               <a:t>第四级</a:t>
             </a:r>
-            <a:endParaRPr lang="zh-CN" altLang="en-US" smtClean="0"/>
           </a:p>
           <a:p>
             <a:pPr lvl="4"/>
@@ -1164,6 +1178,7 @@
           <a:p>
             <a:fld id="{17C7C8FB-1C37-4023-AA22-09D5A8E13DCF}" type="datetimeFigureOut">
               <a:rPr lang="zh-CN" altLang="en-US" smtClean="0"/>
+              <a:t>2019/4/11</a:t>
             </a:fld>
             <a:endParaRPr lang="zh-CN" altLang="en-US"/>
           </a:p>
@@ -1205,6 +1220,7 @@
           <a:p>
             <a:fld id="{AD7A695C-6577-4F9C-8852-41CF46CB3BB3}" type="slidenum">
               <a:rPr lang="zh-CN" altLang="en-US" smtClean="0"/>
+              <a:t>‹#›</a:t>
             </a:fld>
             <a:endParaRPr lang="zh-CN" altLang="en-US"/>
           </a:p>
@@ -1383,7 +1399,6 @@
               <a:rPr lang="zh-CN" altLang="en-US" smtClean="0"/>
               <a:t>单击此处编辑母版文本样式</a:t>
             </a:r>
-            <a:endParaRPr lang="zh-CN" altLang="en-US" smtClean="0"/>
           </a:p>
         </p:txBody>
       </p:sp>
@@ -1404,6 +1419,7 @@
           <a:p>
             <a:fld id="{17C7C8FB-1C37-4023-AA22-09D5A8E13DCF}" type="datetimeFigureOut">
               <a:rPr lang="zh-CN" altLang="en-US" smtClean="0"/>
+              <a:t>2019/4/11</a:t>
             </a:fld>
             <a:endParaRPr lang="zh-CN" altLang="en-US"/>
           </a:p>
@@ -1445,6 +1461,7 @@
           <a:p>
             <a:fld id="{AD7A695C-6577-4F9C-8852-41CF46CB3BB3}" type="slidenum">
               <a:rPr lang="zh-CN" altLang="en-US" smtClean="0"/>
+              <a:t>‹#›</a:t>
             </a:fld>
             <a:endParaRPr lang="zh-CN" altLang="en-US"/>
           </a:p>
@@ -1551,7 +1568,6 @@
               <a:rPr lang="zh-CN" altLang="en-US" smtClean="0"/>
               <a:t>单击此处编辑母版文本样式</a:t>
             </a:r>
-            <a:endParaRPr lang="zh-CN" altLang="en-US" smtClean="0"/>
           </a:p>
           <a:p>
             <a:pPr lvl="1"/>
@@ -1559,7 +1575,6 @@
               <a:rPr lang="zh-CN" altLang="en-US" smtClean="0"/>
               <a:t>第二级</a:t>
             </a:r>
-            <a:endParaRPr lang="zh-CN" altLang="en-US" smtClean="0"/>
           </a:p>
           <a:p>
             <a:pPr lvl="2"/>
@@ -1567,7 +1582,6 @@
               <a:rPr lang="zh-CN" altLang="en-US" smtClean="0"/>
               <a:t>第三级</a:t>
             </a:r>
-            <a:endParaRPr lang="zh-CN" altLang="en-US" smtClean="0"/>
           </a:p>
           <a:p>
             <a:pPr lvl="3"/>
@@ -1575,7 +1589,6 @@
               <a:rPr lang="zh-CN" altLang="en-US" smtClean="0"/>
               <a:t>第四级</a:t>
             </a:r>
-            <a:endParaRPr lang="zh-CN" altLang="en-US" smtClean="0"/>
           </a:p>
           <a:p>
             <a:pPr lvl="4"/>
@@ -1640,7 +1653,6 @@
               <a:rPr lang="zh-CN" altLang="en-US" smtClean="0"/>
               <a:t>单击此处编辑母版文本样式</a:t>
             </a:r>
-            <a:endParaRPr lang="zh-CN" altLang="en-US" smtClean="0"/>
           </a:p>
           <a:p>
             <a:pPr lvl="1"/>
@@ -1648,7 +1660,6 @@
               <a:rPr lang="zh-CN" altLang="en-US" smtClean="0"/>
               <a:t>第二级</a:t>
             </a:r>
-            <a:endParaRPr lang="zh-CN" altLang="en-US" smtClean="0"/>
           </a:p>
           <a:p>
             <a:pPr lvl="2"/>
@@ -1656,7 +1667,6 @@
               <a:rPr lang="zh-CN" altLang="en-US" smtClean="0"/>
               <a:t>第三级</a:t>
             </a:r>
-            <a:endParaRPr lang="zh-CN" altLang="en-US" smtClean="0"/>
           </a:p>
           <a:p>
             <a:pPr lvl="3"/>
@@ -1664,7 +1674,6 @@
               <a:rPr lang="zh-CN" altLang="en-US" smtClean="0"/>
               <a:t>第四级</a:t>
             </a:r>
-            <a:endParaRPr lang="zh-CN" altLang="en-US" smtClean="0"/>
           </a:p>
           <a:p>
             <a:pPr lvl="4"/>
@@ -1693,6 +1702,7 @@
           <a:p>
             <a:fld id="{17C7C8FB-1C37-4023-AA22-09D5A8E13DCF}" type="datetimeFigureOut">
               <a:rPr lang="zh-CN" altLang="en-US" smtClean="0"/>
+              <a:t>2019/4/11</a:t>
             </a:fld>
             <a:endParaRPr lang="zh-CN" altLang="en-US"/>
           </a:p>
@@ -1734,6 +1744,7 @@
           <a:p>
             <a:fld id="{AD7A695C-6577-4F9C-8852-41CF46CB3BB3}" type="slidenum">
               <a:rPr lang="zh-CN" altLang="en-US" smtClean="0"/>
+              <a:t>‹#›</a:t>
             </a:fld>
             <a:endParaRPr lang="zh-CN" altLang="en-US"/>
           </a:p>
@@ -1853,7 +1864,6 @@
               <a:rPr lang="zh-CN" altLang="en-US" smtClean="0"/>
               <a:t>单击此处编辑母版文本样式</a:t>
             </a:r>
-            <a:endParaRPr lang="zh-CN" altLang="en-US" smtClean="0"/>
           </a:p>
         </p:txBody>
       </p:sp>
@@ -1910,7 +1920,6 @@
               <a:rPr lang="zh-CN" altLang="en-US" smtClean="0"/>
               <a:t>单击此处编辑母版文本样式</a:t>
             </a:r>
-            <a:endParaRPr lang="zh-CN" altLang="en-US" smtClean="0"/>
           </a:p>
           <a:p>
             <a:pPr lvl="1"/>
@@ -1918,7 +1927,6 @@
               <a:rPr lang="zh-CN" altLang="en-US" smtClean="0"/>
               <a:t>第二级</a:t>
             </a:r>
-            <a:endParaRPr lang="zh-CN" altLang="en-US" smtClean="0"/>
           </a:p>
           <a:p>
             <a:pPr lvl="2"/>
@@ -1926,7 +1934,6 @@
               <a:rPr lang="zh-CN" altLang="en-US" smtClean="0"/>
               <a:t>第三级</a:t>
             </a:r>
-            <a:endParaRPr lang="zh-CN" altLang="en-US" smtClean="0"/>
           </a:p>
           <a:p>
             <a:pPr lvl="3"/>
@@ -1934,7 +1941,6 @@
               <a:rPr lang="zh-CN" altLang="en-US" smtClean="0"/>
               <a:t>第四级</a:t>
             </a:r>
-            <a:endParaRPr lang="zh-CN" altLang="en-US" smtClean="0"/>
           </a:p>
           <a:p>
             <a:pPr lvl="4"/>
@@ -2008,7 +2014,6 @@
               <a:rPr lang="zh-CN" altLang="en-US" smtClean="0"/>
               <a:t>单击此处编辑母版文本样式</a:t>
             </a:r>
-            <a:endParaRPr lang="zh-CN" altLang="en-US" smtClean="0"/>
           </a:p>
         </p:txBody>
       </p:sp>
@@ -2065,7 +2070,6 @@
               <a:rPr lang="zh-CN" altLang="en-US" smtClean="0"/>
               <a:t>单击此处编辑母版文本样式</a:t>
             </a:r>
-            <a:endParaRPr lang="zh-CN" altLang="en-US" smtClean="0"/>
           </a:p>
           <a:p>
             <a:pPr lvl="1"/>
@@ -2073,7 +2077,6 @@
               <a:rPr lang="zh-CN" altLang="en-US" smtClean="0"/>
               <a:t>第二级</a:t>
             </a:r>
-            <a:endParaRPr lang="zh-CN" altLang="en-US" smtClean="0"/>
           </a:p>
           <a:p>
             <a:pPr lvl="2"/>
@@ -2081,7 +2084,6 @@
               <a:rPr lang="zh-CN" altLang="en-US" smtClean="0"/>
               <a:t>第三级</a:t>
             </a:r>
-            <a:endParaRPr lang="zh-CN" altLang="en-US" smtClean="0"/>
           </a:p>
           <a:p>
             <a:pPr lvl="3"/>
@@ -2089,7 +2091,6 @@
               <a:rPr lang="zh-CN" altLang="en-US" smtClean="0"/>
               <a:t>第四级</a:t>
             </a:r>
-            <a:endParaRPr lang="zh-CN" altLang="en-US" smtClean="0"/>
           </a:p>
           <a:p>
             <a:pPr lvl="4"/>
@@ -2118,6 +2119,7 @@
           <a:p>
             <a:fld id="{17C7C8FB-1C37-4023-AA22-09D5A8E13DCF}" type="datetimeFigureOut">
               <a:rPr lang="zh-CN" altLang="en-US" smtClean="0"/>
+              <a:t>2019/4/11</a:t>
             </a:fld>
             <a:endParaRPr lang="zh-CN" altLang="en-US"/>
           </a:p>
@@ -2159,6 +2161,7 @@
           <a:p>
             <a:fld id="{AD7A695C-6577-4F9C-8852-41CF46CB3BB3}" type="slidenum">
               <a:rPr lang="zh-CN" altLang="en-US" smtClean="0"/>
+              <a:t>‹#›</a:t>
             </a:fld>
             <a:endParaRPr lang="zh-CN" altLang="en-US"/>
           </a:p>
@@ -2229,6 +2232,7 @@
           <a:p>
             <a:fld id="{17C7C8FB-1C37-4023-AA22-09D5A8E13DCF}" type="datetimeFigureOut">
               <a:rPr lang="zh-CN" altLang="en-US" smtClean="0"/>
+              <a:t>2019/4/11</a:t>
             </a:fld>
             <a:endParaRPr lang="zh-CN" altLang="en-US"/>
           </a:p>
@@ -2270,6 +2274,7 @@
           <a:p>
             <a:fld id="{AD7A695C-6577-4F9C-8852-41CF46CB3BB3}" type="slidenum">
               <a:rPr lang="zh-CN" altLang="en-US" smtClean="0"/>
+              <a:t>‹#›</a:t>
             </a:fld>
             <a:endParaRPr lang="zh-CN" altLang="en-US"/>
           </a:p>
@@ -2317,6 +2322,7 @@
           <a:p>
             <a:fld id="{17C7C8FB-1C37-4023-AA22-09D5A8E13DCF}" type="datetimeFigureOut">
               <a:rPr lang="zh-CN" altLang="en-US" smtClean="0"/>
+              <a:t>2019/4/11</a:t>
             </a:fld>
             <a:endParaRPr lang="zh-CN" altLang="en-US"/>
           </a:p>
@@ -2358,6 +2364,7 @@
           <a:p>
             <a:fld id="{AD7A695C-6577-4F9C-8852-41CF46CB3BB3}" type="slidenum">
               <a:rPr lang="zh-CN" altLang="en-US" smtClean="0"/>
+              <a:t>‹#›</a:t>
             </a:fld>
             <a:endParaRPr lang="zh-CN" altLang="en-US"/>
           </a:p>
@@ -2473,7 +2480,6 @@
               <a:rPr lang="zh-CN" altLang="en-US" smtClean="0"/>
               <a:t>单击此处编辑母版文本样式</a:t>
             </a:r>
-            <a:endParaRPr lang="zh-CN" altLang="en-US" smtClean="0"/>
           </a:p>
           <a:p>
             <a:pPr lvl="1"/>
@@ -2481,7 +2487,6 @@
               <a:rPr lang="zh-CN" altLang="en-US" smtClean="0"/>
               <a:t>第二级</a:t>
             </a:r>
-            <a:endParaRPr lang="zh-CN" altLang="en-US" smtClean="0"/>
           </a:p>
           <a:p>
             <a:pPr lvl="2"/>
@@ -2489,7 +2494,6 @@
               <a:rPr lang="zh-CN" altLang="en-US" smtClean="0"/>
               <a:t>第三级</a:t>
             </a:r>
-            <a:endParaRPr lang="zh-CN" altLang="en-US" smtClean="0"/>
           </a:p>
           <a:p>
             <a:pPr lvl="3"/>
@@ -2497,7 +2501,6 @@
               <a:rPr lang="zh-CN" altLang="en-US" smtClean="0"/>
               <a:t>第四级</a:t>
             </a:r>
-            <a:endParaRPr lang="zh-CN" altLang="en-US" smtClean="0"/>
           </a:p>
           <a:p>
             <a:pPr lvl="4"/>
@@ -2571,7 +2574,6 @@
               <a:rPr lang="zh-CN" altLang="en-US" smtClean="0"/>
               <a:t>单击此处编辑母版文本样式</a:t>
             </a:r>
-            <a:endParaRPr lang="zh-CN" altLang="en-US" smtClean="0"/>
           </a:p>
         </p:txBody>
       </p:sp>
@@ -2592,6 +2594,7 @@
           <a:p>
             <a:fld id="{17C7C8FB-1C37-4023-AA22-09D5A8E13DCF}" type="datetimeFigureOut">
               <a:rPr lang="zh-CN" altLang="en-US" smtClean="0"/>
+              <a:t>2019/4/11</a:t>
             </a:fld>
             <a:endParaRPr lang="zh-CN" altLang="en-US"/>
           </a:p>
@@ -2633,6 +2636,7 @@
           <a:p>
             <a:fld id="{AD7A695C-6577-4F9C-8852-41CF46CB3BB3}" type="slidenum">
               <a:rPr lang="zh-CN" altLang="en-US" smtClean="0"/>
+              <a:t>‹#›</a:t>
             </a:fld>
             <a:endParaRPr lang="zh-CN" altLang="en-US"/>
           </a:p>
@@ -2818,7 +2822,6 @@
               <a:rPr lang="zh-CN" altLang="en-US" smtClean="0"/>
               <a:t>单击此处编辑母版文本样式</a:t>
             </a:r>
-            <a:endParaRPr lang="zh-CN" altLang="en-US" smtClean="0"/>
           </a:p>
         </p:txBody>
       </p:sp>
@@ -2839,6 +2842,7 @@
           <a:p>
             <a:fld id="{17C7C8FB-1C37-4023-AA22-09D5A8E13DCF}" type="datetimeFigureOut">
               <a:rPr lang="zh-CN" altLang="en-US" smtClean="0"/>
+              <a:t>2019/4/11</a:t>
             </a:fld>
             <a:endParaRPr lang="zh-CN" altLang="en-US"/>
           </a:p>
@@ -2880,6 +2884,7 @@
           <a:p>
             <a:fld id="{AD7A695C-6577-4F9C-8852-41CF46CB3BB3}" type="slidenum">
               <a:rPr lang="zh-CN" altLang="en-US" smtClean="0"/>
+              <a:t>‹#›</a:t>
             </a:fld>
             <a:endParaRPr lang="zh-CN" altLang="en-US"/>
           </a:p>
@@ -2978,7 +2983,6 @@
               <a:rPr lang="zh-CN" altLang="en-US" smtClean="0"/>
               <a:t>单击此处编辑母版文本样式</a:t>
             </a:r>
-            <a:endParaRPr lang="zh-CN" altLang="en-US" smtClean="0"/>
           </a:p>
           <a:p>
             <a:pPr lvl="1"/>
@@ -2986,7 +2990,6 @@
               <a:rPr lang="zh-CN" altLang="en-US" smtClean="0"/>
               <a:t>第二级</a:t>
             </a:r>
-            <a:endParaRPr lang="zh-CN" altLang="en-US" smtClean="0"/>
           </a:p>
           <a:p>
             <a:pPr lvl="2"/>
@@ -2994,7 +2997,6 @@
               <a:rPr lang="zh-CN" altLang="en-US" smtClean="0"/>
               <a:t>第三级</a:t>
             </a:r>
-            <a:endParaRPr lang="zh-CN" altLang="en-US" smtClean="0"/>
           </a:p>
           <a:p>
             <a:pPr lvl="3"/>
@@ -3002,7 +3004,6 @@
               <a:rPr lang="zh-CN" altLang="en-US" smtClean="0"/>
               <a:t>第四级</a:t>
             </a:r>
-            <a:endParaRPr lang="zh-CN" altLang="en-US" smtClean="0"/>
           </a:p>
           <a:p>
             <a:pPr lvl="4"/>
@@ -3049,6 +3050,7 @@
           <a:p>
             <a:fld id="{17C7C8FB-1C37-4023-AA22-09D5A8E13DCF}" type="datetimeFigureOut">
               <a:rPr lang="zh-CN" altLang="en-US" smtClean="0"/>
+              <a:t>2019/4/11</a:t>
             </a:fld>
             <a:endParaRPr lang="zh-CN" altLang="en-US"/>
           </a:p>
@@ -3126,6 +3128,7 @@
           <a:p>
             <a:fld id="{AD7A695C-6577-4F9C-8852-41CF46CB3BB3}" type="slidenum">
               <a:rPr lang="zh-CN" altLang="en-US" smtClean="0"/>
+              <a:t>‹#›</a:t>
             </a:fld>
             <a:endParaRPr lang="zh-CN" altLang="en-US"/>
           </a:p>
@@ -3419,54 +3422,92 @@
       </p:grpSpPr>
       <p:sp>
         <p:nvSpPr>
-          <p:cNvPr id="4" name="TextBox 3"/>
-          <p:cNvSpPr txBox="1"/>
-          <p:nvPr/>
-        </p:nvSpPr>
-        <p:spPr>
-          <a:xfrm>
-            <a:off x="684000" y="453173"/>
-            <a:ext cx="7776000" cy="521970"/>
-          </a:xfrm>
-          <a:prstGeom prst="rect">
-            <a:avLst/>
-          </a:prstGeom>
-          <a:noFill/>
-        </p:spPr>
-        <p:txBody>
-          <a:bodyPr wrap="square" rtlCol="0">
-            <a:spAutoFit/>
+          <p:cNvPr id="2" name="标题 1"/>
+          <p:cNvSpPr>
+            <a:spLocks noGrp="1"/>
+          </p:cNvSpPr>
+          <p:nvPr>
+            <p:ph type="ctrTitle"/>
+          </p:nvPr>
+        </p:nvSpPr>
+        <p:spPr>
+          <a:xfrm>
+            <a:off x="685800" y="1196753"/>
+            <a:ext cx="7772400" cy="2403698"/>
+          </a:xfrm>
+        </p:spPr>
+        <p:txBody>
+          <a:bodyPr>
+            <a:normAutofit/>
           </a:bodyPr>
           <a:lstStyle/>
           <a:p>
             <a:r>
-              <a:rPr lang="en-US" altLang="zh-CN" sz="2800" b="1" dirty="0" smtClean="0">
-                <a:solidFill>
-                  <a:schemeClr val="tx1">
-                    <a:lumMod val="75000"/>
-                    <a:lumOff val="25000"/>
-                  </a:schemeClr>
-                </a:solidFill>
-                <a:latin typeface="微软雅黑" panose="020B0503020204020204" pitchFamily="34" charset="-122"/>
-                <a:ea typeface="微软雅黑" panose="020B0503020204020204" pitchFamily="34" charset="-122"/>
-              </a:rPr>
-              <a:t>1.</a:t>
-            </a:r>
-            <a:r>
-              <a:rPr lang="zh-CN" altLang="en-US" sz="2800" b="1" dirty="0">
-                <a:solidFill>
-                  <a:schemeClr val="tx1">
-                    <a:lumMod val="75000"/>
-                    <a:lumOff val="25000"/>
-                  </a:schemeClr>
-                </a:solidFill>
-                <a:latin typeface="微软雅黑" panose="020B0503020204020204" pitchFamily="34" charset="-122"/>
-                <a:ea typeface="微软雅黑" panose="020B0503020204020204" pitchFamily="34" charset="-122"/>
-              </a:rPr>
-              <a:t>目标</a:t>
-            </a:r>
-            <a:r>
-              <a:rPr lang="en-US" altLang="zh-CN" sz="2800" b="1" dirty="0" smtClean="0">
+              <a:rPr lang="zh-CN" altLang="en-US" b="1" dirty="0" smtClean="0">
+                <a:solidFill>
+                  <a:schemeClr val="tx1">
+                    <a:lumMod val="75000"/>
+                    <a:lumOff val="25000"/>
+                  </a:schemeClr>
+                </a:solidFill>
+                <a:latin typeface="微软雅黑" panose="020B0503020204020204" pitchFamily="34" charset="-122"/>
+                <a:ea typeface="微软雅黑" panose="020B0503020204020204" pitchFamily="34" charset="-122"/>
+              </a:rPr>
+              <a:t>躁动的</a:t>
+            </a:r>
+            <a:r>
+              <a:rPr lang="en-US" altLang="zh-CN" b="1" dirty="0" smtClean="0">
+                <a:solidFill>
+                  <a:schemeClr val="tx1">
+                    <a:lumMod val="75000"/>
+                    <a:lumOff val="25000"/>
+                  </a:schemeClr>
+                </a:solidFill>
+                <a:latin typeface="微软雅黑" panose="020B0503020204020204" pitchFamily="34" charset="-122"/>
+                <a:ea typeface="微软雅黑" panose="020B0503020204020204" pitchFamily="34" charset="-122"/>
+              </a:rPr>
+              <a:t>web</a:t>
+            </a:r>
+            <a:r>
+              <a:rPr lang="zh-CN" altLang="en-US" b="1" dirty="0" smtClean="0">
+                <a:solidFill>
+                  <a:schemeClr val="tx1">
+                    <a:lumMod val="75000"/>
+                    <a:lumOff val="25000"/>
+                  </a:schemeClr>
+                </a:solidFill>
+                <a:latin typeface="微软雅黑" panose="020B0503020204020204" pitchFamily="34" charset="-122"/>
+                <a:ea typeface="微软雅黑" panose="020B0503020204020204" pitchFamily="34" charset="-122"/>
+              </a:rPr>
+              <a:t>动画</a:t>
+            </a:r>
+            <a:r>
+              <a:rPr lang="en-US" altLang="zh-CN" b="1" dirty="0" smtClean="0">
+                <a:solidFill>
+                  <a:schemeClr val="tx1">
+                    <a:lumMod val="75000"/>
+                    <a:lumOff val="25000"/>
+                  </a:schemeClr>
+                </a:solidFill>
+                <a:latin typeface="微软雅黑" panose="020B0503020204020204" pitchFamily="34" charset="-122"/>
+                <a:ea typeface="微软雅黑" panose="020B0503020204020204" pitchFamily="34" charset="-122"/>
+              </a:rPr>
+              <a:t/>
+            </a:r>
+            <a:br>
+              <a:rPr lang="en-US" altLang="zh-CN" b="1" dirty="0" smtClean="0">
+                <a:solidFill>
+                  <a:schemeClr val="tx1">
+                    <a:lumMod val="75000"/>
+                    <a:lumOff val="25000"/>
+                  </a:schemeClr>
+                </a:solidFill>
+                <a:latin typeface="微软雅黑" panose="020B0503020204020204" pitchFamily="34" charset="-122"/>
+                <a:ea typeface="微软雅黑" panose="020B0503020204020204" pitchFamily="34" charset="-122"/>
+              </a:rPr>
+            </a:br>
+            <a:r>
+              <a:rPr lang="en-US" altLang="zh-CN" b="1" dirty="0">
                 <a:solidFill>
                   <a:schemeClr val="tx1">
                     <a:lumMod val="75000"/>
@@ -3479,7 +3520,46 @@
               <a:t>——</a:t>
             </a:r>
             <a:r>
-              <a:rPr lang="en-US" altLang="zh-CN" sz="2800" b="1" dirty="0">
+              <a:rPr lang="zh-CN" altLang="en-US" sz="3200" b="1" dirty="0" smtClean="0">
+                <a:solidFill>
+                  <a:schemeClr val="tx1">
+                    <a:lumMod val="75000"/>
+                    <a:lumOff val="25000"/>
+                  </a:schemeClr>
+                </a:solidFill>
+                <a:latin typeface="微软雅黑" panose="020B0503020204020204" pitchFamily="34" charset="-122"/>
+                <a:ea typeface="微软雅黑" panose="020B0503020204020204" pitchFamily="34" charset="-122"/>
+              </a:rPr>
+              <a:t>第</a:t>
+            </a:r>
+            <a:r>
+              <a:rPr lang="en-US" altLang="zh-CN" sz="3200" b="1" dirty="0" smtClean="0">
+                <a:solidFill>
+                  <a:schemeClr val="tx1">
+                    <a:lumMod val="75000"/>
+                    <a:lumOff val="25000"/>
+                  </a:schemeClr>
+                </a:solidFill>
+                <a:latin typeface="微软雅黑" panose="020B0503020204020204" pitchFamily="34" charset="-122"/>
+                <a:ea typeface="微软雅黑" panose="020B0503020204020204" pitchFamily="34" charset="-122"/>
+              </a:rPr>
+              <a:t>43</a:t>
+            </a:r>
+            <a:r>
+              <a:rPr lang="zh-CN" altLang="en-US" sz="3200" b="1" dirty="0" smtClean="0">
+                <a:solidFill>
+                  <a:schemeClr val="tx1">
+                    <a:lumMod val="75000"/>
+                    <a:lumOff val="25000"/>
+                  </a:schemeClr>
+                </a:solidFill>
+                <a:latin typeface="微软雅黑" panose="020B0503020204020204" pitchFamily="34" charset="-122"/>
+                <a:ea typeface="微软雅黑" panose="020B0503020204020204" pitchFamily="34" charset="-122"/>
+              </a:rPr>
+              <a:t>讲 </a:t>
+            </a:r>
+            <a:r>
+              <a:rPr lang="en-US" altLang="zh-CN" sz="3200" b="1" dirty="0">
                 <a:solidFill>
                   <a:schemeClr val="tx1">
                     <a:lumMod val="75000"/>
@@ -3492,7 +3572,7 @@
               <a:t>canvas</a:t>
             </a:r>
             <a:r>
-              <a:rPr lang="zh-CN" altLang="en-US" sz="2800" b="1" dirty="0">
+              <a:rPr lang="zh-CN" altLang="en-US" sz="3200" b="1" dirty="0">
                 <a:solidFill>
                   <a:schemeClr val="tx1">
                     <a:lumMod val="75000"/>
@@ -3505,45 +3585,31 @@
               <a:t>绘图基础</a:t>
             </a:r>
             <a:r>
-              <a:rPr lang="zh-CN" altLang="en-US" sz="2800" b="1" dirty="0" smtClean="0">
-                <a:solidFill>
-                  <a:schemeClr val="tx1">
-                    <a:lumMod val="75000"/>
-                    <a:lumOff val="25000"/>
-                  </a:schemeClr>
-                </a:solidFill>
-                <a:latin typeface="微软雅黑" panose="020B0503020204020204" pitchFamily="34" charset="-122"/>
-                <a:ea typeface="微软雅黑" panose="020B0503020204020204" pitchFamily="34" charset="-122"/>
-              </a:rPr>
-              <a:t>（难度：</a:t>
-            </a:r>
-            <a:r>
-              <a:rPr lang="en-US" altLang="zh-CN" sz="2800" b="1" dirty="0" smtClean="0">
-                <a:solidFill>
-                  <a:schemeClr val="tx1">
-                    <a:lumMod val="75000"/>
-                    <a:lumOff val="25000"/>
-                  </a:schemeClr>
-                </a:solidFill>
-                <a:latin typeface="微软雅黑" panose="020B0503020204020204" pitchFamily="34" charset="-122"/>
-                <a:ea typeface="微软雅黑" panose="020B0503020204020204" pitchFamily="34" charset="-122"/>
-              </a:rPr>
-              <a:t>3.0</a:t>
-            </a:r>
-            <a:r>
-              <a:rPr lang="zh-CN" altLang="en-US" sz="2800" b="1" dirty="0" smtClean="0">
-                <a:solidFill>
-                  <a:schemeClr val="tx1">
-                    <a:lumMod val="75000"/>
-                    <a:lumOff val="25000"/>
-                  </a:schemeClr>
-                </a:solidFill>
-                <a:latin typeface="微软雅黑" panose="020B0503020204020204" pitchFamily="34" charset="-122"/>
-                <a:ea typeface="微软雅黑" panose="020B0503020204020204" pitchFamily="34" charset="-122"/>
-              </a:rPr>
-              <a:t>）</a:t>
-            </a:r>
-            <a:endParaRPr lang="zh-CN" altLang="en-US" sz="2800" b="1" dirty="0">
+              <a:rPr lang="en-US" altLang="zh-CN" b="1" dirty="0" smtClean="0">
+                <a:solidFill>
+                  <a:schemeClr val="tx1">
+                    <a:lumMod val="75000"/>
+                    <a:lumOff val="25000"/>
+                  </a:schemeClr>
+                </a:solidFill>
+                <a:latin typeface="微软雅黑" panose="020B0503020204020204" pitchFamily="34" charset="-122"/>
+                <a:ea typeface="微软雅黑" panose="020B0503020204020204" pitchFamily="34" charset="-122"/>
+              </a:rPr>
+              <a:t/>
+            </a:r>
+            <a:br>
+              <a:rPr lang="en-US" altLang="zh-CN" b="1" dirty="0" smtClean="0">
+                <a:solidFill>
+                  <a:schemeClr val="tx1">
+                    <a:lumMod val="75000"/>
+                    <a:lumOff val="25000"/>
+                  </a:schemeClr>
+                </a:solidFill>
+                <a:latin typeface="微软雅黑" panose="020B0503020204020204" pitchFamily="34" charset="-122"/>
+                <a:ea typeface="微软雅黑" panose="020B0503020204020204" pitchFamily="34" charset="-122"/>
+              </a:rPr>
+            </a:br>
+            <a:endParaRPr lang="zh-CN" altLang="en-US" b="1" dirty="0">
               <a:solidFill>
                 <a:schemeClr val="tx1">
                   <a:lumMod val="75000"/>
@@ -3558,71 +3624,46 @@
       </p:sp>
       <p:sp>
         <p:nvSpPr>
-          <p:cNvPr id="2" name="TextBox 1"/>
-          <p:cNvSpPr txBox="1"/>
-          <p:nvPr/>
-        </p:nvSpPr>
-        <p:spPr>
-          <a:xfrm>
-            <a:off x="684000" y="1052736"/>
-            <a:ext cx="7776000" cy="1198880"/>
-          </a:xfrm>
-          <a:prstGeom prst="rect">
-            <a:avLst/>
-          </a:prstGeom>
-          <a:noFill/>
-        </p:spPr>
-        <p:txBody>
-          <a:bodyPr wrap="square" rtlCol="0">
-            <a:spAutoFit/>
-          </a:bodyPr>
+          <p:cNvPr id="3" name="副标题 2"/>
+          <p:cNvSpPr>
+            <a:spLocks noGrp="1"/>
+          </p:cNvSpPr>
+          <p:nvPr>
+            <p:ph type="subTitle" idx="1"/>
+          </p:nvPr>
+        </p:nvSpPr>
+        <p:spPr/>
+        <p:txBody>
+          <a:bodyPr/>
           <a:lstStyle/>
           <a:p>
-            <a:pPr>
-              <a:lnSpc>
-                <a:spcPct val="150000"/>
-              </a:lnSpc>
-            </a:pPr>
-            <a:r>
-              <a:rPr lang="zh-CN" altLang="en-US" sz="2400" dirty="0" smtClean="0">
-                <a:solidFill>
-                  <a:schemeClr val="tx1">
-                    <a:lumMod val="75000"/>
-                    <a:lumOff val="25000"/>
-                  </a:schemeClr>
-                </a:solidFill>
-                <a:latin typeface="微软雅黑" panose="020B0503020204020204" pitchFamily="34" charset="-122"/>
-                <a:ea typeface="微软雅黑" panose="020B0503020204020204" pitchFamily="34" charset="-122"/>
-              </a:rPr>
-              <a:t>本期我们的目标是学习</a:t>
-            </a:r>
-            <a:r>
-              <a:rPr lang="en-US" altLang="zh-CN" sz="2400" dirty="0" smtClean="0">
-                <a:solidFill>
-                  <a:schemeClr val="tx1">
-                    <a:lumMod val="75000"/>
-                    <a:lumOff val="25000"/>
-                  </a:schemeClr>
-                </a:solidFill>
-                <a:latin typeface="微软雅黑" panose="020B0503020204020204" pitchFamily="34" charset="-122"/>
-                <a:ea typeface="微软雅黑" panose="020B0503020204020204" pitchFamily="34" charset="-122"/>
-              </a:rPr>
-              <a:t>canvas</a:t>
-            </a:r>
-            <a:r>
-              <a:rPr lang="zh-CN" altLang="en-US" sz="2400" dirty="0" smtClean="0">
-                <a:solidFill>
-                  <a:schemeClr val="tx1">
-                    <a:lumMod val="75000"/>
-                    <a:lumOff val="25000"/>
-                  </a:schemeClr>
-                </a:solidFill>
-                <a:latin typeface="微软雅黑" panose="020B0503020204020204" pitchFamily="34" charset="-122"/>
-                <a:ea typeface="微软雅黑" panose="020B0503020204020204" pitchFamily="34" charset="-122"/>
-              </a:rPr>
-              <a:t>动画如何更新，并实现随机粒子网络的动画实例！</a:t>
-            </a:r>
-            <a:endParaRPr lang="zh-CN" altLang="en-US" sz="2400" dirty="0" smtClean="0">
+            <a:r>
+              <a:rPr lang="zh-CN" altLang="en-US" dirty="0" smtClean="0">
+                <a:solidFill>
+                  <a:schemeClr val="tx1">
+                    <a:lumMod val="75000"/>
+                    <a:lumOff val="25000"/>
+                  </a:schemeClr>
+                </a:solidFill>
+                <a:latin typeface="微软雅黑" panose="020B0503020204020204" pitchFamily="34" charset="-122"/>
+                <a:ea typeface="微软雅黑" panose="020B0503020204020204" pitchFamily="34" charset="-122"/>
+              </a:rPr>
+              <a:t>主讲人：</a:t>
+            </a:r>
+            <a:r>
+              <a:rPr lang="en-US" altLang="zh-CN" dirty="0" smtClean="0">
+                <a:solidFill>
+                  <a:schemeClr val="tx1">
+                    <a:lumMod val="75000"/>
+                    <a:lumOff val="25000"/>
+                  </a:schemeClr>
+                </a:solidFill>
+                <a:latin typeface="微软雅黑" panose="020B0503020204020204" pitchFamily="34" charset="-122"/>
+                <a:ea typeface="微软雅黑" panose="020B0503020204020204" pitchFamily="34" charset="-122"/>
+              </a:rPr>
+              <a:t>kong66</a:t>
+            </a:r>
+            <a:endParaRPr lang="zh-CN" altLang="en-US" dirty="0">
               <a:solidFill>
                 <a:schemeClr val="tx1">
                   <a:lumMod val="75000"/>
@@ -3635,34 +3676,12 @@
           </a:p>
         </p:txBody>
       </p:sp>
-      <p:pic>
-        <p:nvPicPr>
-          <p:cNvPr id="5" name="图片 4"/>
-          <p:cNvPicPr>
-            <a:picLocks noChangeAspect="1"/>
-          </p:cNvPicPr>
-          <p:nvPr/>
-        </p:nvPicPr>
-        <p:blipFill>
-          <a:blip r:embed="rId1"/>
-          <a:stretch>
-            <a:fillRect/>
-          </a:stretch>
-        </p:blipFill>
-        <p:spPr>
-          <a:xfrm>
-            <a:off x="1917700" y="2430780"/>
-            <a:ext cx="4744720" cy="3216910"/>
-          </a:xfrm>
-          <a:prstGeom prst="rect">
-            <a:avLst/>
-          </a:prstGeom>
-          <a:effectLst>
-            <a:softEdge rad="63500"/>
-          </a:effectLst>
-        </p:spPr>
-      </p:pic>
     </p:spTree>
+    <p:extLst>
+      <p:ext uri="{BB962C8B-B14F-4D97-AF65-F5344CB8AC3E}">
+        <p14:creationId xmlns:p14="http://schemas.microsoft.com/office/powerpoint/2010/main" val="2228213524"/>
+      </p:ext>
+    </p:extLst>
   </p:cSld>
   <p:clrMapOvr>
     <a:masterClrMapping/>
@@ -3686,7 +3705,319 @@
         <p:cNvGrpSpPr/>
         <p:nvPr/>
       </p:nvGrpSpPr>
-      <p:grpSpPr/>
+      <p:grpSpPr>
+        <a:xfrm>
+          <a:off x="0" y="0"/>
+          <a:ext cx="0" cy="0"/>
+          <a:chOff x="0" y="0"/>
+          <a:chExt cx="0" cy="0"/>
+        </a:xfrm>
+      </p:grpSpPr>
+      <p:pic>
+        <p:nvPicPr>
+          <p:cNvPr id="2" name="图片 1"/>
+          <p:cNvPicPr>
+            <a:picLocks noChangeAspect="1"/>
+          </p:cNvPicPr>
+          <p:nvPr/>
+        </p:nvPicPr>
+        <p:blipFill>
+          <a:blip r:embed="rId2"/>
+          <a:stretch>
+            <a:fillRect/>
+          </a:stretch>
+        </p:blipFill>
+        <p:spPr>
+          <a:xfrm>
+            <a:off x="842645" y="502285"/>
+            <a:ext cx="5562600" cy="3324225"/>
+          </a:xfrm>
+          <a:prstGeom prst="rect">
+            <a:avLst/>
+          </a:prstGeom>
+        </p:spPr>
+      </p:pic>
+      <p:sp>
+        <p:nvSpPr>
+          <p:cNvPr id="7" name="圆角矩形标注 6"/>
+          <p:cNvSpPr/>
+          <p:nvPr/>
+        </p:nvSpPr>
+        <p:spPr>
+          <a:xfrm>
+            <a:off x="1901190" y="171450"/>
+            <a:ext cx="1355090" cy="441960"/>
+          </a:xfrm>
+          <a:prstGeom prst="wedgeRoundRectCallout">
+            <a:avLst>
+              <a:gd name="adj1" fmla="val -27576"/>
+              <a:gd name="adj2" fmla="val 59913"/>
+              <a:gd name="adj3" fmla="val 16667"/>
+            </a:avLst>
+          </a:prstGeom>
+        </p:spPr>
+        <p:style>
+          <a:lnRef idx="2">
+            <a:schemeClr val="accent6"/>
+          </a:lnRef>
+          <a:fillRef idx="1">
+            <a:schemeClr val="lt1"/>
+          </a:fillRef>
+          <a:effectRef idx="0">
+            <a:schemeClr val="accent6"/>
+          </a:effectRef>
+          <a:fontRef idx="minor">
+            <a:schemeClr val="dk1"/>
+          </a:fontRef>
+        </p:style>
+        <p:txBody>
+          <a:bodyPr rtlCol="0" anchor="ctr"/>
+          <a:lstStyle/>
+          <a:p>
+            <a:pPr algn="l">
+              <a:lnSpc>
+                <a:spcPct val="150000"/>
+              </a:lnSpc>
+            </a:pPr>
+            <a:r>
+              <a:rPr lang="zh-CN" altLang="en-US" sz="2000" dirty="0">
+                <a:solidFill>
+                  <a:schemeClr val="tx1">
+                    <a:lumMod val="75000"/>
+                    <a:lumOff val="25000"/>
+                  </a:schemeClr>
+                </a:solidFill>
+                <a:latin typeface="微软雅黑" panose="020B0503020204020204" pitchFamily="34" charset="-122"/>
+                <a:ea typeface="微软雅黑" panose="020B0503020204020204" pitchFamily="34" charset="-122"/>
+              </a:rPr>
+              <a:t>创建粒子</a:t>
+            </a:r>
+          </a:p>
+        </p:txBody>
+      </p:sp>
+      <p:sp>
+        <p:nvSpPr>
+          <p:cNvPr id="11" name="圆角矩形标注 10"/>
+          <p:cNvSpPr/>
+          <p:nvPr/>
+        </p:nvSpPr>
+        <p:spPr>
+          <a:xfrm>
+            <a:off x="5156200" y="378460"/>
+            <a:ext cx="1825625" cy="400685"/>
+          </a:xfrm>
+          <a:prstGeom prst="wedgeRoundRectCallout">
+            <a:avLst>
+              <a:gd name="adj1" fmla="val -23934"/>
+              <a:gd name="adj2" fmla="val 84770"/>
+              <a:gd name="adj3" fmla="val 16667"/>
+            </a:avLst>
+          </a:prstGeom>
+        </p:spPr>
+        <p:style>
+          <a:lnRef idx="2">
+            <a:schemeClr val="accent5"/>
+          </a:lnRef>
+          <a:fillRef idx="1">
+            <a:schemeClr val="lt1"/>
+          </a:fillRef>
+          <a:effectRef idx="0">
+            <a:schemeClr val="accent5"/>
+          </a:effectRef>
+          <a:fontRef idx="minor">
+            <a:schemeClr val="dk1"/>
+          </a:fontRef>
+        </p:style>
+        <p:txBody>
+          <a:bodyPr rtlCol="0" anchor="ctr"/>
+          <a:lstStyle/>
+          <a:p>
+            <a:pPr algn="l">
+              <a:lnSpc>
+                <a:spcPct val="150000"/>
+              </a:lnSpc>
+            </a:pPr>
+            <a:r>
+              <a:rPr lang="zh-CN" altLang="en-US" sz="2000" dirty="0">
+                <a:solidFill>
+                  <a:schemeClr val="tx1">
+                    <a:lumMod val="75000"/>
+                    <a:lumOff val="25000"/>
+                  </a:schemeClr>
+                </a:solidFill>
+                <a:latin typeface="微软雅黑" panose="020B0503020204020204" pitchFamily="34" charset="-122"/>
+                <a:ea typeface="微软雅黑" panose="020B0503020204020204" pitchFamily="34" charset="-122"/>
+              </a:rPr>
+              <a:t>随机一个配置</a:t>
+            </a:r>
+          </a:p>
+        </p:txBody>
+      </p:sp>
+      <p:sp>
+        <p:nvSpPr>
+          <p:cNvPr id="3" name="圆角矩形标注 2"/>
+          <p:cNvSpPr/>
+          <p:nvPr/>
+        </p:nvSpPr>
+        <p:spPr>
+          <a:xfrm>
+            <a:off x="5485765" y="1504950"/>
+            <a:ext cx="2855595" cy="400685"/>
+          </a:xfrm>
+          <a:prstGeom prst="wedgeRoundRectCallout">
+            <a:avLst>
+              <a:gd name="adj1" fmla="val -54800"/>
+              <a:gd name="adj2" fmla="val -4358"/>
+              <a:gd name="adj3" fmla="val 16667"/>
+            </a:avLst>
+          </a:prstGeom>
+        </p:spPr>
+        <p:style>
+          <a:lnRef idx="2">
+            <a:schemeClr val="accent5"/>
+          </a:lnRef>
+          <a:fillRef idx="1">
+            <a:schemeClr val="lt1"/>
+          </a:fillRef>
+          <a:effectRef idx="0">
+            <a:schemeClr val="accent5"/>
+          </a:effectRef>
+          <a:fontRef idx="minor">
+            <a:schemeClr val="dk1"/>
+          </a:fontRef>
+        </p:style>
+        <p:txBody>
+          <a:bodyPr rtlCol="0" anchor="ctr"/>
+          <a:lstStyle/>
+          <a:p>
+            <a:pPr algn="l">
+              <a:lnSpc>
+                <a:spcPct val="150000"/>
+              </a:lnSpc>
+            </a:pPr>
+            <a:r>
+              <a:rPr lang="zh-CN" altLang="en-US" sz="2000" dirty="0">
+                <a:solidFill>
+                  <a:schemeClr val="tx1">
+                    <a:lumMod val="75000"/>
+                    <a:lumOff val="25000"/>
+                  </a:schemeClr>
+                </a:solidFill>
+                <a:latin typeface="微软雅黑" panose="020B0503020204020204" pitchFamily="34" charset="-122"/>
+                <a:ea typeface="微软雅黑" panose="020B0503020204020204" pitchFamily="34" charset="-122"/>
+              </a:rPr>
+              <a:t>生成随机的位置和速度</a:t>
+            </a:r>
+          </a:p>
+        </p:txBody>
+      </p:sp>
+      <p:pic>
+        <p:nvPicPr>
+          <p:cNvPr id="4" name="图片 3"/>
+          <p:cNvPicPr>
+            <a:picLocks noChangeAspect="1"/>
+          </p:cNvPicPr>
+          <p:nvPr/>
+        </p:nvPicPr>
+        <p:blipFill>
+          <a:blip r:embed="rId3"/>
+          <a:stretch>
+            <a:fillRect/>
+          </a:stretch>
+        </p:blipFill>
+        <p:spPr>
+          <a:xfrm>
+            <a:off x="842645" y="4267835"/>
+            <a:ext cx="4286250" cy="933450"/>
+          </a:xfrm>
+          <a:prstGeom prst="rect">
+            <a:avLst/>
+          </a:prstGeom>
+        </p:spPr>
+      </p:pic>
+      <p:sp>
+        <p:nvSpPr>
+          <p:cNvPr id="5" name="圆角矩形标注 4"/>
+          <p:cNvSpPr/>
+          <p:nvPr/>
+        </p:nvSpPr>
+        <p:spPr>
+          <a:xfrm>
+            <a:off x="2176145" y="3910330"/>
+            <a:ext cx="2522220" cy="441960"/>
+          </a:xfrm>
+          <a:prstGeom prst="wedgeRoundRectCallout">
+            <a:avLst>
+              <a:gd name="adj1" fmla="val -27576"/>
+              <a:gd name="adj2" fmla="val 59913"/>
+              <a:gd name="adj3" fmla="val 16667"/>
+            </a:avLst>
+          </a:prstGeom>
+        </p:spPr>
+        <p:style>
+          <a:lnRef idx="2">
+            <a:schemeClr val="accent6"/>
+          </a:lnRef>
+          <a:fillRef idx="1">
+            <a:schemeClr val="lt1"/>
+          </a:fillRef>
+          <a:effectRef idx="0">
+            <a:schemeClr val="accent6"/>
+          </a:effectRef>
+          <a:fontRef idx="minor">
+            <a:schemeClr val="dk1"/>
+          </a:fontRef>
+        </p:style>
+        <p:txBody>
+          <a:bodyPr rtlCol="0" anchor="ctr"/>
+          <a:lstStyle/>
+          <a:p>
+            <a:pPr algn="l">
+              <a:lnSpc>
+                <a:spcPct val="150000"/>
+              </a:lnSpc>
+            </a:pPr>
+            <a:r>
+              <a:rPr lang="zh-CN" altLang="en-US" sz="2000" dirty="0">
+                <a:solidFill>
+                  <a:schemeClr val="tx1">
+                    <a:lumMod val="75000"/>
+                    <a:lumOff val="25000"/>
+                  </a:schemeClr>
+                </a:solidFill>
+                <a:latin typeface="微软雅黑" panose="020B0503020204020204" pitchFamily="34" charset="-122"/>
+                <a:ea typeface="微软雅黑" panose="020B0503020204020204" pitchFamily="34" charset="-122"/>
+              </a:rPr>
+              <a:t>创建需要大量的粒子</a:t>
+            </a:r>
+          </a:p>
+        </p:txBody>
+      </p:sp>
+    </p:spTree>
+  </p:cSld>
+  <p:clrMapOvr>
+    <a:masterClrMapping/>
+  </p:clrMapOvr>
+</p:sld>
+</file>
+
+<file path=ppt/slides/slide11.xml><?xml version="1.0" encoding="utf-8"?>
+<p:sld xmlns:a="http://schemas.openxmlformats.org/drawingml/2006/main" xmlns:r="http://schemas.openxmlformats.org/officeDocument/2006/relationships" xmlns:p="http://schemas.openxmlformats.org/presentationml/2006/main">
+  <p:cSld>
+    <p:spTree>
+      <p:nvGrpSpPr>
+        <p:cNvPr id="1" name=""/>
+        <p:cNvGrpSpPr/>
+        <p:nvPr/>
+      </p:nvGrpSpPr>
+      <p:grpSpPr>
+        <a:xfrm>
+          <a:off x="0" y="0"/>
+          <a:ext cx="0" cy="0"/>
+          <a:chOff x="0" y="0"/>
+          <a:chExt cx="0" cy="0"/>
+        </a:xfrm>
+      </p:grpSpPr>
       <p:sp>
         <p:nvSpPr>
           <p:cNvPr id="5" name="TextBox 4"/>
@@ -3707,6 +4038,7 @@
           <a:bodyPr wrap="square" rtlCol="0">
             <a:spAutoFit/>
           </a:bodyPr>
+          <a:lstStyle/>
           <a:p>
             <a:pPr>
               <a:lnSpc>
@@ -3834,16 +4166,6 @@
               </a:rPr>
               <a:t>.</a:t>
             </a:r>
-            <a:endParaRPr lang="en-US" altLang="zh-CN" sz="2400" dirty="0" smtClean="0">
-              <a:solidFill>
-                <a:schemeClr val="tx1">
-                  <a:lumMod val="75000"/>
-                  <a:lumOff val="25000"/>
-                </a:schemeClr>
-              </a:solidFill>
-              <a:latin typeface="微软雅黑" panose="020B0503020204020204" pitchFamily="34" charset="-122"/>
-              <a:ea typeface="微软雅黑" panose="020B0503020204020204" pitchFamily="34" charset="-122"/>
-            </a:endParaRPr>
           </a:p>
         </p:txBody>
       </p:sp>
@@ -3888,6 +4210,7 @@
         </p:style>
         <p:txBody>
           <a:bodyPr rtlCol="0" anchor="ctr"/>
+          <a:lstStyle/>
           <a:p>
             <a:pPr algn="ctr"/>
             <a:endParaRPr lang="zh-CN" altLang="en-US"/>
@@ -3927,6 +4250,7 @@
         </p:style>
         <p:txBody>
           <a:bodyPr rtlCol="0" anchor="ctr"/>
+          <a:lstStyle/>
           <a:p>
             <a:pPr algn="ctr"/>
             <a:r>
@@ -3937,7 +4261,6 @@
               <a:rPr lang="zh-CN" sz="2400" b="1"/>
               <a:t>有效区域</a:t>
             </a:r>
-            <a:endParaRPr lang="zh-CN" sz="2400" b="1"/>
           </a:p>
         </p:txBody>
       </p:sp>
@@ -3976,6 +4299,7 @@
         </p:style>
         <p:txBody>
           <a:bodyPr rtlCol="0" anchor="ctr"/>
+          <a:lstStyle/>
           <a:p>
             <a:pPr algn="l">
               <a:lnSpc>
@@ -3995,16 +4319,6 @@
               </a:rPr>
               <a:t>超出区域的粒子要剔除掉，不再渲染</a:t>
             </a:r>
-            <a:endParaRPr lang="zh-CN" altLang="en-US" sz="2000" dirty="0">
-              <a:solidFill>
-                <a:schemeClr val="tx1">
-                  <a:lumMod val="75000"/>
-                  <a:lumOff val="25000"/>
-                </a:schemeClr>
-              </a:solidFill>
-              <a:latin typeface="微软雅黑" panose="020B0503020204020204" pitchFamily="34" charset="-122"/>
-              <a:ea typeface="微软雅黑" panose="020B0503020204020204" pitchFamily="34" charset="-122"/>
-            </a:endParaRPr>
           </a:p>
         </p:txBody>
       </p:sp>
@@ -4058,6 +4372,7 @@
           </p:style>
           <p:txBody>
             <a:bodyPr rtlCol="0" anchor="ctr"/>
+            <a:lstStyle/>
             <a:p>
               <a:pPr algn="ctr"/>
               <a:endParaRPr lang="zh-CN" altLang="en-US"/>
@@ -4152,6 +4467,7 @@
           </p:style>
           <p:txBody>
             <a:bodyPr rtlCol="0" anchor="ctr"/>
+            <a:lstStyle/>
             <a:p>
               <a:pPr algn="ctr"/>
               <a:endParaRPr lang="zh-CN" altLang="en-US"/>
@@ -4246,6 +4562,7 @@
           </p:style>
           <p:txBody>
             <a:bodyPr rtlCol="0" anchor="ctr"/>
+            <a:lstStyle/>
             <a:p>
               <a:pPr algn="ctr"/>
               <a:endParaRPr lang="zh-CN" altLang="en-US"/>
@@ -4298,7 +4615,7 @@
 </p:sld>
 </file>
 
-<file path=ppt/slides/slide11.xml><?xml version="1.0" encoding="utf-8"?>
+<file path=ppt/slides/slide12.xml><?xml version="1.0" encoding="utf-8"?>
 <p:sld xmlns:a="http://schemas.openxmlformats.org/drawingml/2006/main" xmlns:r="http://schemas.openxmlformats.org/officeDocument/2006/relationships" xmlns:p="http://schemas.openxmlformats.org/presentationml/2006/main">
   <p:cSld>
     <p:spTree>
@@ -4307,7 +4624,14 @@
         <p:cNvGrpSpPr/>
         <p:nvPr/>
       </p:nvGrpSpPr>
-      <p:grpSpPr/>
+      <p:grpSpPr>
+        <a:xfrm>
+          <a:off x="0" y="0"/>
+          <a:ext cx="0" cy="0"/>
+          <a:chOff x="0" y="0"/>
+          <a:chExt cx="0" cy="0"/>
+        </a:xfrm>
+      </p:grpSpPr>
       <p:pic>
         <p:nvPicPr>
           <p:cNvPr id="2" name="图片 1"/>
@@ -4317,7 +4641,7 @@
           <p:nvPr/>
         </p:nvPicPr>
         <p:blipFill>
-          <a:blip r:embed="rId1"/>
+          <a:blip r:embed="rId2"/>
           <a:stretch>
             <a:fillRect/>
           </a:stretch>
@@ -4367,6 +4691,7 @@
         </p:style>
         <p:txBody>
           <a:bodyPr rtlCol="0" anchor="ctr"/>
+          <a:lstStyle/>
           <a:p>
             <a:pPr algn="l">
               <a:lnSpc>
@@ -4386,16 +4711,6 @@
               </a:rPr>
               <a:t>跟新检查粒子位置</a:t>
             </a:r>
-            <a:endParaRPr lang="zh-CN" altLang="en-US" sz="2000" dirty="0">
-              <a:solidFill>
-                <a:schemeClr val="tx1">
-                  <a:lumMod val="75000"/>
-                  <a:lumOff val="25000"/>
-                </a:schemeClr>
-              </a:solidFill>
-              <a:latin typeface="微软雅黑" panose="020B0503020204020204" pitchFamily="34" charset="-122"/>
-              <a:ea typeface="微软雅黑" panose="020B0503020204020204" pitchFamily="34" charset="-122"/>
-            </a:endParaRPr>
           </a:p>
         </p:txBody>
       </p:sp>
@@ -4434,6 +4749,7 @@
         </p:style>
         <p:txBody>
           <a:bodyPr rtlCol="0" anchor="ctr"/>
+          <a:lstStyle/>
           <a:p>
             <a:pPr algn="l">
               <a:lnSpc>
@@ -4453,16 +4769,6 @@
               </a:rPr>
               <a:t>在区域内的粒子保留</a:t>
             </a:r>
-            <a:endParaRPr lang="zh-CN" altLang="en-US" sz="2000" dirty="0">
-              <a:solidFill>
-                <a:schemeClr val="tx1">
-                  <a:lumMod val="75000"/>
-                  <a:lumOff val="25000"/>
-                </a:schemeClr>
-              </a:solidFill>
-              <a:latin typeface="微软雅黑" panose="020B0503020204020204" pitchFamily="34" charset="-122"/>
-              <a:ea typeface="微软雅黑" panose="020B0503020204020204" pitchFamily="34" charset="-122"/>
-            </a:endParaRPr>
           </a:p>
         </p:txBody>
       </p:sp>
@@ -4501,6 +4807,7 @@
         </p:style>
         <p:txBody>
           <a:bodyPr rtlCol="0" anchor="ctr"/>
+          <a:lstStyle/>
           <a:p>
             <a:pPr algn="l">
               <a:lnSpc>
@@ -4520,16 +4827,6 @@
               </a:rPr>
               <a:t>当粒子少于一定数量，添加新的粒子</a:t>
             </a:r>
-            <a:endParaRPr lang="zh-CN" altLang="en-US" sz="2000" dirty="0">
-              <a:solidFill>
-                <a:schemeClr val="tx1">
-                  <a:lumMod val="75000"/>
-                  <a:lumOff val="25000"/>
-                </a:schemeClr>
-              </a:solidFill>
-              <a:latin typeface="微软雅黑" panose="020B0503020204020204" pitchFamily="34" charset="-122"/>
-              <a:ea typeface="微软雅黑" panose="020B0503020204020204" pitchFamily="34" charset="-122"/>
-            </a:endParaRPr>
           </a:p>
         </p:txBody>
       </p:sp>
@@ -4541,7 +4838,7 @@
 </p:sld>
 </file>
 
-<file path=ppt/slides/slide12.xml><?xml version="1.0" encoding="utf-8"?>
+<file path=ppt/slides/slide13.xml><?xml version="1.0" encoding="utf-8"?>
 <p:sld xmlns:a="http://schemas.openxmlformats.org/drawingml/2006/main" xmlns:r="http://schemas.openxmlformats.org/officeDocument/2006/relationships" xmlns:p="http://schemas.openxmlformats.org/presentationml/2006/main">
   <p:cSld>
     <p:spTree>
@@ -4550,7 +4847,14 @@
         <p:cNvGrpSpPr/>
         <p:nvPr/>
       </p:nvGrpSpPr>
-      <p:grpSpPr/>
+      <p:grpSpPr>
+        <a:xfrm>
+          <a:off x="0" y="0"/>
+          <a:ext cx="0" cy="0"/>
+          <a:chOff x="0" y="0"/>
+          <a:chExt cx="0" cy="0"/>
+        </a:xfrm>
+      </p:grpSpPr>
       <p:sp>
         <p:nvSpPr>
           <p:cNvPr id="5" name="TextBox 4"/>
@@ -4571,6 +4875,7 @@
           <a:bodyPr wrap="square" rtlCol="0">
             <a:spAutoFit/>
           </a:bodyPr>
+          <a:lstStyle/>
           <a:p>
             <a:pPr>
               <a:lnSpc>
@@ -4750,16 +5055,6 @@
               </a:rPr>
               <a:t>.</a:t>
             </a:r>
-            <a:endParaRPr lang="en-US" altLang="zh-CN" sz="2400" dirty="0" smtClean="0">
-              <a:solidFill>
-                <a:schemeClr val="tx1">
-                  <a:lumMod val="75000"/>
-                  <a:lumOff val="25000"/>
-                </a:schemeClr>
-              </a:solidFill>
-              <a:latin typeface="微软雅黑" panose="020B0503020204020204" pitchFamily="34" charset="-122"/>
-              <a:ea typeface="微软雅黑" panose="020B0503020204020204" pitchFamily="34" charset="-122"/>
-            </a:endParaRPr>
           </a:p>
         </p:txBody>
       </p:sp>
@@ -4796,13 +5091,13 @@
         </p:style>
         <p:txBody>
           <a:bodyPr rtlCol="0" anchor="ctr"/>
+          <a:lstStyle/>
           <a:p>
             <a:pPr algn="ctr"/>
             <a:r>
               <a:rPr lang="en-US" altLang="zh-CN"/>
               <a:t>A</a:t>
             </a:r>
-            <a:endParaRPr lang="en-US" altLang="zh-CN"/>
           </a:p>
         </p:txBody>
       </p:sp>
@@ -4839,13 +5134,13 @@
         </p:style>
         <p:txBody>
           <a:bodyPr rtlCol="0" anchor="ctr"/>
+          <a:lstStyle/>
           <a:p>
             <a:pPr algn="ctr"/>
             <a:r>
               <a:rPr lang="en-US" altLang="zh-CN"/>
               <a:t>B</a:t>
             </a:r>
-            <a:endParaRPr lang="en-US" altLang="zh-CN"/>
           </a:p>
         </p:txBody>
       </p:sp>
@@ -4882,13 +5177,13 @@
         </p:style>
         <p:txBody>
           <a:bodyPr rtlCol="0" anchor="ctr"/>
+          <a:lstStyle/>
           <a:p>
             <a:pPr algn="ctr"/>
             <a:r>
               <a:rPr lang="en-US" altLang="zh-CN"/>
               <a:t>C</a:t>
             </a:r>
-            <a:endParaRPr lang="en-US" altLang="zh-CN"/>
           </a:p>
         </p:txBody>
       </p:sp>
@@ -4925,13 +5220,13 @@
         </p:style>
         <p:txBody>
           <a:bodyPr rtlCol="0" anchor="ctr"/>
+          <a:lstStyle/>
           <a:p>
             <a:pPr algn="ctr"/>
             <a:r>
               <a:rPr lang="en-US" altLang="zh-CN"/>
               <a:t>D</a:t>
             </a:r>
-            <a:endParaRPr lang="en-US" altLang="zh-CN"/>
           </a:p>
         </p:txBody>
       </p:sp>
@@ -4966,13 +5261,13 @@
         </p:style>
         <p:txBody>
           <a:bodyPr rtlCol="0" anchor="ctr"/>
+          <a:lstStyle/>
           <a:p>
             <a:pPr algn="ctr"/>
             <a:r>
               <a:rPr lang="en-US" altLang="zh-CN"/>
               <a:t>E</a:t>
             </a:r>
-            <a:endParaRPr lang="en-US" altLang="zh-CN"/>
           </a:p>
         </p:txBody>
       </p:sp>
@@ -5376,6 +5671,7 @@
           <a:bodyPr wrap="square" rtlCol="0">
             <a:spAutoFit/>
           </a:bodyPr>
+          <a:lstStyle/>
           <a:p>
             <a:pPr>
               <a:lnSpc>
@@ -5491,328 +5787,6 @@
               </a:rPr>
               <a:t>之间的距离判断，代码如下：</a:t>
             </a:r>
-            <a:endParaRPr lang="zh-CN" altLang="en-US" sz="2400" dirty="0" smtClean="0">
-              <a:solidFill>
-                <a:schemeClr val="tx1">
-                  <a:lumMod val="75000"/>
-                  <a:lumOff val="25000"/>
-                </a:schemeClr>
-              </a:solidFill>
-              <a:latin typeface="微软雅黑" panose="020B0503020204020204" pitchFamily="34" charset="-122"/>
-              <a:ea typeface="微软雅黑" panose="020B0503020204020204" pitchFamily="34" charset="-122"/>
-            </a:endParaRPr>
-          </a:p>
-        </p:txBody>
-      </p:sp>
-    </p:spTree>
-  </p:cSld>
-  <p:clrMapOvr>
-    <a:masterClrMapping/>
-  </p:clrMapOvr>
-</p:sld>
-</file>
-
-<file path=ppt/slides/slide13.xml><?xml version="1.0" encoding="utf-8"?>
-<p:sld xmlns:a="http://schemas.openxmlformats.org/drawingml/2006/main" xmlns:r="http://schemas.openxmlformats.org/officeDocument/2006/relationships" xmlns:p="http://schemas.openxmlformats.org/presentationml/2006/main">
-  <p:cSld>
-    <p:spTree>
-      <p:nvGrpSpPr>
-        <p:cNvPr id="1" name=""/>
-        <p:cNvGrpSpPr/>
-        <p:nvPr/>
-      </p:nvGrpSpPr>
-      <p:grpSpPr/>
-      <p:pic>
-        <p:nvPicPr>
-          <p:cNvPr id="2" name="图片 1"/>
-          <p:cNvPicPr>
-            <a:picLocks noChangeAspect="1"/>
-          </p:cNvPicPr>
-          <p:nvPr/>
-        </p:nvPicPr>
-        <p:blipFill>
-          <a:blip r:embed="rId1"/>
-          <a:stretch>
-            <a:fillRect/>
-          </a:stretch>
-        </p:blipFill>
-        <p:spPr>
-          <a:xfrm>
-            <a:off x="849630" y="495935"/>
-            <a:ext cx="5553075" cy="2667000"/>
-          </a:xfrm>
-          <a:prstGeom prst="rect">
-            <a:avLst/>
-          </a:prstGeom>
-        </p:spPr>
-      </p:pic>
-      <p:pic>
-        <p:nvPicPr>
-          <p:cNvPr id="3" name="图片 2"/>
-          <p:cNvPicPr>
-            <a:picLocks noChangeAspect="1"/>
-          </p:cNvPicPr>
-          <p:nvPr/>
-        </p:nvPicPr>
-        <p:blipFill>
-          <a:blip r:embed="rId2"/>
-          <a:stretch>
-            <a:fillRect/>
-          </a:stretch>
-        </p:blipFill>
-        <p:spPr>
-          <a:xfrm>
-            <a:off x="849630" y="3523615"/>
-            <a:ext cx="4429125" cy="1257300"/>
-          </a:xfrm>
-          <a:prstGeom prst="rect">
-            <a:avLst/>
-          </a:prstGeom>
-        </p:spPr>
-      </p:pic>
-      <p:sp>
-        <p:nvSpPr>
-          <p:cNvPr id="11" name="圆角矩形标注 10"/>
-          <p:cNvSpPr/>
-          <p:nvPr/>
-        </p:nvSpPr>
-        <p:spPr>
-          <a:xfrm>
-            <a:off x="5278120" y="956945"/>
-            <a:ext cx="3155315" cy="441960"/>
-          </a:xfrm>
-          <a:prstGeom prst="wedgeRoundRectCallout">
-            <a:avLst>
-              <a:gd name="adj1" fmla="val -52381"/>
-              <a:gd name="adj2" fmla="val 12356"/>
-              <a:gd name="adj3" fmla="val 16667"/>
-            </a:avLst>
-          </a:prstGeom>
-        </p:spPr>
-        <p:style>
-          <a:lnRef idx="2">
-            <a:schemeClr val="accent5"/>
-          </a:lnRef>
-          <a:fillRef idx="1">
-            <a:schemeClr val="lt1"/>
-          </a:fillRef>
-          <a:effectRef idx="0">
-            <a:schemeClr val="accent5"/>
-          </a:effectRef>
-          <a:fontRef idx="minor">
-            <a:schemeClr val="dk1"/>
-          </a:fontRef>
-        </p:style>
-        <p:txBody>
-          <a:bodyPr rtlCol="0" anchor="ctr"/>
-          <a:p>
-            <a:pPr algn="l">
-              <a:lnSpc>
-                <a:spcPct val="150000"/>
-              </a:lnSpc>
-            </a:pPr>
-            <a:r>
-              <a:rPr lang="zh-CN" altLang="en-US" sz="2000" dirty="0">
-                <a:solidFill>
-                  <a:schemeClr val="tx1">
-                    <a:lumMod val="75000"/>
-                    <a:lumOff val="25000"/>
-                  </a:schemeClr>
-                </a:solidFill>
-                <a:latin typeface="微软雅黑" panose="020B0503020204020204" pitchFamily="34" charset="-122"/>
-                <a:ea typeface="微软雅黑" panose="020B0503020204020204" pitchFamily="34" charset="-122"/>
-              </a:rPr>
-              <a:t>判断两两粒子之间的距离</a:t>
-            </a:r>
-            <a:endParaRPr lang="en-US" altLang="zh-CN" sz="2000" dirty="0">
-              <a:solidFill>
-                <a:schemeClr val="tx1">
-                  <a:lumMod val="75000"/>
-                  <a:lumOff val="25000"/>
-                </a:schemeClr>
-              </a:solidFill>
-              <a:latin typeface="微软雅黑" panose="020B0503020204020204" pitchFamily="34" charset="-122"/>
-              <a:ea typeface="微软雅黑" panose="020B0503020204020204" pitchFamily="34" charset="-122"/>
-            </a:endParaRPr>
-          </a:p>
-        </p:txBody>
-      </p:sp>
-      <p:sp>
-        <p:nvSpPr>
-          <p:cNvPr id="10" name="矩形 9"/>
-          <p:cNvSpPr/>
-          <p:nvPr/>
-        </p:nvSpPr>
-        <p:spPr>
-          <a:xfrm>
-            <a:off x="1821180" y="1398905"/>
-            <a:ext cx="1272540" cy="306705"/>
-          </a:xfrm>
-          <a:prstGeom prst="rect">
-            <a:avLst/>
-          </a:prstGeom>
-          <a:noFill/>
-          <a:ln w="38100">
-            <a:solidFill>
-              <a:srgbClr val="FFFF00"/>
-            </a:solidFill>
-          </a:ln>
-        </p:spPr>
-        <p:style>
-          <a:lnRef idx="2">
-            <a:schemeClr val="accent1">
-              <a:shade val="50000"/>
-            </a:schemeClr>
-          </a:lnRef>
-          <a:fillRef idx="1">
-            <a:schemeClr val="accent1"/>
-          </a:fillRef>
-          <a:effectRef idx="0">
-            <a:schemeClr val="accent1"/>
-          </a:effectRef>
-          <a:fontRef idx="minor">
-            <a:schemeClr val="lt1"/>
-          </a:fontRef>
-        </p:style>
-        <p:txBody>
-          <a:bodyPr rtlCol="0" anchor="ctr"/>
-          <a:p>
-            <a:pPr algn="ctr"/>
-            <a:endParaRPr lang="zh-CN" altLang="en-US"/>
-          </a:p>
-        </p:txBody>
-      </p:sp>
-      <p:sp>
-        <p:nvSpPr>
-          <p:cNvPr id="4" name="圆角矩形标注 3"/>
-          <p:cNvSpPr/>
-          <p:nvPr/>
-        </p:nvSpPr>
-        <p:spPr>
-          <a:xfrm>
-            <a:off x="4832985" y="3418840"/>
-            <a:ext cx="2571750" cy="441960"/>
-          </a:xfrm>
-          <a:prstGeom prst="wedgeRoundRectCallout">
-            <a:avLst>
-              <a:gd name="adj1" fmla="val -52381"/>
-              <a:gd name="adj2" fmla="val 12356"/>
-              <a:gd name="adj3" fmla="val 16667"/>
-            </a:avLst>
-          </a:prstGeom>
-        </p:spPr>
-        <p:style>
-          <a:lnRef idx="2">
-            <a:schemeClr val="accent5"/>
-          </a:lnRef>
-          <a:fillRef idx="1">
-            <a:schemeClr val="lt1"/>
-          </a:fillRef>
-          <a:effectRef idx="0">
-            <a:schemeClr val="accent5"/>
-          </a:effectRef>
-          <a:fontRef idx="minor">
-            <a:schemeClr val="dk1"/>
-          </a:fontRef>
-        </p:style>
-        <p:txBody>
-          <a:bodyPr rtlCol="0" anchor="ctr"/>
-          <a:p>
-            <a:pPr algn="l">
-              <a:lnSpc>
-                <a:spcPct val="150000"/>
-              </a:lnSpc>
-            </a:pPr>
-            <a:r>
-              <a:rPr lang="zh-CN" altLang="en-US" sz="2000" dirty="0">
-                <a:solidFill>
-                  <a:schemeClr val="tx1">
-                    <a:lumMod val="75000"/>
-                    <a:lumOff val="25000"/>
-                  </a:schemeClr>
-                </a:solidFill>
-                <a:latin typeface="微软雅黑" panose="020B0503020204020204" pitchFamily="34" charset="-122"/>
-                <a:ea typeface="微软雅黑" panose="020B0503020204020204" pitchFamily="34" charset="-122"/>
-              </a:rPr>
-              <a:t>计算粒子之间的距离</a:t>
-            </a:r>
-            <a:endParaRPr lang="zh-CN" altLang="en-US" sz="2000" dirty="0">
-              <a:solidFill>
-                <a:schemeClr val="tx1">
-                  <a:lumMod val="75000"/>
-                  <a:lumOff val="25000"/>
-                </a:schemeClr>
-              </a:solidFill>
-              <a:latin typeface="微软雅黑" panose="020B0503020204020204" pitchFamily="34" charset="-122"/>
-              <a:ea typeface="微软雅黑" panose="020B0503020204020204" pitchFamily="34" charset="-122"/>
-            </a:endParaRPr>
-          </a:p>
-        </p:txBody>
-      </p:sp>
-      <p:sp>
-        <p:nvSpPr>
-          <p:cNvPr id="5" name="圆角矩形标注 4"/>
-          <p:cNvSpPr/>
-          <p:nvPr/>
-        </p:nvSpPr>
-        <p:spPr>
-          <a:xfrm>
-            <a:off x="4018280" y="2067560"/>
-            <a:ext cx="4321175" cy="441960"/>
-          </a:xfrm>
-          <a:prstGeom prst="wedgeRoundRectCallout">
-            <a:avLst>
-              <a:gd name="adj1" fmla="val -22079"/>
-              <a:gd name="adj2" fmla="val -63218"/>
-              <a:gd name="adj3" fmla="val 16667"/>
-            </a:avLst>
-          </a:prstGeom>
-        </p:spPr>
-        <p:style>
-          <a:lnRef idx="2">
-            <a:schemeClr val="accent5"/>
-          </a:lnRef>
-          <a:fillRef idx="1">
-            <a:schemeClr val="lt1"/>
-          </a:fillRef>
-          <a:effectRef idx="0">
-            <a:schemeClr val="accent5"/>
-          </a:effectRef>
-          <a:fontRef idx="minor">
-            <a:schemeClr val="dk1"/>
-          </a:fontRef>
-        </p:style>
-        <p:txBody>
-          <a:bodyPr rtlCol="0" anchor="ctr"/>
-          <a:p>
-            <a:pPr algn="l">
-              <a:lnSpc>
-                <a:spcPct val="150000"/>
-              </a:lnSpc>
-            </a:pPr>
-            <a:r>
-              <a:rPr lang="zh-CN" altLang="en-US" sz="2000" dirty="0">
-                <a:solidFill>
-                  <a:schemeClr val="tx1">
-                    <a:lumMod val="75000"/>
-                    <a:lumOff val="25000"/>
-                  </a:schemeClr>
-                </a:solidFill>
-                <a:latin typeface="微软雅黑" panose="020B0503020204020204" pitchFamily="34" charset="-122"/>
-                <a:ea typeface="微软雅黑" panose="020B0503020204020204" pitchFamily="34" charset="-122"/>
-              </a:rPr>
-              <a:t>距离和透明度成正比，将距离归一化</a:t>
-            </a:r>
-            <a:endParaRPr lang="zh-CN" altLang="en-US" sz="2000" dirty="0">
-              <a:solidFill>
-                <a:schemeClr val="tx1">
-                  <a:lumMod val="75000"/>
-                  <a:lumOff val="25000"/>
-                </a:schemeClr>
-              </a:solidFill>
-              <a:latin typeface="微软雅黑" panose="020B0503020204020204" pitchFamily="34" charset="-122"/>
-              <a:ea typeface="微软雅黑" panose="020B0503020204020204" pitchFamily="34" charset="-122"/>
-            </a:endParaRPr>
           </a:p>
         </p:txBody>
       </p:sp>
@@ -5833,167 +5807,14 @@
         <p:cNvGrpSpPr/>
         <p:nvPr/>
       </p:nvGrpSpPr>
-      <p:grpSpPr/>
-      <p:sp>
-        <p:nvSpPr>
-          <p:cNvPr id="5" name="TextBox 4"/>
-          <p:cNvSpPr txBox="1"/>
-          <p:nvPr/>
-        </p:nvSpPr>
-        <p:spPr>
-          <a:xfrm>
-            <a:off x="668727" y="-101602"/>
-            <a:ext cx="7776000" cy="2306955"/>
-          </a:xfrm>
-          <a:prstGeom prst="rect">
-            <a:avLst/>
-          </a:prstGeom>
-          <a:noFill/>
-        </p:spPr>
-        <p:txBody>
-          <a:bodyPr wrap="square" rtlCol="0">
-            <a:spAutoFit/>
-          </a:bodyPr>
-          <a:p>
-            <a:pPr>
-              <a:lnSpc>
-                <a:spcPct val="150000"/>
-              </a:lnSpc>
-            </a:pPr>
-            <a:r>
-              <a:rPr lang="en-US" altLang="zh-CN" sz="2400" b="1" dirty="0" smtClean="0">
-                <a:solidFill>
-                  <a:schemeClr val="tx1">
-                    <a:lumMod val="75000"/>
-                    <a:lumOff val="25000"/>
-                  </a:schemeClr>
-                </a:solidFill>
-                <a:latin typeface="微软雅黑" panose="020B0503020204020204" pitchFamily="34" charset="-122"/>
-                <a:ea typeface="微软雅黑" panose="020B0503020204020204" pitchFamily="34" charset="-122"/>
-              </a:rPr>
-              <a:t>4-e </a:t>
-            </a:r>
-            <a:r>
-              <a:rPr lang="zh-CN" altLang="en-US" sz="2400" b="1" dirty="0" smtClean="0">
-                <a:solidFill>
-                  <a:schemeClr val="tx1">
-                    <a:lumMod val="75000"/>
-                    <a:lumOff val="25000"/>
-                  </a:schemeClr>
-                </a:solidFill>
-                <a:latin typeface="微软雅黑" panose="020B0503020204020204" pitchFamily="34" charset="-122"/>
-                <a:ea typeface="微软雅黑" panose="020B0503020204020204" pitchFamily="34" charset="-122"/>
-              </a:rPr>
-              <a:t>鼠标放入移出</a:t>
-            </a:r>
-            <a:endParaRPr lang="en-US" altLang="zh-CN" sz="2400" dirty="0" smtClean="0">
-              <a:solidFill>
-                <a:schemeClr val="tx1">
-                  <a:lumMod val="75000"/>
-                  <a:lumOff val="25000"/>
-                </a:schemeClr>
-              </a:solidFill>
-              <a:latin typeface="微软雅黑" panose="020B0503020204020204" pitchFamily="34" charset="-122"/>
-              <a:ea typeface="微软雅黑" panose="020B0503020204020204" pitchFamily="34" charset="-122"/>
-            </a:endParaRPr>
-          </a:p>
-          <a:p>
-            <a:pPr>
-              <a:lnSpc>
-                <a:spcPct val="150000"/>
-              </a:lnSpc>
-            </a:pPr>
-            <a:r>
-              <a:rPr lang="zh-CN" altLang="en-US" sz="2400" dirty="0" smtClean="0">
-                <a:solidFill>
-                  <a:schemeClr val="tx1">
-                    <a:lumMod val="75000"/>
-                    <a:lumOff val="25000"/>
-                  </a:schemeClr>
-                </a:solidFill>
-                <a:latin typeface="微软雅黑" panose="020B0503020204020204" pitchFamily="34" charset="-122"/>
-                <a:ea typeface="微软雅黑" panose="020B0503020204020204" pitchFamily="34" charset="-122"/>
-              </a:rPr>
-              <a:t>鼠标放入后，其实就是添加了一个速度为</a:t>
-            </a:r>
-            <a:r>
-              <a:rPr lang="en-US" altLang="zh-CN" sz="2400" dirty="0" smtClean="0">
-                <a:solidFill>
-                  <a:schemeClr val="tx1">
-                    <a:lumMod val="75000"/>
-                    <a:lumOff val="25000"/>
-                  </a:schemeClr>
-                </a:solidFill>
-                <a:latin typeface="微软雅黑" panose="020B0503020204020204" pitchFamily="34" charset="-122"/>
-                <a:ea typeface="微软雅黑" panose="020B0503020204020204" pitchFamily="34" charset="-122"/>
-              </a:rPr>
-              <a:t>0</a:t>
-            </a:r>
-            <a:r>
-              <a:rPr lang="zh-CN" altLang="en-US" sz="2400" dirty="0" smtClean="0">
-                <a:solidFill>
-                  <a:schemeClr val="tx1">
-                    <a:lumMod val="75000"/>
-                    <a:lumOff val="25000"/>
-                  </a:schemeClr>
-                </a:solidFill>
-                <a:latin typeface="微软雅黑" panose="020B0503020204020204" pitchFamily="34" charset="-122"/>
-                <a:ea typeface="微软雅黑" panose="020B0503020204020204" pitchFamily="34" charset="-122"/>
-              </a:rPr>
-              <a:t>，随着鼠标移动而移动的粒子</a:t>
-            </a:r>
-            <a:r>
-              <a:rPr lang="en-US" altLang="zh-CN" sz="2400" dirty="0" smtClean="0">
-                <a:solidFill>
-                  <a:schemeClr val="tx1">
-                    <a:lumMod val="75000"/>
-                    <a:lumOff val="25000"/>
-                  </a:schemeClr>
-                </a:solidFill>
-                <a:latin typeface="微软雅黑" panose="020B0503020204020204" pitchFamily="34" charset="-122"/>
-                <a:ea typeface="微软雅黑" panose="020B0503020204020204" pitchFamily="34" charset="-122"/>
-              </a:rPr>
-              <a:t>.</a:t>
-            </a:r>
-            <a:r>
-              <a:rPr lang="zh-CN" altLang="en-US" sz="2400" dirty="0" smtClean="0">
-                <a:solidFill>
-                  <a:schemeClr val="tx1">
-                    <a:lumMod val="75000"/>
-                    <a:lumOff val="25000"/>
-                  </a:schemeClr>
-                </a:solidFill>
-                <a:latin typeface="微软雅黑" panose="020B0503020204020204" pitchFamily="34" charset="-122"/>
-                <a:ea typeface="微软雅黑" panose="020B0503020204020204" pitchFamily="34" charset="-122"/>
-              </a:rPr>
-              <a:t>添加新粒子都是在粒子数组的末尾，鼠标引入的粒子，添加在数组开头即可</a:t>
-            </a:r>
-            <a:r>
-              <a:rPr lang="en-US" altLang="zh-CN" sz="2400" dirty="0" smtClean="0">
-                <a:solidFill>
-                  <a:schemeClr val="tx1">
-                    <a:lumMod val="75000"/>
-                    <a:lumOff val="25000"/>
-                  </a:schemeClr>
-                </a:solidFill>
-                <a:latin typeface="微软雅黑" panose="020B0503020204020204" pitchFamily="34" charset="-122"/>
-                <a:ea typeface="微软雅黑" panose="020B0503020204020204" pitchFamily="34" charset="-122"/>
-              </a:rPr>
-              <a:t>.</a:t>
-            </a:r>
-            <a:endParaRPr lang="en-US" altLang="zh-CN" sz="2400" dirty="0" smtClean="0">
-              <a:solidFill>
-                <a:schemeClr val="tx1">
-                  <a:lumMod val="75000"/>
-                  <a:lumOff val="25000"/>
-                </a:schemeClr>
-              </a:solidFill>
-              <a:latin typeface="微软雅黑" panose="020B0503020204020204" pitchFamily="34" charset="-122"/>
-              <a:ea typeface="微软雅黑" panose="020B0503020204020204" pitchFamily="34" charset="-122"/>
-            </a:endParaRPr>
-          </a:p>
-        </p:txBody>
-      </p:sp>
+      <p:grpSpPr>
+        <a:xfrm>
+          <a:off x="0" y="0"/>
+          <a:ext cx="0" cy="0"/>
+          <a:chOff x="0" y="0"/>
+          <a:chExt cx="0" cy="0"/>
+        </a:xfrm>
+      </p:grpSpPr>
       <p:pic>
         <p:nvPicPr>
           <p:cNvPr id="2" name="图片 1"/>
@@ -6003,21 +5824,45 @@
           <p:nvPr/>
         </p:nvPicPr>
         <p:blipFill>
-          <a:blip r:embed="rId1"/>
+          <a:blip r:embed="rId2"/>
           <a:stretch>
             <a:fillRect/>
           </a:stretch>
         </p:blipFill>
         <p:spPr>
           <a:xfrm>
-            <a:off x="1052830" y="2389505"/>
-            <a:ext cx="3505200" cy="3552825"/>
+            <a:off x="849630" y="495935"/>
+            <a:ext cx="5553075" cy="2667000"/>
           </a:xfrm>
           <a:prstGeom prst="rect">
             <a:avLst/>
           </a:prstGeom>
         </p:spPr>
       </p:pic>
+      <p:pic>
+        <p:nvPicPr>
+          <p:cNvPr id="3" name="图片 2"/>
+          <p:cNvPicPr>
+            <a:picLocks noChangeAspect="1"/>
+          </p:cNvPicPr>
+          <p:nvPr/>
+        </p:nvPicPr>
+        <p:blipFill>
+          <a:blip r:embed="rId3"/>
+          <a:stretch>
+            <a:fillRect/>
+          </a:stretch>
+        </p:blipFill>
+        <p:spPr>
+          <a:xfrm>
+            <a:off x="849630" y="3523615"/>
+            <a:ext cx="4429125" cy="1257300"/>
+          </a:xfrm>
+          <a:prstGeom prst="rect">
+            <a:avLst/>
+          </a:prstGeom>
+        </p:spPr>
+      </p:pic>
       <p:sp>
         <p:nvSpPr>
           <p:cNvPr id="11" name="圆角矩形标注 10"/>
@@ -6026,13 +5871,13 @@
         </p:nvSpPr>
         <p:spPr>
           <a:xfrm>
-            <a:off x="4686935" y="2205355"/>
-            <a:ext cx="3465195" cy="1336675"/>
+            <a:off x="5278120" y="956945"/>
+            <a:ext cx="3155315" cy="441960"/>
           </a:xfrm>
           <a:prstGeom prst="wedgeRoundRectCallout">
             <a:avLst>
-              <a:gd name="adj1" fmla="val -53023"/>
-              <a:gd name="adj2" fmla="val -24584"/>
+              <a:gd name="adj1" fmla="val -52381"/>
+              <a:gd name="adj2" fmla="val 12356"/>
               <a:gd name="adj3" fmla="val 16667"/>
             </a:avLst>
           </a:prstGeom>
@@ -6053,6 +5898,7 @@
         </p:style>
         <p:txBody>
           <a:bodyPr rtlCol="0" anchor="ctr"/>
+          <a:lstStyle/>
           <a:p>
             <a:pPr algn="l">
               <a:lnSpc>
@@ -6070,9 +5916,9 @@
                 <a:latin typeface="微软雅黑" panose="020B0503020204020204" pitchFamily="34" charset="-122"/>
                 <a:ea typeface="微软雅黑" panose="020B0503020204020204" pitchFamily="34" charset="-122"/>
               </a:rPr>
-              <a:t>绑定鼠标进入画布事件，一旦鼠标移入，在数组头部添加一个粒子数据</a:t>
-            </a:r>
-            <a:endParaRPr lang="zh-CN" altLang="en-US" sz="2000" dirty="0">
+              <a:t>判断两两粒子之间的距离</a:t>
+            </a:r>
+            <a:endParaRPr lang="en-US" altLang="zh-CN" sz="2000" dirty="0">
               <a:solidFill>
                 <a:schemeClr val="tx1">
                   <a:lumMod val="75000"/>
@@ -6087,19 +5933,65 @@
       </p:sp>
       <p:sp>
         <p:nvSpPr>
-          <p:cNvPr id="3" name="圆角矩形标注 2"/>
+          <p:cNvPr id="10" name="矩形 9"/>
           <p:cNvSpPr/>
           <p:nvPr/>
         </p:nvSpPr>
         <p:spPr>
           <a:xfrm>
-            <a:off x="4157980" y="3641090"/>
-            <a:ext cx="3674110" cy="933450"/>
+            <a:off x="1821180" y="1398905"/>
+            <a:ext cx="1272540" cy="306705"/>
+          </a:xfrm>
+          <a:prstGeom prst="rect">
+            <a:avLst/>
+          </a:prstGeom>
+          <a:noFill/>
+          <a:ln w="38100">
+            <a:solidFill>
+              <a:srgbClr val="FFFF00"/>
+            </a:solidFill>
+          </a:ln>
+        </p:spPr>
+        <p:style>
+          <a:lnRef idx="2">
+            <a:schemeClr val="accent1">
+              <a:shade val="50000"/>
+            </a:schemeClr>
+          </a:lnRef>
+          <a:fillRef idx="1">
+            <a:schemeClr val="accent1"/>
+          </a:fillRef>
+          <a:effectRef idx="0">
+            <a:schemeClr val="accent1"/>
+          </a:effectRef>
+          <a:fontRef idx="minor">
+            <a:schemeClr val="lt1"/>
+          </a:fontRef>
+        </p:style>
+        <p:txBody>
+          <a:bodyPr rtlCol="0" anchor="ctr"/>
+          <a:lstStyle/>
+          <a:p>
+            <a:pPr algn="ctr"/>
+            <a:endParaRPr lang="zh-CN" altLang="en-US"/>
+          </a:p>
+        </p:txBody>
+      </p:sp>
+      <p:sp>
+        <p:nvSpPr>
+          <p:cNvPr id="4" name="圆角矩形标注 3"/>
+          <p:cNvSpPr/>
+          <p:nvPr/>
+        </p:nvSpPr>
+        <p:spPr>
+          <a:xfrm>
+            <a:off x="4832985" y="3418840"/>
+            <a:ext cx="2571750" cy="441960"/>
           </a:xfrm>
           <a:prstGeom prst="wedgeRoundRectCallout">
             <a:avLst>
-              <a:gd name="adj1" fmla="val -53023"/>
-              <a:gd name="adj2" fmla="val -24584"/>
+              <a:gd name="adj1" fmla="val -52381"/>
+              <a:gd name="adj2" fmla="val 12356"/>
               <a:gd name="adj3" fmla="val 16667"/>
             </a:avLst>
           </a:prstGeom>
@@ -6120,6 +6012,7 @@
         </p:style>
         <p:txBody>
           <a:bodyPr rtlCol="0" anchor="ctr"/>
+          <a:lstStyle/>
           <a:p>
             <a:pPr algn="l">
               <a:lnSpc>
@@ -6137,36 +6030,26 @@
                 <a:latin typeface="微软雅黑" panose="020B0503020204020204" pitchFamily="34" charset="-122"/>
                 <a:ea typeface="微软雅黑" panose="020B0503020204020204" pitchFamily="34" charset="-122"/>
               </a:rPr>
-              <a:t>绑定鼠标移除元素事件，一旦移除，去掉头部的粒子数据</a:t>
-            </a:r>
-            <a:endParaRPr lang="zh-CN" altLang="en-US" sz="2000" dirty="0">
-              <a:solidFill>
-                <a:schemeClr val="tx1">
-                  <a:lumMod val="75000"/>
-                  <a:lumOff val="25000"/>
-                </a:schemeClr>
-              </a:solidFill>
-              <a:latin typeface="微软雅黑" panose="020B0503020204020204" pitchFamily="34" charset="-122"/>
-              <a:ea typeface="微软雅黑" panose="020B0503020204020204" pitchFamily="34" charset="-122"/>
-            </a:endParaRPr>
-          </a:p>
-        </p:txBody>
-      </p:sp>
-      <p:sp>
-        <p:nvSpPr>
-          <p:cNvPr id="4" name="圆角矩形标注 3"/>
+              <a:t>计算粒子之间的距离</a:t>
+            </a:r>
+          </a:p>
+        </p:txBody>
+      </p:sp>
+      <p:sp>
+        <p:nvSpPr>
+          <p:cNvPr id="5" name="圆角矩形标注 4"/>
           <p:cNvSpPr/>
           <p:nvPr/>
         </p:nvSpPr>
         <p:spPr>
           <a:xfrm>
-            <a:off x="4380865" y="4726305"/>
-            <a:ext cx="3938905" cy="933450"/>
+            <a:off x="4018280" y="2067560"/>
+            <a:ext cx="4321175" cy="441960"/>
           </a:xfrm>
           <a:prstGeom prst="wedgeRoundRectCallout">
             <a:avLst>
-              <a:gd name="adj1" fmla="val -53023"/>
-              <a:gd name="adj2" fmla="val -24584"/>
+              <a:gd name="adj1" fmla="val -22079"/>
+              <a:gd name="adj2" fmla="val -63218"/>
               <a:gd name="adj3" fmla="val 16667"/>
             </a:avLst>
           </a:prstGeom>
@@ -6187,6 +6070,7 @@
         </p:style>
         <p:txBody>
           <a:bodyPr rtlCol="0" anchor="ctr"/>
+          <a:lstStyle/>
           <a:p>
             <a:pPr algn="l">
               <a:lnSpc>
@@ -6204,18 +6088,8 @@
                 <a:latin typeface="微软雅黑" panose="020B0503020204020204" pitchFamily="34" charset="-122"/>
                 <a:ea typeface="微软雅黑" panose="020B0503020204020204" pitchFamily="34" charset="-122"/>
               </a:rPr>
-              <a:t>如果鼠标已经在画布上，一旦移动，修改鼠标对应的粒子数据</a:t>
-            </a:r>
-            <a:endParaRPr lang="zh-CN" altLang="en-US" sz="2000" dirty="0">
-              <a:solidFill>
-                <a:schemeClr val="tx1">
-                  <a:lumMod val="75000"/>
-                  <a:lumOff val="25000"/>
-                </a:schemeClr>
-              </a:solidFill>
-              <a:latin typeface="微软雅黑" panose="020B0503020204020204" pitchFamily="34" charset="-122"/>
-              <a:ea typeface="微软雅黑" panose="020B0503020204020204" pitchFamily="34" charset="-122"/>
-            </a:endParaRPr>
+              <a:t>距离和透明度成正比，将距离归一化</a:t>
+            </a:r>
           </a:p>
         </p:txBody>
       </p:sp>
@@ -6236,25 +6110,183 @@
         <p:cNvGrpSpPr/>
         <p:nvPr/>
       </p:nvGrpSpPr>
-      <p:grpSpPr/>
+      <p:grpSpPr>
+        <a:xfrm>
+          <a:off x="0" y="0"/>
+          <a:ext cx="0" cy="0"/>
+          <a:chOff x="0" y="0"/>
+          <a:chExt cx="0" cy="0"/>
+        </a:xfrm>
+      </p:grpSpPr>
+      <p:sp>
+        <p:nvSpPr>
+          <p:cNvPr id="5" name="TextBox 4"/>
+          <p:cNvSpPr txBox="1"/>
+          <p:nvPr/>
+        </p:nvSpPr>
+        <p:spPr>
+          <a:xfrm>
+            <a:off x="668727" y="-101602"/>
+            <a:ext cx="7776000" cy="2306955"/>
+          </a:xfrm>
+          <a:prstGeom prst="rect">
+            <a:avLst/>
+          </a:prstGeom>
+          <a:noFill/>
+        </p:spPr>
+        <p:txBody>
+          <a:bodyPr wrap="square" rtlCol="0">
+            <a:spAutoFit/>
+          </a:bodyPr>
+          <a:lstStyle/>
+          <a:p>
+            <a:pPr>
+              <a:lnSpc>
+                <a:spcPct val="150000"/>
+              </a:lnSpc>
+            </a:pPr>
+            <a:r>
+              <a:rPr lang="en-US" altLang="zh-CN" sz="2400" b="1" dirty="0" smtClean="0">
+                <a:solidFill>
+                  <a:schemeClr val="tx1">
+                    <a:lumMod val="75000"/>
+                    <a:lumOff val="25000"/>
+                  </a:schemeClr>
+                </a:solidFill>
+                <a:latin typeface="微软雅黑" panose="020B0503020204020204" pitchFamily="34" charset="-122"/>
+                <a:ea typeface="微软雅黑" panose="020B0503020204020204" pitchFamily="34" charset="-122"/>
+              </a:rPr>
+              <a:t>4-e </a:t>
+            </a:r>
+            <a:r>
+              <a:rPr lang="zh-CN" altLang="en-US" sz="2400" b="1" dirty="0" smtClean="0">
+                <a:solidFill>
+                  <a:schemeClr val="tx1">
+                    <a:lumMod val="75000"/>
+                    <a:lumOff val="25000"/>
+                  </a:schemeClr>
+                </a:solidFill>
+                <a:latin typeface="微软雅黑" panose="020B0503020204020204" pitchFamily="34" charset="-122"/>
+                <a:ea typeface="微软雅黑" panose="020B0503020204020204" pitchFamily="34" charset="-122"/>
+              </a:rPr>
+              <a:t>鼠标放入移出</a:t>
+            </a:r>
+            <a:endParaRPr lang="en-US" altLang="zh-CN" sz="2400" dirty="0" smtClean="0">
+              <a:solidFill>
+                <a:schemeClr val="tx1">
+                  <a:lumMod val="75000"/>
+                  <a:lumOff val="25000"/>
+                </a:schemeClr>
+              </a:solidFill>
+              <a:latin typeface="微软雅黑" panose="020B0503020204020204" pitchFamily="34" charset="-122"/>
+              <a:ea typeface="微软雅黑" panose="020B0503020204020204" pitchFamily="34" charset="-122"/>
+            </a:endParaRPr>
+          </a:p>
+          <a:p>
+            <a:pPr>
+              <a:lnSpc>
+                <a:spcPct val="150000"/>
+              </a:lnSpc>
+            </a:pPr>
+            <a:r>
+              <a:rPr lang="zh-CN" altLang="en-US" sz="2400" dirty="0" smtClean="0">
+                <a:solidFill>
+                  <a:schemeClr val="tx1">
+                    <a:lumMod val="75000"/>
+                    <a:lumOff val="25000"/>
+                  </a:schemeClr>
+                </a:solidFill>
+                <a:latin typeface="微软雅黑" panose="020B0503020204020204" pitchFamily="34" charset="-122"/>
+                <a:ea typeface="微软雅黑" panose="020B0503020204020204" pitchFamily="34" charset="-122"/>
+              </a:rPr>
+              <a:t>鼠标放入后，其实就是添加了一个速度为</a:t>
+            </a:r>
+            <a:r>
+              <a:rPr lang="en-US" altLang="zh-CN" sz="2400" dirty="0" smtClean="0">
+                <a:solidFill>
+                  <a:schemeClr val="tx1">
+                    <a:lumMod val="75000"/>
+                    <a:lumOff val="25000"/>
+                  </a:schemeClr>
+                </a:solidFill>
+                <a:latin typeface="微软雅黑" panose="020B0503020204020204" pitchFamily="34" charset="-122"/>
+                <a:ea typeface="微软雅黑" panose="020B0503020204020204" pitchFamily="34" charset="-122"/>
+              </a:rPr>
+              <a:t>0</a:t>
+            </a:r>
+            <a:r>
+              <a:rPr lang="zh-CN" altLang="en-US" sz="2400" dirty="0" smtClean="0">
+                <a:solidFill>
+                  <a:schemeClr val="tx1">
+                    <a:lumMod val="75000"/>
+                    <a:lumOff val="25000"/>
+                  </a:schemeClr>
+                </a:solidFill>
+                <a:latin typeface="微软雅黑" panose="020B0503020204020204" pitchFamily="34" charset="-122"/>
+                <a:ea typeface="微软雅黑" panose="020B0503020204020204" pitchFamily="34" charset="-122"/>
+              </a:rPr>
+              <a:t>，随着鼠标移动而移动的粒子</a:t>
+            </a:r>
+            <a:r>
+              <a:rPr lang="en-US" altLang="zh-CN" sz="2400" dirty="0" smtClean="0">
+                <a:solidFill>
+                  <a:schemeClr val="tx1">
+                    <a:lumMod val="75000"/>
+                    <a:lumOff val="25000"/>
+                  </a:schemeClr>
+                </a:solidFill>
+                <a:latin typeface="微软雅黑" panose="020B0503020204020204" pitchFamily="34" charset="-122"/>
+                <a:ea typeface="微软雅黑" panose="020B0503020204020204" pitchFamily="34" charset="-122"/>
+              </a:rPr>
+              <a:t>.</a:t>
+            </a:r>
+            <a:r>
+              <a:rPr lang="zh-CN" altLang="en-US" sz="2400" dirty="0" smtClean="0">
+                <a:solidFill>
+                  <a:schemeClr val="tx1">
+                    <a:lumMod val="75000"/>
+                    <a:lumOff val="25000"/>
+                  </a:schemeClr>
+                </a:solidFill>
+                <a:latin typeface="微软雅黑" panose="020B0503020204020204" pitchFamily="34" charset="-122"/>
+                <a:ea typeface="微软雅黑" panose="020B0503020204020204" pitchFamily="34" charset="-122"/>
+              </a:rPr>
+              <a:t>添加新粒子都是在粒子数组的末尾，鼠标引入的粒子，添加在数组开头即可</a:t>
+            </a:r>
+            <a:r>
+              <a:rPr lang="en-US" altLang="zh-CN" sz="2400" dirty="0" smtClean="0">
+                <a:solidFill>
+                  <a:schemeClr val="tx1">
+                    <a:lumMod val="75000"/>
+                    <a:lumOff val="25000"/>
+                  </a:schemeClr>
+                </a:solidFill>
+                <a:latin typeface="微软雅黑" panose="020B0503020204020204" pitchFamily="34" charset="-122"/>
+                <a:ea typeface="微软雅黑" panose="020B0503020204020204" pitchFamily="34" charset="-122"/>
+              </a:rPr>
+              <a:t>.</a:t>
+            </a:r>
+          </a:p>
+        </p:txBody>
+      </p:sp>
       <p:pic>
         <p:nvPicPr>
-          <p:cNvPr id="4" name="图片 3"/>
+          <p:cNvPr id="2" name="图片 1"/>
           <p:cNvPicPr>
             <a:picLocks noChangeAspect="1"/>
           </p:cNvPicPr>
           <p:nvPr/>
         </p:nvPicPr>
         <p:blipFill>
-          <a:blip r:embed="rId1"/>
+          <a:blip r:embed="rId2"/>
           <a:stretch>
             <a:fillRect/>
           </a:stretch>
         </p:blipFill>
         <p:spPr>
           <a:xfrm>
-            <a:off x="1311275" y="400685"/>
-            <a:ext cx="2514600" cy="2133600"/>
+            <a:off x="1052830" y="2389505"/>
+            <a:ext cx="3505200" cy="3552825"/>
           </a:xfrm>
           <a:prstGeom prst="rect">
             <a:avLst/>
@@ -6263,19 +6295,19 @@
       </p:pic>
       <p:sp>
         <p:nvSpPr>
-          <p:cNvPr id="5" name="圆角矩形标注 4"/>
+          <p:cNvPr id="11" name="圆角矩形标注 10"/>
           <p:cNvSpPr/>
           <p:nvPr/>
         </p:nvSpPr>
         <p:spPr>
           <a:xfrm>
-            <a:off x="3825875" y="678180"/>
-            <a:ext cx="3769360" cy="1524000"/>
+            <a:off x="4686935" y="2205355"/>
+            <a:ext cx="3465195" cy="1336675"/>
           </a:xfrm>
           <a:prstGeom prst="wedgeRoundRectCallout">
             <a:avLst>
-              <a:gd name="adj1" fmla="val -52004"/>
-              <a:gd name="adj2" fmla="val -27791"/>
+              <a:gd name="adj1" fmla="val -53023"/>
+              <a:gd name="adj2" fmla="val -24584"/>
               <a:gd name="adj3" fmla="val 16667"/>
             </a:avLst>
           </a:prstGeom>
@@ -6296,6 +6328,7 @@
         </p:style>
         <p:txBody>
           <a:bodyPr rtlCol="0" anchor="ctr"/>
+          <a:lstStyle/>
           <a:p>
             <a:pPr algn="l">
               <a:lnSpc>
@@ -6313,21 +6346,53 @@
                 <a:latin typeface="微软雅黑" panose="020B0503020204020204" pitchFamily="34" charset="-122"/>
                 <a:ea typeface="微软雅黑" panose="020B0503020204020204" pitchFamily="34" charset="-122"/>
               </a:rPr>
-              <a:t>鼠标对应的粒子数据，速度为</a:t>
-            </a:r>
-            <a:r>
-              <a:rPr lang="en-US" altLang="zh-CN" sz="2000" dirty="0">
-                <a:solidFill>
-                  <a:schemeClr val="tx1">
-                    <a:lumMod val="75000"/>
-                    <a:lumOff val="25000"/>
-                  </a:schemeClr>
-                </a:solidFill>
-                <a:latin typeface="微软雅黑" panose="020B0503020204020204" pitchFamily="34" charset="-122"/>
-                <a:ea typeface="微软雅黑" panose="020B0503020204020204" pitchFamily="34" charset="-122"/>
-              </a:rPr>
-              <a:t>0</a:t>
-            </a:r>
+              <a:t>绑定鼠标进入画布事件，一旦鼠标移入，在数组头部添加一个粒子数据</a:t>
+            </a:r>
+          </a:p>
+        </p:txBody>
+      </p:sp>
+      <p:sp>
+        <p:nvSpPr>
+          <p:cNvPr id="3" name="圆角矩形标注 2"/>
+          <p:cNvSpPr/>
+          <p:nvPr/>
+        </p:nvSpPr>
+        <p:spPr>
+          <a:xfrm>
+            <a:off x="4157980" y="3641090"/>
+            <a:ext cx="3674110" cy="933450"/>
+          </a:xfrm>
+          <a:prstGeom prst="wedgeRoundRectCallout">
+            <a:avLst>
+              <a:gd name="adj1" fmla="val -53023"/>
+              <a:gd name="adj2" fmla="val -24584"/>
+              <a:gd name="adj3" fmla="val 16667"/>
+            </a:avLst>
+          </a:prstGeom>
+        </p:spPr>
+        <p:style>
+          <a:lnRef idx="2">
+            <a:schemeClr val="accent5"/>
+          </a:lnRef>
+          <a:fillRef idx="1">
+            <a:schemeClr val="lt1"/>
+          </a:fillRef>
+          <a:effectRef idx="0">
+            <a:schemeClr val="accent5"/>
+          </a:effectRef>
+          <a:fontRef idx="minor">
+            <a:schemeClr val="dk1"/>
+          </a:fontRef>
+        </p:style>
+        <p:txBody>
+          <a:bodyPr rtlCol="0" anchor="ctr"/>
+          <a:lstStyle/>
+          <a:p>
+            <a:pPr algn="l">
+              <a:lnSpc>
+                <a:spcPct val="150000"/>
+              </a:lnSpc>
+            </a:pPr>
             <a:r>
               <a:rPr lang="zh-CN" altLang="en-US" sz="2000" dirty="0">
                 <a:solidFill>
@@ -6339,21 +6404,53 @@
                 <a:latin typeface="微软雅黑" panose="020B0503020204020204" pitchFamily="34" charset="-122"/>
                 <a:ea typeface="微软雅黑" panose="020B0503020204020204" pitchFamily="34" charset="-122"/>
               </a:rPr>
-              <a:t>，初始位置在画布外，颜色为橙色，半径是普通粒子</a:t>
-            </a:r>
-            <a:r>
-              <a:rPr lang="en-US" altLang="zh-CN" sz="2000" dirty="0">
-                <a:solidFill>
-                  <a:schemeClr val="tx1">
-                    <a:lumMod val="75000"/>
-                    <a:lumOff val="25000"/>
-                  </a:schemeClr>
-                </a:solidFill>
-                <a:latin typeface="微软雅黑" panose="020B0503020204020204" pitchFamily="34" charset="-122"/>
-                <a:ea typeface="微软雅黑" panose="020B0503020204020204" pitchFamily="34" charset="-122"/>
-              </a:rPr>
-              <a:t>2</a:t>
-            </a:r>
+              <a:t>绑定鼠标移除元素事件，一旦移除，去掉头部的粒子数据</a:t>
+            </a:r>
+          </a:p>
+        </p:txBody>
+      </p:sp>
+      <p:sp>
+        <p:nvSpPr>
+          <p:cNvPr id="4" name="圆角矩形标注 3"/>
+          <p:cNvSpPr/>
+          <p:nvPr/>
+        </p:nvSpPr>
+        <p:spPr>
+          <a:xfrm>
+            <a:off x="4380865" y="4726305"/>
+            <a:ext cx="3938905" cy="933450"/>
+          </a:xfrm>
+          <a:prstGeom prst="wedgeRoundRectCallout">
+            <a:avLst>
+              <a:gd name="adj1" fmla="val -53023"/>
+              <a:gd name="adj2" fmla="val -24584"/>
+              <a:gd name="adj3" fmla="val 16667"/>
+            </a:avLst>
+          </a:prstGeom>
+        </p:spPr>
+        <p:style>
+          <a:lnRef idx="2">
+            <a:schemeClr val="accent5"/>
+          </a:lnRef>
+          <a:fillRef idx="1">
+            <a:schemeClr val="lt1"/>
+          </a:fillRef>
+          <a:effectRef idx="0">
+            <a:schemeClr val="accent5"/>
+          </a:effectRef>
+          <a:fontRef idx="minor">
+            <a:schemeClr val="dk1"/>
+          </a:fontRef>
+        </p:style>
+        <p:txBody>
+          <a:bodyPr rtlCol="0" anchor="ctr"/>
+          <a:lstStyle/>
+          <a:p>
+            <a:pPr algn="l">
+              <a:lnSpc>
+                <a:spcPct val="150000"/>
+              </a:lnSpc>
+            </a:pPr>
             <a:r>
               <a:rPr lang="zh-CN" altLang="en-US" sz="2000" dirty="0">
                 <a:solidFill>
@@ -6365,18 +6462,8 @@
                 <a:latin typeface="微软雅黑" panose="020B0503020204020204" pitchFamily="34" charset="-122"/>
                 <a:ea typeface="微软雅黑" panose="020B0503020204020204" pitchFamily="34" charset="-122"/>
               </a:rPr>
-              <a:t>倍</a:t>
-            </a:r>
-            <a:endParaRPr lang="zh-CN" altLang="en-US" sz="2000" dirty="0">
-              <a:solidFill>
-                <a:schemeClr val="tx1">
-                  <a:lumMod val="75000"/>
-                  <a:lumOff val="25000"/>
-                </a:schemeClr>
-              </a:solidFill>
-              <a:latin typeface="微软雅黑" panose="020B0503020204020204" pitchFamily="34" charset="-122"/>
-              <a:ea typeface="微软雅黑" panose="020B0503020204020204" pitchFamily="34" charset="-122"/>
-            </a:endParaRPr>
+              <a:t>如果鼠标已经在画布上，一旦移动，修改鼠标对应的粒子数据</a:t>
+            </a:r>
           </a:p>
         </p:txBody>
       </p:sp>
@@ -6405,6 +6492,165 @@
           <a:chExt cx="0" cy="0"/>
         </a:xfrm>
       </p:grpSpPr>
+      <p:pic>
+        <p:nvPicPr>
+          <p:cNvPr id="4" name="图片 3"/>
+          <p:cNvPicPr>
+            <a:picLocks noChangeAspect="1"/>
+          </p:cNvPicPr>
+          <p:nvPr/>
+        </p:nvPicPr>
+        <p:blipFill>
+          <a:blip r:embed="rId2"/>
+          <a:stretch>
+            <a:fillRect/>
+          </a:stretch>
+        </p:blipFill>
+        <p:spPr>
+          <a:xfrm>
+            <a:off x="1311275" y="400685"/>
+            <a:ext cx="2514600" cy="2133600"/>
+          </a:xfrm>
+          <a:prstGeom prst="rect">
+            <a:avLst/>
+          </a:prstGeom>
+        </p:spPr>
+      </p:pic>
+      <p:sp>
+        <p:nvSpPr>
+          <p:cNvPr id="5" name="圆角矩形标注 4"/>
+          <p:cNvSpPr/>
+          <p:nvPr/>
+        </p:nvSpPr>
+        <p:spPr>
+          <a:xfrm>
+            <a:off x="3825875" y="678180"/>
+            <a:ext cx="3769360" cy="1524000"/>
+          </a:xfrm>
+          <a:prstGeom prst="wedgeRoundRectCallout">
+            <a:avLst>
+              <a:gd name="adj1" fmla="val -52004"/>
+              <a:gd name="adj2" fmla="val -27791"/>
+              <a:gd name="adj3" fmla="val 16667"/>
+            </a:avLst>
+          </a:prstGeom>
+        </p:spPr>
+        <p:style>
+          <a:lnRef idx="2">
+            <a:schemeClr val="accent5"/>
+          </a:lnRef>
+          <a:fillRef idx="1">
+            <a:schemeClr val="lt1"/>
+          </a:fillRef>
+          <a:effectRef idx="0">
+            <a:schemeClr val="accent5"/>
+          </a:effectRef>
+          <a:fontRef idx="minor">
+            <a:schemeClr val="dk1"/>
+          </a:fontRef>
+        </p:style>
+        <p:txBody>
+          <a:bodyPr rtlCol="0" anchor="ctr"/>
+          <a:lstStyle/>
+          <a:p>
+            <a:pPr algn="l">
+              <a:lnSpc>
+                <a:spcPct val="150000"/>
+              </a:lnSpc>
+            </a:pPr>
+            <a:r>
+              <a:rPr lang="zh-CN" altLang="en-US" sz="2000" dirty="0">
+                <a:solidFill>
+                  <a:schemeClr val="tx1">
+                    <a:lumMod val="75000"/>
+                    <a:lumOff val="25000"/>
+                  </a:schemeClr>
+                </a:solidFill>
+                <a:latin typeface="微软雅黑" panose="020B0503020204020204" pitchFamily="34" charset="-122"/>
+                <a:ea typeface="微软雅黑" panose="020B0503020204020204" pitchFamily="34" charset="-122"/>
+              </a:rPr>
+              <a:t>鼠标对应的粒子数据，速度为</a:t>
+            </a:r>
+            <a:r>
+              <a:rPr lang="en-US" altLang="zh-CN" sz="2000" dirty="0">
+                <a:solidFill>
+                  <a:schemeClr val="tx1">
+                    <a:lumMod val="75000"/>
+                    <a:lumOff val="25000"/>
+                  </a:schemeClr>
+                </a:solidFill>
+                <a:latin typeface="微软雅黑" panose="020B0503020204020204" pitchFamily="34" charset="-122"/>
+                <a:ea typeface="微软雅黑" panose="020B0503020204020204" pitchFamily="34" charset="-122"/>
+              </a:rPr>
+              <a:t>0</a:t>
+            </a:r>
+            <a:r>
+              <a:rPr lang="zh-CN" altLang="en-US" sz="2000" dirty="0">
+                <a:solidFill>
+                  <a:schemeClr val="tx1">
+                    <a:lumMod val="75000"/>
+                    <a:lumOff val="25000"/>
+                  </a:schemeClr>
+                </a:solidFill>
+                <a:latin typeface="微软雅黑" panose="020B0503020204020204" pitchFamily="34" charset="-122"/>
+                <a:ea typeface="微软雅黑" panose="020B0503020204020204" pitchFamily="34" charset="-122"/>
+              </a:rPr>
+              <a:t>，初始位置在画布外，颜色为橙色，半径是普通粒子</a:t>
+            </a:r>
+            <a:r>
+              <a:rPr lang="en-US" altLang="zh-CN" sz="2000" dirty="0">
+                <a:solidFill>
+                  <a:schemeClr val="tx1">
+                    <a:lumMod val="75000"/>
+                    <a:lumOff val="25000"/>
+                  </a:schemeClr>
+                </a:solidFill>
+                <a:latin typeface="微软雅黑" panose="020B0503020204020204" pitchFamily="34" charset="-122"/>
+                <a:ea typeface="微软雅黑" panose="020B0503020204020204" pitchFamily="34" charset="-122"/>
+              </a:rPr>
+              <a:t>2</a:t>
+            </a:r>
+            <a:r>
+              <a:rPr lang="zh-CN" altLang="en-US" sz="2000" dirty="0">
+                <a:solidFill>
+                  <a:schemeClr val="tx1">
+                    <a:lumMod val="75000"/>
+                    <a:lumOff val="25000"/>
+                  </a:schemeClr>
+                </a:solidFill>
+                <a:latin typeface="微软雅黑" panose="020B0503020204020204" pitchFamily="34" charset="-122"/>
+                <a:ea typeface="微软雅黑" panose="020B0503020204020204" pitchFamily="34" charset="-122"/>
+              </a:rPr>
+              <a:t>倍</a:t>
+            </a:r>
+          </a:p>
+        </p:txBody>
+      </p:sp>
+    </p:spTree>
+  </p:cSld>
+  <p:clrMapOvr>
+    <a:masterClrMapping/>
+  </p:clrMapOvr>
+</p:sld>
+</file>
+
+<file path=ppt/slides/slide17.xml><?xml version="1.0" encoding="utf-8"?>
+<p:sld xmlns:a="http://schemas.openxmlformats.org/drawingml/2006/main" xmlns:r="http://schemas.openxmlformats.org/officeDocument/2006/relationships" xmlns:p="http://schemas.openxmlformats.org/presentationml/2006/main">
+  <p:cSld>
+    <p:spTree>
+      <p:nvGrpSpPr>
+        <p:cNvPr id="1" name=""/>
+        <p:cNvGrpSpPr/>
+        <p:nvPr/>
+      </p:nvGrpSpPr>
+      <p:grpSpPr>
+        <a:xfrm>
+          <a:off x="0" y="0"/>
+          <a:ext cx="0" cy="0"/>
+          <a:chOff x="0" y="0"/>
+          <a:chExt cx="0" cy="0"/>
+        </a:xfrm>
+      </p:grpSpPr>
       <p:sp>
         <p:nvSpPr>
           <p:cNvPr id="4" name="TextBox 3"/>
@@ -6619,16 +6865,6 @@
               </a:rPr>
               <a:t>在鼠标移动过程中，如何让普通粒子和鼠标发生联系，比如逃避鼠标，或者靠近鼠标</a:t>
             </a:r>
-            <a:endParaRPr lang="zh-CN" altLang="en-US" sz="2400" dirty="0" smtClean="0">
-              <a:solidFill>
-                <a:schemeClr val="tx1">
-                  <a:lumMod val="75000"/>
-                  <a:lumOff val="25000"/>
-                </a:schemeClr>
-              </a:solidFill>
-              <a:latin typeface="微软雅黑" panose="020B0503020204020204" pitchFamily="34" charset="-122"/>
-              <a:ea typeface="微软雅黑" panose="020B0503020204020204" pitchFamily="34" charset="-122"/>
-            </a:endParaRPr>
           </a:p>
         </p:txBody>
       </p:sp>
@@ -6665,8 +6901,8 @@
         </p:nvSpPr>
         <p:spPr>
           <a:xfrm>
-            <a:off x="684000" y="97468"/>
-            <a:ext cx="7776000" cy="523220"/>
+            <a:off x="684000" y="453173"/>
+            <a:ext cx="7776000" cy="521970"/>
           </a:xfrm>
           <a:prstGeom prst="rect">
             <a:avLst/>
@@ -6690,7 +6926,59 @@
                 <a:latin typeface="微软雅黑" panose="020B0503020204020204" pitchFamily="34" charset="-122"/>
                 <a:ea typeface="微软雅黑" panose="020B0503020204020204" pitchFamily="34" charset="-122"/>
               </a:rPr>
-              <a:t>2.</a:t>
+              <a:t>1.</a:t>
+            </a:r>
+            <a:r>
+              <a:rPr lang="zh-CN" altLang="en-US" sz="2800" b="1" dirty="0">
+                <a:solidFill>
+                  <a:schemeClr val="tx1">
+                    <a:lumMod val="75000"/>
+                    <a:lumOff val="25000"/>
+                  </a:schemeClr>
+                </a:solidFill>
+                <a:latin typeface="微软雅黑" panose="020B0503020204020204" pitchFamily="34" charset="-122"/>
+                <a:ea typeface="微软雅黑" panose="020B0503020204020204" pitchFamily="34" charset="-122"/>
+              </a:rPr>
+              <a:t>目标</a:t>
+            </a:r>
+            <a:r>
+              <a:rPr lang="en-US" altLang="zh-CN" sz="2800" b="1" dirty="0" smtClean="0">
+                <a:solidFill>
+                  <a:schemeClr val="tx1">
+                    <a:lumMod val="75000"/>
+                    <a:lumOff val="25000"/>
+                  </a:schemeClr>
+                </a:solidFill>
+                <a:latin typeface="微软雅黑" panose="020B0503020204020204" pitchFamily="34" charset="-122"/>
+                <a:ea typeface="微软雅黑" panose="020B0503020204020204" pitchFamily="34" charset="-122"/>
+              </a:rPr>
+              <a:t>——</a:t>
+            </a:r>
+            <a:r>
+              <a:rPr lang="en-US" altLang="zh-CN" sz="2800" b="1" dirty="0">
+                <a:solidFill>
+                  <a:schemeClr val="tx1">
+                    <a:lumMod val="75000"/>
+                    <a:lumOff val="25000"/>
+                  </a:schemeClr>
+                </a:solidFill>
+                <a:latin typeface="微软雅黑" panose="020B0503020204020204" pitchFamily="34" charset="-122"/>
+                <a:ea typeface="微软雅黑" panose="020B0503020204020204" pitchFamily="34" charset="-122"/>
+              </a:rPr>
+              <a:t>canvas</a:t>
+            </a:r>
+            <a:r>
+              <a:rPr lang="zh-CN" altLang="en-US" sz="2800" b="1" dirty="0">
+                <a:solidFill>
+                  <a:schemeClr val="tx1">
+                    <a:lumMod val="75000"/>
+                    <a:lumOff val="25000"/>
+                  </a:schemeClr>
+                </a:solidFill>
+                <a:latin typeface="微软雅黑" panose="020B0503020204020204" pitchFamily="34" charset="-122"/>
+                <a:ea typeface="微软雅黑" panose="020B0503020204020204" pitchFamily="34" charset="-122"/>
+              </a:rPr>
+              <a:t>绘图基础</a:t>
             </a:r>
             <a:r>
               <a:rPr lang="zh-CN" altLang="en-US" sz="2800" b="1" dirty="0" smtClean="0">
@@ -6703,7 +6991,7 @@
                 <a:latin typeface="微软雅黑" panose="020B0503020204020204" pitchFamily="34" charset="-122"/>
                 <a:ea typeface="微软雅黑" panose="020B0503020204020204" pitchFamily="34" charset="-122"/>
               </a:rPr>
-              <a:t>分析需求</a:t>
+              <a:t>（难度：</a:t>
             </a:r>
             <a:r>
               <a:rPr lang="en-US" altLang="zh-CN" sz="2800" b="1" dirty="0" smtClean="0">
@@ -6716,7 +7004,7 @@
                 <a:latin typeface="微软雅黑" panose="020B0503020204020204" pitchFamily="34" charset="-122"/>
                 <a:ea typeface="微软雅黑" panose="020B0503020204020204" pitchFamily="34" charset="-122"/>
               </a:rPr>
-              <a:t>——</a:t>
+              <a:t>3.0</a:t>
             </a:r>
             <a:r>
               <a:rPr lang="zh-CN" altLang="en-US" sz="2800" b="1" dirty="0" smtClean="0">
@@ -6729,7 +7017,7 @@
                 <a:latin typeface="微软雅黑" panose="020B0503020204020204" pitchFamily="34" charset="-122"/>
                 <a:ea typeface="微软雅黑" panose="020B0503020204020204" pitchFamily="34" charset="-122"/>
               </a:rPr>
-              <a:t>庖丁解牛</a:t>
+              <a:t>）</a:t>
             </a:r>
             <a:endParaRPr lang="zh-CN" altLang="en-US" sz="2800" b="1" dirty="0">
               <a:solidFill>
@@ -6746,14 +7034,14 @@
       </p:sp>
       <p:sp>
         <p:nvSpPr>
-          <p:cNvPr id="5" name="TextBox 4"/>
+          <p:cNvPr id="2" name="TextBox 1"/>
           <p:cNvSpPr txBox="1"/>
           <p:nvPr/>
         </p:nvSpPr>
         <p:spPr>
           <a:xfrm>
-            <a:off x="668727" y="687703"/>
-            <a:ext cx="7776000" cy="2861310"/>
+            <a:off x="684000" y="1052736"/>
+            <a:ext cx="7776000" cy="1198880"/>
           </a:xfrm>
           <a:prstGeom prst="rect">
             <a:avLst/>
@@ -6772,7 +7060,20 @@
               </a:lnSpc>
             </a:pPr>
             <a:r>
-              <a:rPr lang="en-US" altLang="zh-CN" sz="2400" b="1" dirty="0" smtClean="0">
+              <a:rPr lang="zh-CN" altLang="en-US" sz="2400" dirty="0" smtClean="0">
+                <a:solidFill>
+                  <a:schemeClr val="tx1">
+                    <a:lumMod val="75000"/>
+                    <a:lumOff val="25000"/>
+                  </a:schemeClr>
+                </a:solidFill>
+                <a:latin typeface="微软雅黑" panose="020B0503020204020204" pitchFamily="34" charset="-122"/>
+                <a:ea typeface="微软雅黑" panose="020B0503020204020204" pitchFamily="34" charset="-122"/>
+              </a:rPr>
+              <a:t>本期我们的目标是学习</a:t>
+            </a:r>
+            <a:r>
+              <a:rPr lang="en-US" altLang="zh-CN" sz="2400" dirty="0" smtClean="0">
                 <a:solidFill>
                   <a:schemeClr val="tx1">
                     <a:lumMod val="75000"/>
@@ -6785,62 +7086,6 @@
               <a:t>canvas</a:t>
             </a:r>
             <a:r>
-              <a:rPr lang="zh-CN" altLang="en-US" sz="2400" b="1" dirty="0" smtClean="0">
-                <a:solidFill>
-                  <a:schemeClr val="tx1">
-                    <a:lumMod val="75000"/>
-                    <a:lumOff val="25000"/>
-                  </a:schemeClr>
-                </a:solidFill>
-                <a:latin typeface="微软雅黑" panose="020B0503020204020204" pitchFamily="34" charset="-122"/>
-                <a:ea typeface="微软雅黑" panose="020B0503020204020204" pitchFamily="34" charset="-122"/>
-              </a:rPr>
-              <a:t>动画的</a:t>
-            </a:r>
-            <a:r>
-              <a:rPr lang="zh-CN" altLang="en-US" sz="2400" b="1" dirty="0" smtClean="0">
-                <a:solidFill>
-                  <a:schemeClr val="tx1">
-                    <a:lumMod val="75000"/>
-                    <a:lumOff val="25000"/>
-                  </a:schemeClr>
-                </a:solidFill>
-                <a:latin typeface="微软雅黑" panose="020B0503020204020204" pitchFamily="34" charset="-122"/>
-                <a:ea typeface="微软雅黑" panose="020B0503020204020204" pitchFamily="34" charset="-122"/>
-              </a:rPr>
-              <a:t>刷新</a:t>
-            </a:r>
-            <a:endParaRPr lang="en-US" altLang="zh-CN" sz="2400" dirty="0" smtClean="0">
-              <a:solidFill>
-                <a:schemeClr val="tx1">
-                  <a:lumMod val="75000"/>
-                  <a:lumOff val="25000"/>
-                </a:schemeClr>
-              </a:solidFill>
-              <a:latin typeface="微软雅黑" panose="020B0503020204020204" pitchFamily="34" charset="-122"/>
-              <a:ea typeface="微软雅黑" panose="020B0503020204020204" pitchFamily="34" charset="-122"/>
-            </a:endParaRPr>
-          </a:p>
-          <a:p>
-            <a:pPr>
-              <a:lnSpc>
-                <a:spcPct val="150000"/>
-              </a:lnSpc>
-            </a:pPr>
-            <a:r>
-              <a:rPr lang="en-US" altLang="zh-CN" sz="2400" dirty="0" smtClean="0">
-                <a:solidFill>
-                  <a:schemeClr val="tx1">
-                    <a:lumMod val="75000"/>
-                    <a:lumOff val="25000"/>
-                  </a:schemeClr>
-                </a:solidFill>
-                <a:latin typeface="微软雅黑" panose="020B0503020204020204" pitchFamily="34" charset="-122"/>
-                <a:ea typeface="微软雅黑" panose="020B0503020204020204" pitchFamily="34" charset="-122"/>
-              </a:rPr>
-              <a:t>canvas</a:t>
-            </a:r>
-            <a:r>
               <a:rPr lang="zh-CN" altLang="en-US" sz="2400" dirty="0" smtClean="0">
                 <a:solidFill>
                   <a:schemeClr val="tx1">
@@ -6851,120 +7096,38 @@
                 <a:latin typeface="微软雅黑" panose="020B0503020204020204" pitchFamily="34" charset="-122"/>
                 <a:ea typeface="微软雅黑" panose="020B0503020204020204" pitchFamily="34" charset="-122"/>
               </a:rPr>
-              <a:t>的刷新有专门的函数，效率非常高</a:t>
-            </a:r>
-            <a:r>
-              <a:rPr lang="en-US" altLang="zh-CN" sz="2400" dirty="0" smtClean="0">
-                <a:solidFill>
-                  <a:schemeClr val="tx1">
-                    <a:lumMod val="75000"/>
-                    <a:lumOff val="25000"/>
-                  </a:schemeClr>
-                </a:solidFill>
-                <a:latin typeface="微软雅黑" panose="020B0503020204020204" pitchFamily="34" charset="-122"/>
-                <a:ea typeface="微软雅黑" panose="020B0503020204020204" pitchFamily="34" charset="-122"/>
-              </a:rPr>
-              <a:t>.</a:t>
-            </a:r>
-            <a:endParaRPr lang="en-US" altLang="zh-CN" sz="2400" dirty="0" smtClean="0">
-              <a:solidFill>
-                <a:schemeClr val="tx1">
-                  <a:lumMod val="75000"/>
-                  <a:lumOff val="25000"/>
-                </a:schemeClr>
-              </a:solidFill>
-              <a:latin typeface="微软雅黑" panose="020B0503020204020204" pitchFamily="34" charset="-122"/>
-              <a:ea typeface="微软雅黑" panose="020B0503020204020204" pitchFamily="34" charset="-122"/>
-            </a:endParaRPr>
-          </a:p>
-          <a:p>
-            <a:pPr>
-              <a:lnSpc>
-                <a:spcPct val="150000"/>
-              </a:lnSpc>
-            </a:pPr>
-            <a:r>
-              <a:rPr lang="zh-CN" altLang="en-US" sz="2400" b="1" dirty="0" smtClean="0">
-                <a:solidFill>
-                  <a:schemeClr val="tx1">
-                    <a:lumMod val="75000"/>
-                    <a:lumOff val="25000"/>
-                  </a:schemeClr>
-                </a:solidFill>
-                <a:latin typeface="微软雅黑" panose="020B0503020204020204" pitchFamily="34" charset="-122"/>
-                <a:ea typeface="微软雅黑" panose="020B0503020204020204" pitchFamily="34" charset="-122"/>
-              </a:rPr>
-              <a:t>粒子的连断关系</a:t>
-            </a:r>
-            <a:endParaRPr lang="zh-CN" altLang="en-US" sz="2400" b="1" dirty="0" smtClean="0">
-              <a:solidFill>
-                <a:schemeClr val="tx1">
-                  <a:lumMod val="75000"/>
-                  <a:lumOff val="25000"/>
-                </a:schemeClr>
-              </a:solidFill>
-              <a:latin typeface="微软雅黑" panose="020B0503020204020204" pitchFamily="34" charset="-122"/>
-              <a:ea typeface="微软雅黑" panose="020B0503020204020204" pitchFamily="34" charset="-122"/>
-            </a:endParaRPr>
-          </a:p>
-          <a:p>
-            <a:pPr>
-              <a:lnSpc>
-                <a:spcPct val="150000"/>
-              </a:lnSpc>
-            </a:pPr>
-            <a:r>
-              <a:rPr lang="zh-CN" altLang="en-US" sz="2400" dirty="0" smtClean="0">
-                <a:solidFill>
-                  <a:schemeClr val="tx1">
-                    <a:lumMod val="75000"/>
-                    <a:lumOff val="25000"/>
-                  </a:schemeClr>
-                </a:solidFill>
-                <a:latin typeface="微软雅黑" panose="020B0503020204020204" pitchFamily="34" charset="-122"/>
-                <a:ea typeface="微软雅黑" panose="020B0503020204020204" pitchFamily="34" charset="-122"/>
-              </a:rPr>
-              <a:t>粒子之间的距离足够近就连线，距离越远，连线越透明，直到消失，这个就需要</a:t>
-            </a:r>
-            <a:r>
-              <a:rPr lang="zh-CN" altLang="en-US" sz="2400" b="1" dirty="0" smtClean="0">
-                <a:solidFill>
-                  <a:schemeClr val="tx1">
-                    <a:lumMod val="75000"/>
-                    <a:lumOff val="25000"/>
-                  </a:schemeClr>
-                </a:solidFill>
-                <a:latin typeface="微软雅黑" panose="020B0503020204020204" pitchFamily="34" charset="-122"/>
-                <a:ea typeface="微软雅黑" panose="020B0503020204020204" pitchFamily="34" charset="-122"/>
-              </a:rPr>
-              <a:t>判断任意两个粒子之间</a:t>
-            </a:r>
-            <a:r>
-              <a:rPr lang="zh-CN" altLang="en-US" sz="2400" dirty="0" smtClean="0">
-                <a:solidFill>
-                  <a:schemeClr val="tx1">
-                    <a:lumMod val="75000"/>
-                    <a:lumOff val="25000"/>
-                  </a:schemeClr>
-                </a:solidFill>
-                <a:latin typeface="微软雅黑" panose="020B0503020204020204" pitchFamily="34" charset="-122"/>
-                <a:ea typeface="微软雅黑" panose="020B0503020204020204" pitchFamily="34" charset="-122"/>
-              </a:rPr>
-              <a:t>的距离</a:t>
-            </a:r>
-            <a:endParaRPr lang="zh-CN" altLang="en-US" sz="2400" dirty="0" smtClean="0">
-              <a:solidFill>
-                <a:schemeClr val="tx1">
-                  <a:lumMod val="75000"/>
-                  <a:lumOff val="25000"/>
-                </a:schemeClr>
-              </a:solidFill>
-              <a:latin typeface="微软雅黑" panose="020B0503020204020204" pitchFamily="34" charset="-122"/>
-              <a:ea typeface="微软雅黑" panose="020B0503020204020204" pitchFamily="34" charset="-122"/>
-            </a:endParaRPr>
-          </a:p>
-        </p:txBody>
-      </p:sp>
+              <a:t>动画如何更新，并实现随机粒子网络的动画实例！</a:t>
+            </a:r>
+          </a:p>
+        </p:txBody>
+      </p:sp>
+      <p:pic>
+        <p:nvPicPr>
+          <p:cNvPr id="5" name="图片 4"/>
+          <p:cNvPicPr>
+            <a:picLocks noChangeAspect="1"/>
+          </p:cNvPicPr>
+          <p:nvPr/>
+        </p:nvPicPr>
+        <p:blipFill>
+          <a:blip r:embed="rId2"/>
+          <a:stretch>
+            <a:fillRect/>
+          </a:stretch>
+        </p:blipFill>
+        <p:spPr>
+          <a:xfrm>
+            <a:off x="1917700" y="2430780"/>
+            <a:ext cx="4744720" cy="3216910"/>
+          </a:xfrm>
+          <a:prstGeom prst="rect">
+            <a:avLst/>
+          </a:prstGeom>
+          <a:effectLst>
+            <a:softEdge rad="63500"/>
+          </a:effectLst>
+        </p:spPr>
+      </p:pic>
     </p:spTree>
   </p:cSld>
   <p:clrMapOvr>
@@ -7006,7 +7169,7 @@
         <p:spPr>
           <a:xfrm>
             <a:off x="684000" y="97468"/>
-            <a:ext cx="7776000" cy="521970"/>
+            <a:ext cx="7776000" cy="523220"/>
           </a:xfrm>
           <a:prstGeom prst="rect">
             <a:avLst/>
@@ -7030,7 +7193,7 @@
                 <a:latin typeface="微软雅黑" panose="020B0503020204020204" pitchFamily="34" charset="-122"/>
                 <a:ea typeface="微软雅黑" panose="020B0503020204020204" pitchFamily="34" charset="-122"/>
               </a:rPr>
-              <a:t>3.canvas</a:t>
+              <a:t>2.</a:t>
             </a:r>
             <a:r>
               <a:rPr lang="zh-CN" altLang="en-US" sz="2800" b="1" dirty="0" smtClean="0">
@@ -7043,9 +7206,35 @@
                 <a:latin typeface="微软雅黑" panose="020B0503020204020204" pitchFamily="34" charset="-122"/>
                 <a:ea typeface="微软雅黑" panose="020B0503020204020204" pitchFamily="34" charset="-122"/>
               </a:rPr>
-              <a:t>动画的刷新</a:t>
-            </a:r>
-            <a:endParaRPr lang="zh-CN" altLang="en-US" sz="2800" b="1" dirty="0" smtClean="0">
+              <a:t>分析需求</a:t>
+            </a:r>
+            <a:r>
+              <a:rPr lang="en-US" altLang="zh-CN" sz="2800" b="1" dirty="0" smtClean="0">
+                <a:solidFill>
+                  <a:schemeClr val="tx1">
+                    <a:lumMod val="75000"/>
+                    <a:lumOff val="25000"/>
+                  </a:schemeClr>
+                </a:solidFill>
+                <a:latin typeface="微软雅黑" panose="020B0503020204020204" pitchFamily="34" charset="-122"/>
+                <a:ea typeface="微软雅黑" panose="020B0503020204020204" pitchFamily="34" charset="-122"/>
+              </a:rPr>
+              <a:t>——</a:t>
+            </a:r>
+            <a:r>
+              <a:rPr lang="zh-CN" altLang="en-US" sz="2800" b="1" dirty="0" smtClean="0">
+                <a:solidFill>
+                  <a:schemeClr val="tx1">
+                    <a:lumMod val="75000"/>
+                    <a:lumOff val="25000"/>
+                  </a:schemeClr>
+                </a:solidFill>
+                <a:latin typeface="微软雅黑" panose="020B0503020204020204" pitchFamily="34" charset="-122"/>
+                <a:ea typeface="微软雅黑" panose="020B0503020204020204" pitchFamily="34" charset="-122"/>
+              </a:rPr>
+              <a:t>庖丁解牛</a:t>
+            </a:r>
+            <a:endParaRPr lang="zh-CN" altLang="en-US" sz="2800" b="1" dirty="0">
               <a:solidFill>
                 <a:schemeClr val="tx1">
                   <a:lumMod val="75000"/>
@@ -7067,7 +7256,7 @@
         <p:spPr>
           <a:xfrm>
             <a:off x="668727" y="687703"/>
-            <a:ext cx="7776000" cy="5631180"/>
+            <a:ext cx="7776000" cy="2861310"/>
           </a:xfrm>
           <a:prstGeom prst="rect">
             <a:avLst/>
@@ -7086,20 +7275,7 @@
               </a:lnSpc>
             </a:pPr>
             <a:r>
-              <a:rPr lang="zh-CN" altLang="en-US" sz="2400" dirty="0" smtClean="0">
-                <a:solidFill>
-                  <a:schemeClr val="tx1">
-                    <a:lumMod val="75000"/>
-                    <a:lumOff val="25000"/>
-                  </a:schemeClr>
-                </a:solidFill>
-                <a:latin typeface="微软雅黑" panose="020B0503020204020204" pitchFamily="34" charset="-122"/>
-                <a:ea typeface="微软雅黑" panose="020B0503020204020204" pitchFamily="34" charset="-122"/>
-              </a:rPr>
-              <a:t>所谓刷新就是每隔一段时间，重新绘制页面上的内容，具体到</a:t>
-            </a:r>
-            <a:r>
-              <a:rPr lang="en-US" altLang="zh-CN" sz="2400" dirty="0" smtClean="0">
+              <a:rPr lang="en-US" altLang="zh-CN" sz="2400" b="1" dirty="0" smtClean="0">
                 <a:solidFill>
                   <a:schemeClr val="tx1">
                     <a:lumMod val="75000"/>
@@ -7112,19 +7288,6 @@
               <a:t>canvas</a:t>
             </a:r>
             <a:r>
-              <a:rPr lang="zh-CN" altLang="en-US" sz="2400" dirty="0" smtClean="0">
-                <a:solidFill>
-                  <a:schemeClr val="tx1">
-                    <a:lumMod val="75000"/>
-                    <a:lumOff val="25000"/>
-                  </a:schemeClr>
-                </a:solidFill>
-                <a:latin typeface="微软雅黑" panose="020B0503020204020204" pitchFamily="34" charset="-122"/>
-                <a:ea typeface="微软雅黑" panose="020B0503020204020204" pitchFamily="34" charset="-122"/>
-              </a:rPr>
-              <a:t>，就是</a:t>
-            </a:r>
-            <a:r>
               <a:rPr lang="zh-CN" altLang="en-US" sz="2400" b="1" dirty="0" smtClean="0">
                 <a:solidFill>
                   <a:schemeClr val="tx1">
@@ -7135,293 +7298,7 @@
                 <a:latin typeface="微软雅黑" panose="020B0503020204020204" pitchFamily="34" charset="-122"/>
                 <a:ea typeface="微软雅黑" panose="020B0503020204020204" pitchFamily="34" charset="-122"/>
               </a:rPr>
-              <a:t>重绘整个或部分画布</a:t>
-            </a:r>
-            <a:r>
-              <a:rPr lang="zh-CN" altLang="en-US" sz="2400" dirty="0" smtClean="0">
-                <a:solidFill>
-                  <a:schemeClr val="tx1">
-                    <a:lumMod val="75000"/>
-                    <a:lumOff val="25000"/>
-                  </a:schemeClr>
-                </a:solidFill>
-                <a:latin typeface="微软雅黑" panose="020B0503020204020204" pitchFamily="34" charset="-122"/>
-                <a:ea typeface="微软雅黑" panose="020B0503020204020204" pitchFamily="34" charset="-122"/>
-              </a:rPr>
-              <a:t>的内容</a:t>
-            </a:r>
-            <a:r>
-              <a:rPr lang="en-US" altLang="zh-CN" sz="2400" dirty="0" smtClean="0">
-                <a:solidFill>
-                  <a:schemeClr val="tx1">
-                    <a:lumMod val="75000"/>
-                    <a:lumOff val="25000"/>
-                  </a:schemeClr>
-                </a:solidFill>
-                <a:latin typeface="微软雅黑" panose="020B0503020204020204" pitchFamily="34" charset="-122"/>
-                <a:ea typeface="微软雅黑" panose="020B0503020204020204" pitchFamily="34" charset="-122"/>
-              </a:rPr>
-              <a:t>.</a:t>
-            </a:r>
-            <a:r>
-              <a:rPr lang="zh-CN" altLang="en-US" sz="2400" dirty="0" smtClean="0">
-                <a:solidFill>
-                  <a:schemeClr val="tx1">
-                    <a:lumMod val="75000"/>
-                    <a:lumOff val="25000"/>
-                  </a:schemeClr>
-                </a:solidFill>
-                <a:latin typeface="微软雅黑" panose="020B0503020204020204" pitchFamily="34" charset="-122"/>
-                <a:ea typeface="微软雅黑" panose="020B0503020204020204" pitchFamily="34" charset="-122"/>
-              </a:rPr>
-              <a:t>提到每隔一定时间进行某个操作，就想到使用传统的</a:t>
-            </a:r>
-            <a:r>
-              <a:rPr lang="en-US" altLang="zh-CN" sz="2400" dirty="0" smtClean="0">
-                <a:solidFill>
-                  <a:schemeClr val="tx1">
-                    <a:lumMod val="75000"/>
-                    <a:lumOff val="25000"/>
-                  </a:schemeClr>
-                </a:solidFill>
-                <a:latin typeface="微软雅黑" panose="020B0503020204020204" pitchFamily="34" charset="-122"/>
-                <a:ea typeface="微软雅黑" panose="020B0503020204020204" pitchFamily="34" charset="-122"/>
-              </a:rPr>
-              <a:t>setTimeout()</a:t>
-            </a:r>
-            <a:r>
-              <a:rPr lang="zh-CN" altLang="en-US" sz="2400" dirty="0" smtClean="0">
-                <a:solidFill>
-                  <a:schemeClr val="tx1">
-                    <a:lumMod val="75000"/>
-                    <a:lumOff val="25000"/>
-                  </a:schemeClr>
-                </a:solidFill>
-                <a:latin typeface="微软雅黑" panose="020B0503020204020204" pitchFamily="34" charset="-122"/>
-                <a:ea typeface="微软雅黑" panose="020B0503020204020204" pitchFamily="34" charset="-122"/>
-              </a:rPr>
-              <a:t>和</a:t>
-            </a:r>
-            <a:r>
-              <a:rPr lang="en-US" altLang="zh-CN" sz="2400" dirty="0" smtClean="0">
-                <a:solidFill>
-                  <a:schemeClr val="tx1">
-                    <a:lumMod val="75000"/>
-                    <a:lumOff val="25000"/>
-                  </a:schemeClr>
-                </a:solidFill>
-                <a:latin typeface="微软雅黑" panose="020B0503020204020204" pitchFamily="34" charset="-122"/>
-                <a:ea typeface="微软雅黑" panose="020B0503020204020204" pitchFamily="34" charset="-122"/>
-              </a:rPr>
-              <a:t>setInterval()</a:t>
-            </a:r>
-            <a:r>
-              <a:rPr lang="zh-CN" altLang="en-US" sz="2400" dirty="0" smtClean="0">
-                <a:solidFill>
-                  <a:schemeClr val="tx1">
-                    <a:lumMod val="75000"/>
-                    <a:lumOff val="25000"/>
-                  </a:schemeClr>
-                </a:solidFill>
-                <a:latin typeface="微软雅黑" panose="020B0503020204020204" pitchFamily="34" charset="-122"/>
-                <a:ea typeface="微软雅黑" panose="020B0503020204020204" pitchFamily="34" charset="-122"/>
-              </a:rPr>
-              <a:t>函数定时，但是这个更多的是应用于简单的非</a:t>
-            </a:r>
-            <a:r>
-              <a:rPr lang="en-US" altLang="zh-CN" sz="2400" dirty="0" smtClean="0">
-                <a:solidFill>
-                  <a:schemeClr val="tx1">
-                    <a:lumMod val="75000"/>
-                    <a:lumOff val="25000"/>
-                  </a:schemeClr>
-                </a:solidFill>
-                <a:latin typeface="微软雅黑" panose="020B0503020204020204" pitchFamily="34" charset="-122"/>
-                <a:ea typeface="微软雅黑" panose="020B0503020204020204" pitchFamily="34" charset="-122"/>
-              </a:rPr>
-              <a:t>canvas</a:t>
-            </a:r>
-            <a:r>
-              <a:rPr lang="zh-CN" altLang="en-US" sz="2400" dirty="0" smtClean="0">
-                <a:solidFill>
-                  <a:schemeClr val="tx1">
-                    <a:lumMod val="75000"/>
-                    <a:lumOff val="25000"/>
-                  </a:schemeClr>
-                </a:solidFill>
-                <a:latin typeface="微软雅黑" panose="020B0503020204020204" pitchFamily="34" charset="-122"/>
-                <a:ea typeface="微软雅黑" panose="020B0503020204020204" pitchFamily="34" charset="-122"/>
-              </a:rPr>
-              <a:t>动画，或者是应用于网页的功能性编程</a:t>
-            </a:r>
-            <a:r>
-              <a:rPr lang="en-US" altLang="zh-CN" sz="2400" dirty="0" smtClean="0">
-                <a:solidFill>
-                  <a:schemeClr val="tx1">
-                    <a:lumMod val="75000"/>
-                    <a:lumOff val="25000"/>
-                  </a:schemeClr>
-                </a:solidFill>
-                <a:latin typeface="微软雅黑" panose="020B0503020204020204" pitchFamily="34" charset="-122"/>
-                <a:ea typeface="微软雅黑" panose="020B0503020204020204" pitchFamily="34" charset="-122"/>
-              </a:rPr>
-              <a:t>.</a:t>
-            </a:r>
-            <a:r>
-              <a:rPr lang="zh-CN" altLang="en-US" sz="2400" dirty="0" smtClean="0">
-                <a:solidFill>
-                  <a:schemeClr val="tx1">
-                    <a:lumMod val="75000"/>
-                    <a:lumOff val="25000"/>
-                  </a:schemeClr>
-                </a:solidFill>
-                <a:latin typeface="微软雅黑" panose="020B0503020204020204" pitchFamily="34" charset="-122"/>
-                <a:ea typeface="微软雅黑" panose="020B0503020204020204" pitchFamily="34" charset="-122"/>
-              </a:rPr>
-              <a:t>涉及到</a:t>
-            </a:r>
-            <a:r>
-              <a:rPr lang="en-US" altLang="zh-CN" sz="2400" dirty="0" smtClean="0">
-                <a:solidFill>
-                  <a:schemeClr val="tx1">
-                    <a:lumMod val="75000"/>
-                    <a:lumOff val="25000"/>
-                  </a:schemeClr>
-                </a:solidFill>
-                <a:latin typeface="微软雅黑" panose="020B0503020204020204" pitchFamily="34" charset="-122"/>
-                <a:ea typeface="微软雅黑" panose="020B0503020204020204" pitchFamily="34" charset="-122"/>
-              </a:rPr>
-              <a:t>canvas</a:t>
-            </a:r>
-            <a:r>
-              <a:rPr lang="zh-CN" altLang="en-US" sz="2400" dirty="0" smtClean="0">
-                <a:solidFill>
-                  <a:schemeClr val="tx1">
-                    <a:lumMod val="75000"/>
-                    <a:lumOff val="25000"/>
-                  </a:schemeClr>
-                </a:solidFill>
-                <a:latin typeface="微软雅黑" panose="020B0503020204020204" pitchFamily="34" charset="-122"/>
-                <a:ea typeface="微软雅黑" panose="020B0503020204020204" pitchFamily="34" charset="-122"/>
-              </a:rPr>
-              <a:t>动画，尤其是</a:t>
-            </a:r>
-            <a:r>
-              <a:rPr lang="zh-CN" altLang="en-US" sz="2400" b="1" dirty="0" smtClean="0">
-                <a:solidFill>
-                  <a:schemeClr val="tx1">
-                    <a:lumMod val="75000"/>
-                    <a:lumOff val="25000"/>
-                  </a:schemeClr>
-                </a:solidFill>
-                <a:latin typeface="微软雅黑" panose="020B0503020204020204" pitchFamily="34" charset="-122"/>
-                <a:ea typeface="微软雅黑" panose="020B0503020204020204" pitchFamily="34" charset="-122"/>
-              </a:rPr>
-              <a:t>复杂耗时的渲染</a:t>
-            </a:r>
-            <a:r>
-              <a:rPr lang="zh-CN" altLang="en-US" sz="2400" dirty="0" smtClean="0">
-                <a:solidFill>
-                  <a:schemeClr val="tx1">
-                    <a:lumMod val="75000"/>
-                    <a:lumOff val="25000"/>
-                  </a:schemeClr>
-                </a:solidFill>
-                <a:latin typeface="微软雅黑" panose="020B0503020204020204" pitchFamily="34" charset="-122"/>
-                <a:ea typeface="微软雅黑" panose="020B0503020204020204" pitchFamily="34" charset="-122"/>
-              </a:rPr>
-              <a:t>操作，想要达到</a:t>
-            </a:r>
-            <a:r>
-              <a:rPr lang="zh-CN" altLang="en-US" sz="2400" b="1" dirty="0" smtClean="0">
-                <a:solidFill>
-                  <a:schemeClr val="tx1">
-                    <a:lumMod val="75000"/>
-                    <a:lumOff val="25000"/>
-                  </a:schemeClr>
-                </a:solidFill>
-                <a:latin typeface="微软雅黑" panose="020B0503020204020204" pitchFamily="34" charset="-122"/>
-                <a:ea typeface="微软雅黑" panose="020B0503020204020204" pitchFamily="34" charset="-122"/>
-              </a:rPr>
-              <a:t>流畅的效果</a:t>
-            </a:r>
-            <a:r>
-              <a:rPr lang="zh-CN" altLang="en-US" sz="2400" dirty="0" smtClean="0">
-                <a:solidFill>
-                  <a:schemeClr val="tx1">
-                    <a:lumMod val="75000"/>
-                    <a:lumOff val="25000"/>
-                  </a:schemeClr>
-                </a:solidFill>
-                <a:latin typeface="微软雅黑" panose="020B0503020204020204" pitchFamily="34" charset="-122"/>
-                <a:ea typeface="微软雅黑" panose="020B0503020204020204" pitchFamily="34" charset="-122"/>
-              </a:rPr>
-              <a:t>，必须使用高效的</a:t>
-            </a:r>
-            <a:r>
-              <a:rPr lang="en-US" altLang="zh-CN" sz="2400" b="1" dirty="0" smtClean="0">
-                <a:solidFill>
-                  <a:schemeClr val="tx1">
-                    <a:lumMod val="75000"/>
-                    <a:lumOff val="25000"/>
-                  </a:schemeClr>
-                </a:solidFill>
-                <a:latin typeface="微软雅黑" panose="020B0503020204020204" pitchFamily="34" charset="-122"/>
-                <a:ea typeface="微软雅黑" panose="020B0503020204020204" pitchFamily="34" charset="-122"/>
-              </a:rPr>
-              <a:t>window.requestAnimationFrame()</a:t>
-            </a:r>
-            <a:r>
-              <a:rPr lang="zh-CN" altLang="en-US" sz="2400" dirty="0" smtClean="0">
-                <a:solidFill>
-                  <a:schemeClr val="tx1">
-                    <a:lumMod val="75000"/>
-                    <a:lumOff val="25000"/>
-                  </a:schemeClr>
-                </a:solidFill>
-                <a:latin typeface="微软雅黑" panose="020B0503020204020204" pitchFamily="34" charset="-122"/>
-                <a:ea typeface="微软雅黑" panose="020B0503020204020204" pitchFamily="34" charset="-122"/>
-              </a:rPr>
-              <a:t>函数</a:t>
-            </a:r>
-            <a:r>
-              <a:rPr lang="en-US" altLang="zh-CN" sz="2400" dirty="0" smtClean="0">
-                <a:solidFill>
-                  <a:schemeClr val="tx1">
-                    <a:lumMod val="75000"/>
-                    <a:lumOff val="25000"/>
-                  </a:schemeClr>
-                </a:solidFill>
-                <a:latin typeface="微软雅黑" panose="020B0503020204020204" pitchFamily="34" charset="-122"/>
-                <a:ea typeface="微软雅黑" panose="020B0503020204020204" pitchFamily="34" charset="-122"/>
-              </a:rPr>
-              <a:t>. </a:t>
-            </a:r>
-            <a:r>
-              <a:rPr lang="zh-CN" altLang="en-US" sz="2400" dirty="0" smtClean="0">
-                <a:solidFill>
-                  <a:schemeClr val="tx1">
-                    <a:lumMod val="75000"/>
-                    <a:lumOff val="25000"/>
-                  </a:schemeClr>
-                </a:solidFill>
-                <a:latin typeface="微软雅黑" panose="020B0503020204020204" pitchFamily="34" charset="-122"/>
-                <a:ea typeface="微软雅黑" panose="020B0503020204020204" pitchFamily="34" charset="-122"/>
-              </a:rPr>
-              <a:t>该函数不需要调用的频率或者说时间间隔，浏览器自行决定帧速率（每秒调用的次数）</a:t>
-            </a:r>
-            <a:r>
-              <a:rPr lang="en-US" altLang="zh-CN" sz="2400" dirty="0" smtClean="0">
-                <a:solidFill>
-                  <a:schemeClr val="tx1">
-                    <a:lumMod val="75000"/>
-                    <a:lumOff val="25000"/>
-                  </a:schemeClr>
-                </a:solidFill>
-                <a:latin typeface="微软雅黑" panose="020B0503020204020204" pitchFamily="34" charset="-122"/>
-                <a:ea typeface="微软雅黑" panose="020B0503020204020204" pitchFamily="34" charset="-122"/>
-              </a:rPr>
-              <a:t>.</a:t>
+              <a:t>动画的刷新</a:t>
             </a:r>
             <a:endParaRPr lang="en-US" altLang="zh-CN" sz="2400" dirty="0" smtClean="0">
               <a:solidFill>
@@ -7433,6 +7310,118 @@
               <a:latin typeface="微软雅黑" panose="020B0503020204020204" pitchFamily="34" charset="-122"/>
               <a:ea typeface="微软雅黑" panose="020B0503020204020204" pitchFamily="34" charset="-122"/>
             </a:endParaRPr>
+          </a:p>
+          <a:p>
+            <a:pPr>
+              <a:lnSpc>
+                <a:spcPct val="150000"/>
+              </a:lnSpc>
+            </a:pPr>
+            <a:r>
+              <a:rPr lang="en-US" altLang="zh-CN" sz="2400" dirty="0" smtClean="0">
+                <a:solidFill>
+                  <a:schemeClr val="tx1">
+                    <a:lumMod val="75000"/>
+                    <a:lumOff val="25000"/>
+                  </a:schemeClr>
+                </a:solidFill>
+                <a:latin typeface="微软雅黑" panose="020B0503020204020204" pitchFamily="34" charset="-122"/>
+                <a:ea typeface="微软雅黑" panose="020B0503020204020204" pitchFamily="34" charset="-122"/>
+              </a:rPr>
+              <a:t>canvas</a:t>
+            </a:r>
+            <a:r>
+              <a:rPr lang="zh-CN" altLang="en-US" sz="2400" dirty="0" smtClean="0">
+                <a:solidFill>
+                  <a:schemeClr val="tx1">
+                    <a:lumMod val="75000"/>
+                    <a:lumOff val="25000"/>
+                  </a:schemeClr>
+                </a:solidFill>
+                <a:latin typeface="微软雅黑" panose="020B0503020204020204" pitchFamily="34" charset="-122"/>
+                <a:ea typeface="微软雅黑" panose="020B0503020204020204" pitchFamily="34" charset="-122"/>
+              </a:rPr>
+              <a:t>的刷新有专门的函数，效率非常高</a:t>
+            </a:r>
+            <a:r>
+              <a:rPr lang="en-US" altLang="zh-CN" sz="2400" dirty="0" smtClean="0">
+                <a:solidFill>
+                  <a:schemeClr val="tx1">
+                    <a:lumMod val="75000"/>
+                    <a:lumOff val="25000"/>
+                  </a:schemeClr>
+                </a:solidFill>
+                <a:latin typeface="微软雅黑" panose="020B0503020204020204" pitchFamily="34" charset="-122"/>
+                <a:ea typeface="微软雅黑" panose="020B0503020204020204" pitchFamily="34" charset="-122"/>
+              </a:rPr>
+              <a:t>.</a:t>
+            </a:r>
+          </a:p>
+          <a:p>
+            <a:pPr>
+              <a:lnSpc>
+                <a:spcPct val="150000"/>
+              </a:lnSpc>
+            </a:pPr>
+            <a:r>
+              <a:rPr lang="zh-CN" altLang="en-US" sz="2400" b="1" dirty="0" smtClean="0">
+                <a:solidFill>
+                  <a:schemeClr val="tx1">
+                    <a:lumMod val="75000"/>
+                    <a:lumOff val="25000"/>
+                  </a:schemeClr>
+                </a:solidFill>
+                <a:latin typeface="微软雅黑" panose="020B0503020204020204" pitchFamily="34" charset="-122"/>
+                <a:ea typeface="微软雅黑" panose="020B0503020204020204" pitchFamily="34" charset="-122"/>
+              </a:rPr>
+              <a:t>粒子的连断关系</a:t>
+            </a:r>
+          </a:p>
+          <a:p>
+            <a:pPr>
+              <a:lnSpc>
+                <a:spcPct val="150000"/>
+              </a:lnSpc>
+            </a:pPr>
+            <a:r>
+              <a:rPr lang="zh-CN" altLang="en-US" sz="2400" dirty="0" smtClean="0">
+                <a:solidFill>
+                  <a:schemeClr val="tx1">
+                    <a:lumMod val="75000"/>
+                    <a:lumOff val="25000"/>
+                  </a:schemeClr>
+                </a:solidFill>
+                <a:latin typeface="微软雅黑" panose="020B0503020204020204" pitchFamily="34" charset="-122"/>
+                <a:ea typeface="微软雅黑" panose="020B0503020204020204" pitchFamily="34" charset="-122"/>
+              </a:rPr>
+              <a:t>粒子之间的距离足够近就连线，距离越远，连线越透明，直到消失，这个就需要</a:t>
+            </a:r>
+            <a:r>
+              <a:rPr lang="zh-CN" altLang="en-US" sz="2400" b="1" dirty="0" smtClean="0">
+                <a:solidFill>
+                  <a:schemeClr val="tx1">
+                    <a:lumMod val="75000"/>
+                    <a:lumOff val="25000"/>
+                  </a:schemeClr>
+                </a:solidFill>
+                <a:latin typeface="微软雅黑" panose="020B0503020204020204" pitchFamily="34" charset="-122"/>
+                <a:ea typeface="微软雅黑" panose="020B0503020204020204" pitchFamily="34" charset="-122"/>
+              </a:rPr>
+              <a:t>判断任意两个粒子之间</a:t>
+            </a:r>
+            <a:r>
+              <a:rPr lang="zh-CN" altLang="en-US" sz="2400" dirty="0" smtClean="0">
+                <a:solidFill>
+                  <a:schemeClr val="tx1">
+                    <a:lumMod val="75000"/>
+                    <a:lumOff val="25000"/>
+                  </a:schemeClr>
+                </a:solidFill>
+                <a:latin typeface="微软雅黑" panose="020B0503020204020204" pitchFamily="34" charset="-122"/>
+                <a:ea typeface="微软雅黑" panose="020B0503020204020204" pitchFamily="34" charset="-122"/>
+              </a:rPr>
+              <a:t>的距离</a:t>
+            </a:r>
           </a:p>
         </p:txBody>
       </p:sp>
@@ -7470,14 +7459,65 @@
       </p:grpSpPr>
       <p:sp>
         <p:nvSpPr>
+          <p:cNvPr id="4" name="TextBox 3"/>
+          <p:cNvSpPr txBox="1"/>
+          <p:nvPr/>
+        </p:nvSpPr>
+        <p:spPr>
+          <a:xfrm>
+            <a:off x="684000" y="97468"/>
+            <a:ext cx="7776000" cy="521970"/>
+          </a:xfrm>
+          <a:prstGeom prst="rect">
+            <a:avLst/>
+          </a:prstGeom>
+          <a:noFill/>
+        </p:spPr>
+        <p:txBody>
+          <a:bodyPr wrap="square" rtlCol="0">
+            <a:spAutoFit/>
+          </a:bodyPr>
+          <a:lstStyle/>
+          <a:p>
+            <a:r>
+              <a:rPr lang="en-US" altLang="zh-CN" sz="2800" b="1" dirty="0" smtClean="0">
+                <a:solidFill>
+                  <a:schemeClr val="tx1">
+                    <a:lumMod val="75000"/>
+                    <a:lumOff val="25000"/>
+                  </a:schemeClr>
+                </a:solidFill>
+                <a:latin typeface="微软雅黑" panose="020B0503020204020204" pitchFamily="34" charset="-122"/>
+                <a:ea typeface="微软雅黑" panose="020B0503020204020204" pitchFamily="34" charset="-122"/>
+              </a:rPr>
+              <a:t>3.canvas</a:t>
+            </a:r>
+            <a:r>
+              <a:rPr lang="zh-CN" altLang="en-US" sz="2800" b="1" dirty="0" smtClean="0">
+                <a:solidFill>
+                  <a:schemeClr val="tx1">
+                    <a:lumMod val="75000"/>
+                    <a:lumOff val="25000"/>
+                  </a:schemeClr>
+                </a:solidFill>
+                <a:latin typeface="微软雅黑" panose="020B0503020204020204" pitchFamily="34" charset="-122"/>
+                <a:ea typeface="微软雅黑" panose="020B0503020204020204" pitchFamily="34" charset="-122"/>
+              </a:rPr>
+              <a:t>动画的刷新</a:t>
+            </a:r>
+          </a:p>
+        </p:txBody>
+      </p:sp>
+      <p:sp>
+        <p:nvSpPr>
           <p:cNvPr id="5" name="TextBox 4"/>
           <p:cNvSpPr txBox="1"/>
           <p:nvPr/>
         </p:nvSpPr>
         <p:spPr>
           <a:xfrm>
-            <a:off x="668727" y="-101602"/>
-            <a:ext cx="7776000" cy="3969385"/>
+            <a:off x="668727" y="687703"/>
+            <a:ext cx="7776000" cy="5631180"/>
           </a:xfrm>
           <a:prstGeom prst="rect">
             <a:avLst/>
@@ -7496,6 +7536,45 @@
               </a:lnSpc>
             </a:pPr>
             <a:r>
+              <a:rPr lang="zh-CN" altLang="en-US" sz="2400" dirty="0" smtClean="0">
+                <a:solidFill>
+                  <a:schemeClr val="tx1">
+                    <a:lumMod val="75000"/>
+                    <a:lumOff val="25000"/>
+                  </a:schemeClr>
+                </a:solidFill>
+                <a:latin typeface="微软雅黑" panose="020B0503020204020204" pitchFamily="34" charset="-122"/>
+                <a:ea typeface="微软雅黑" panose="020B0503020204020204" pitchFamily="34" charset="-122"/>
+              </a:rPr>
+              <a:t>所谓刷新就是每隔一段时间，重新绘制页面上的内容，具体到</a:t>
+            </a:r>
+            <a:r>
+              <a:rPr lang="en-US" altLang="zh-CN" sz="2400" dirty="0" smtClean="0">
+                <a:solidFill>
+                  <a:schemeClr val="tx1">
+                    <a:lumMod val="75000"/>
+                    <a:lumOff val="25000"/>
+                  </a:schemeClr>
+                </a:solidFill>
+                <a:latin typeface="微软雅黑" panose="020B0503020204020204" pitchFamily="34" charset="-122"/>
+                <a:ea typeface="微软雅黑" panose="020B0503020204020204" pitchFamily="34" charset="-122"/>
+              </a:rPr>
+              <a:t>canvas</a:t>
+            </a:r>
+            <a:r>
+              <a:rPr lang="zh-CN" altLang="en-US" sz="2400" dirty="0" smtClean="0">
+                <a:solidFill>
+                  <a:schemeClr val="tx1">
+                    <a:lumMod val="75000"/>
+                    <a:lumOff val="25000"/>
+                  </a:schemeClr>
+                </a:solidFill>
+                <a:latin typeface="微软雅黑" panose="020B0503020204020204" pitchFamily="34" charset="-122"/>
+                <a:ea typeface="微软雅黑" panose="020B0503020204020204" pitchFamily="34" charset="-122"/>
+              </a:rPr>
+              <a:t>，就是</a:t>
+            </a:r>
+            <a:r>
               <a:rPr lang="zh-CN" altLang="en-US" sz="2400" b="1" dirty="0" smtClean="0">
                 <a:solidFill>
                   <a:schemeClr val="tx1">
@@ -7506,25 +7585,8 @@
                 <a:latin typeface="微软雅黑" panose="020B0503020204020204" pitchFamily="34" charset="-122"/>
                 <a:ea typeface="微软雅黑" panose="020B0503020204020204" pitchFamily="34" charset="-122"/>
               </a:rPr>
-              <a:t>返回值</a:t>
-            </a:r>
-            <a:endParaRPr lang="zh-CN" altLang="en-US" sz="2400" dirty="0" smtClean="0">
-              <a:solidFill>
-                <a:schemeClr val="tx1">
-                  <a:lumMod val="75000"/>
-                  <a:lumOff val="25000"/>
-                </a:schemeClr>
-              </a:solidFill>
-              <a:latin typeface="微软雅黑" panose="020B0503020204020204" pitchFamily="34" charset="-122"/>
-              <a:ea typeface="微软雅黑" panose="020B0503020204020204" pitchFamily="34" charset="-122"/>
-            </a:endParaRPr>
-          </a:p>
-          <a:p>
-            <a:pPr>
-              <a:lnSpc>
-                <a:spcPct val="150000"/>
-              </a:lnSpc>
-            </a:pPr>
+              <a:t>重绘整个或部分画布</a:t>
+            </a:r>
             <a:r>
               <a:rPr lang="zh-CN" altLang="en-US" sz="2400" dirty="0" smtClean="0">
                 <a:solidFill>
@@ -7536,7 +7598,7 @@
                 <a:latin typeface="微软雅黑" panose="020B0503020204020204" pitchFamily="34" charset="-122"/>
                 <a:ea typeface="微软雅黑" panose="020B0503020204020204" pitchFamily="34" charset="-122"/>
               </a:rPr>
-              <a:t>该函数返回一个</a:t>
+              <a:t>的内容</a:t>
             </a:r>
             <a:r>
               <a:rPr lang="en-US" altLang="zh-CN" sz="2400" dirty="0" smtClean="0">
@@ -7549,7 +7611,7 @@
                 <a:latin typeface="微软雅黑" panose="020B0503020204020204" pitchFamily="34" charset="-122"/>
                 <a:ea typeface="微软雅黑" panose="020B0503020204020204" pitchFamily="34" charset="-122"/>
               </a:rPr>
-              <a:t>long</a:t>
+              <a:t>.</a:t>
             </a:r>
             <a:r>
               <a:rPr lang="zh-CN" altLang="en-US" sz="2400" dirty="0" smtClean="0">
@@ -7562,7 +7624,7 @@
                 <a:latin typeface="微软雅黑" panose="020B0503020204020204" pitchFamily="34" charset="-122"/>
                 <a:ea typeface="微软雅黑" panose="020B0503020204020204" pitchFamily="34" charset="-122"/>
               </a:rPr>
-              <a:t>型（很大的整数）数值，标识回调函数身份，如果需要取消，可以调用</a:t>
+              <a:t>提到每隔一定时间进行某个操作，就想到使用传统的</a:t>
             </a:r>
             <a:r>
               <a:rPr lang="en-US" altLang="zh-CN" sz="2400" dirty="0" smtClean="0">
@@ -7575,7 +7637,7 @@
                 <a:latin typeface="微软雅黑" panose="020B0503020204020204" pitchFamily="34" charset="-122"/>
                 <a:ea typeface="微软雅黑" panose="020B0503020204020204" pitchFamily="34" charset="-122"/>
               </a:rPr>
-              <a:t>cancelRequestAnimationFrame();</a:t>
+              <a:t>setTimeout()</a:t>
             </a:r>
             <a:r>
               <a:rPr lang="zh-CN" altLang="en-US" sz="2400" dirty="0" smtClean="0">
@@ -7588,25 +7650,112 @@
                 <a:latin typeface="微软雅黑" panose="020B0503020204020204" pitchFamily="34" charset="-122"/>
                 <a:ea typeface="微软雅黑" panose="020B0503020204020204" pitchFamily="34" charset="-122"/>
               </a:rPr>
-              <a:t>并把这个数值传给它</a:t>
-            </a:r>
-            <a:endParaRPr lang="zh-CN" altLang="en-US" sz="2400" dirty="0" smtClean="0">
-              <a:solidFill>
-                <a:schemeClr val="tx1">
-                  <a:lumMod val="75000"/>
-                  <a:lumOff val="25000"/>
-                </a:schemeClr>
-              </a:solidFill>
-              <a:latin typeface="微软雅黑" panose="020B0503020204020204" pitchFamily="34" charset="-122"/>
-              <a:ea typeface="微软雅黑" panose="020B0503020204020204" pitchFamily="34" charset="-122"/>
-            </a:endParaRPr>
-          </a:p>
-          <a:p>
-            <a:pPr>
-              <a:lnSpc>
-                <a:spcPct val="150000"/>
-              </a:lnSpc>
-            </a:pPr>
+              <a:t>和</a:t>
+            </a:r>
+            <a:r>
+              <a:rPr lang="en-US" altLang="zh-CN" sz="2400" dirty="0" smtClean="0">
+                <a:solidFill>
+                  <a:schemeClr val="tx1">
+                    <a:lumMod val="75000"/>
+                    <a:lumOff val="25000"/>
+                  </a:schemeClr>
+                </a:solidFill>
+                <a:latin typeface="微软雅黑" panose="020B0503020204020204" pitchFamily="34" charset="-122"/>
+                <a:ea typeface="微软雅黑" panose="020B0503020204020204" pitchFamily="34" charset="-122"/>
+              </a:rPr>
+              <a:t>setInterval()</a:t>
+            </a:r>
+            <a:r>
+              <a:rPr lang="zh-CN" altLang="en-US" sz="2400" dirty="0" smtClean="0">
+                <a:solidFill>
+                  <a:schemeClr val="tx1">
+                    <a:lumMod val="75000"/>
+                    <a:lumOff val="25000"/>
+                  </a:schemeClr>
+                </a:solidFill>
+                <a:latin typeface="微软雅黑" panose="020B0503020204020204" pitchFamily="34" charset="-122"/>
+                <a:ea typeface="微软雅黑" panose="020B0503020204020204" pitchFamily="34" charset="-122"/>
+              </a:rPr>
+              <a:t>函数定时，但是这个更多的是应用于简单的非</a:t>
+            </a:r>
+            <a:r>
+              <a:rPr lang="en-US" altLang="zh-CN" sz="2400" dirty="0" smtClean="0">
+                <a:solidFill>
+                  <a:schemeClr val="tx1">
+                    <a:lumMod val="75000"/>
+                    <a:lumOff val="25000"/>
+                  </a:schemeClr>
+                </a:solidFill>
+                <a:latin typeface="微软雅黑" panose="020B0503020204020204" pitchFamily="34" charset="-122"/>
+                <a:ea typeface="微软雅黑" panose="020B0503020204020204" pitchFamily="34" charset="-122"/>
+              </a:rPr>
+              <a:t>canvas</a:t>
+            </a:r>
+            <a:r>
+              <a:rPr lang="zh-CN" altLang="en-US" sz="2400" dirty="0" smtClean="0">
+                <a:solidFill>
+                  <a:schemeClr val="tx1">
+                    <a:lumMod val="75000"/>
+                    <a:lumOff val="25000"/>
+                  </a:schemeClr>
+                </a:solidFill>
+                <a:latin typeface="微软雅黑" panose="020B0503020204020204" pitchFamily="34" charset="-122"/>
+                <a:ea typeface="微软雅黑" panose="020B0503020204020204" pitchFamily="34" charset="-122"/>
+              </a:rPr>
+              <a:t>动画，或者是应用于网页的功能性编程</a:t>
+            </a:r>
+            <a:r>
+              <a:rPr lang="en-US" altLang="zh-CN" sz="2400" dirty="0" smtClean="0">
+                <a:solidFill>
+                  <a:schemeClr val="tx1">
+                    <a:lumMod val="75000"/>
+                    <a:lumOff val="25000"/>
+                  </a:schemeClr>
+                </a:solidFill>
+                <a:latin typeface="微软雅黑" panose="020B0503020204020204" pitchFamily="34" charset="-122"/>
+                <a:ea typeface="微软雅黑" panose="020B0503020204020204" pitchFamily="34" charset="-122"/>
+              </a:rPr>
+              <a:t>.</a:t>
+            </a:r>
+            <a:r>
+              <a:rPr lang="zh-CN" altLang="en-US" sz="2400" dirty="0" smtClean="0">
+                <a:solidFill>
+                  <a:schemeClr val="tx1">
+                    <a:lumMod val="75000"/>
+                    <a:lumOff val="25000"/>
+                  </a:schemeClr>
+                </a:solidFill>
+                <a:latin typeface="微软雅黑" panose="020B0503020204020204" pitchFamily="34" charset="-122"/>
+                <a:ea typeface="微软雅黑" panose="020B0503020204020204" pitchFamily="34" charset="-122"/>
+              </a:rPr>
+              <a:t>涉及到</a:t>
+            </a:r>
+            <a:r>
+              <a:rPr lang="en-US" altLang="zh-CN" sz="2400" dirty="0" smtClean="0">
+                <a:solidFill>
+                  <a:schemeClr val="tx1">
+                    <a:lumMod val="75000"/>
+                    <a:lumOff val="25000"/>
+                  </a:schemeClr>
+                </a:solidFill>
+                <a:latin typeface="微软雅黑" panose="020B0503020204020204" pitchFamily="34" charset="-122"/>
+                <a:ea typeface="微软雅黑" panose="020B0503020204020204" pitchFamily="34" charset="-122"/>
+              </a:rPr>
+              <a:t>canvas</a:t>
+            </a:r>
+            <a:r>
+              <a:rPr lang="zh-CN" altLang="en-US" sz="2400" dirty="0" smtClean="0">
+                <a:solidFill>
+                  <a:schemeClr val="tx1">
+                    <a:lumMod val="75000"/>
+                    <a:lumOff val="25000"/>
+                  </a:schemeClr>
+                </a:solidFill>
+                <a:latin typeface="微软雅黑" panose="020B0503020204020204" pitchFamily="34" charset="-122"/>
+                <a:ea typeface="微软雅黑" panose="020B0503020204020204" pitchFamily="34" charset="-122"/>
+              </a:rPr>
+              <a:t>动画，尤其是</a:t>
+            </a:r>
             <a:r>
               <a:rPr lang="zh-CN" altLang="en-US" sz="2400" b="1" dirty="0" smtClean="0">
                 <a:solidFill>
@@ -7618,25 +7767,8 @@
                 <a:latin typeface="微软雅黑" panose="020B0503020204020204" pitchFamily="34" charset="-122"/>
                 <a:ea typeface="微软雅黑" panose="020B0503020204020204" pitchFamily="34" charset="-122"/>
               </a:rPr>
-              <a:t>兼容性</a:t>
-            </a:r>
-            <a:endParaRPr lang="zh-CN" altLang="en-US" sz="2400" b="1" dirty="0" smtClean="0">
-              <a:solidFill>
-                <a:schemeClr val="tx1">
-                  <a:lumMod val="75000"/>
-                  <a:lumOff val="25000"/>
-                </a:schemeClr>
-              </a:solidFill>
-              <a:latin typeface="微软雅黑" panose="020B0503020204020204" pitchFamily="34" charset="-122"/>
-              <a:ea typeface="微软雅黑" panose="020B0503020204020204" pitchFamily="34" charset="-122"/>
-            </a:endParaRPr>
-          </a:p>
-          <a:p>
-            <a:pPr>
-              <a:lnSpc>
-                <a:spcPct val="150000"/>
-              </a:lnSpc>
-            </a:pPr>
+              <a:t>复杂耗时的渲染</a:t>
+            </a:r>
             <a:r>
               <a:rPr lang="zh-CN" altLang="en-US" sz="2400" dirty="0" smtClean="0">
                 <a:solidFill>
@@ -7648,7 +7780,59 @@
                 <a:latin typeface="微软雅黑" panose="020B0503020204020204" pitchFamily="34" charset="-122"/>
                 <a:ea typeface="微软雅黑" panose="020B0503020204020204" pitchFamily="34" charset="-122"/>
               </a:rPr>
-              <a:t>只有较新的浏览器才支持该函数，所以我们需要进行一个浏览器兼容的处理</a:t>
+              <a:t>操作，想要达到</a:t>
+            </a:r>
+            <a:r>
+              <a:rPr lang="zh-CN" altLang="en-US" sz="2400" b="1" dirty="0" smtClean="0">
+                <a:solidFill>
+                  <a:schemeClr val="tx1">
+                    <a:lumMod val="75000"/>
+                    <a:lumOff val="25000"/>
+                  </a:schemeClr>
+                </a:solidFill>
+                <a:latin typeface="微软雅黑" panose="020B0503020204020204" pitchFamily="34" charset="-122"/>
+                <a:ea typeface="微软雅黑" panose="020B0503020204020204" pitchFamily="34" charset="-122"/>
+              </a:rPr>
+              <a:t>流畅的效果</a:t>
+            </a:r>
+            <a:r>
+              <a:rPr lang="zh-CN" altLang="en-US" sz="2400" dirty="0" smtClean="0">
+                <a:solidFill>
+                  <a:schemeClr val="tx1">
+                    <a:lumMod val="75000"/>
+                    <a:lumOff val="25000"/>
+                  </a:schemeClr>
+                </a:solidFill>
+                <a:latin typeface="微软雅黑" panose="020B0503020204020204" pitchFamily="34" charset="-122"/>
+                <a:ea typeface="微软雅黑" panose="020B0503020204020204" pitchFamily="34" charset="-122"/>
+              </a:rPr>
+              <a:t>，必须使用高效的</a:t>
+            </a:r>
+            <a:r>
+              <a:rPr lang="en-US" altLang="zh-CN" sz="2400" b="1" dirty="0" smtClean="0">
+                <a:solidFill>
+                  <a:schemeClr val="tx1">
+                    <a:lumMod val="75000"/>
+                    <a:lumOff val="25000"/>
+                  </a:schemeClr>
+                </a:solidFill>
+                <a:latin typeface="微软雅黑" panose="020B0503020204020204" pitchFamily="34" charset="-122"/>
+                <a:ea typeface="微软雅黑" panose="020B0503020204020204" pitchFamily="34" charset="-122"/>
+              </a:rPr>
+              <a:t>window.requestAnimationFrame()</a:t>
+            </a:r>
+            <a:r>
+              <a:rPr lang="zh-CN" altLang="en-US" sz="2400" dirty="0" smtClean="0">
+                <a:solidFill>
+                  <a:schemeClr val="tx1">
+                    <a:lumMod val="75000"/>
+                    <a:lumOff val="25000"/>
+                  </a:schemeClr>
+                </a:solidFill>
+                <a:latin typeface="微软雅黑" panose="020B0503020204020204" pitchFamily="34" charset="-122"/>
+                <a:ea typeface="微软雅黑" panose="020B0503020204020204" pitchFamily="34" charset="-122"/>
+              </a:rPr>
+              <a:t>函数</a:t>
             </a:r>
             <a:r>
               <a:rPr lang="en-US" altLang="zh-CN" sz="2400" dirty="0" smtClean="0">
@@ -7661,18 +7845,34 @@
                 <a:latin typeface="微软雅黑" panose="020B0503020204020204" pitchFamily="34" charset="-122"/>
                 <a:ea typeface="微软雅黑" panose="020B0503020204020204" pitchFamily="34" charset="-122"/>
               </a:rPr>
+              <a:t>. </a:t>
+            </a:r>
+            <a:r>
+              <a:rPr lang="zh-CN" altLang="en-US" sz="2400" dirty="0" smtClean="0">
+                <a:solidFill>
+                  <a:schemeClr val="tx1">
+                    <a:lumMod val="75000"/>
+                    <a:lumOff val="25000"/>
+                  </a:schemeClr>
+                </a:solidFill>
+                <a:latin typeface="微软雅黑" panose="020B0503020204020204" pitchFamily="34" charset="-122"/>
+                <a:ea typeface="微软雅黑" panose="020B0503020204020204" pitchFamily="34" charset="-122"/>
+              </a:rPr>
+              <a:t>该函数不需要调用的频率或者说时间间隔，浏览器自行决定帧速率（每秒调用的次数）</a:t>
+            </a:r>
+            <a:r>
+              <a:rPr lang="en-US" altLang="zh-CN" sz="2400" dirty="0" smtClean="0">
+                <a:solidFill>
+                  <a:schemeClr val="tx1">
+                    <a:lumMod val="75000"/>
+                    <a:lumOff val="25000"/>
+                  </a:schemeClr>
+                </a:solidFill>
+                <a:latin typeface="微软雅黑" panose="020B0503020204020204" pitchFamily="34" charset="-122"/>
+                <a:ea typeface="微软雅黑" panose="020B0503020204020204" pitchFamily="34" charset="-122"/>
+              </a:rPr>
               <a:t>.</a:t>
             </a:r>
-            <a:endParaRPr lang="en-US" altLang="zh-CN" sz="2400" dirty="0" smtClean="0">
-              <a:solidFill>
-                <a:schemeClr val="tx1">
-                  <a:lumMod val="75000"/>
-                  <a:lumOff val="25000"/>
-                </a:schemeClr>
-              </a:solidFill>
-              <a:latin typeface="微软雅黑" panose="020B0503020204020204" pitchFamily="34" charset="-122"/>
-              <a:ea typeface="微软雅黑" panose="020B0503020204020204" pitchFamily="34" charset="-122"/>
-            </a:endParaRPr>
           </a:p>
         </p:txBody>
       </p:sp>
@@ -7700,86 +7900,55 @@
         <p:cNvGrpSpPr/>
         <p:nvPr/>
       </p:nvGrpSpPr>
-      <p:grpSpPr/>
-      <p:pic>
-        <p:nvPicPr>
-          <p:cNvPr id="4" name="图片 3"/>
-          <p:cNvPicPr>
-            <a:picLocks noChangeAspect="1"/>
-          </p:cNvPicPr>
+      <p:grpSpPr>
+        <a:xfrm>
+          <a:off x="0" y="0"/>
+          <a:ext cx="0" cy="0"/>
+          <a:chOff x="0" y="0"/>
+          <a:chExt cx="0" cy="0"/>
+        </a:xfrm>
+      </p:grpSpPr>
+      <p:sp>
+        <p:nvSpPr>
+          <p:cNvPr id="5" name="TextBox 4"/>
+          <p:cNvSpPr txBox="1"/>
           <p:nvPr/>
-        </p:nvPicPr>
-        <p:blipFill>
-          <a:blip r:embed="rId1"/>
-          <a:stretch>
-            <a:fillRect/>
-          </a:stretch>
-        </p:blipFill>
-        <p:spPr>
-          <a:xfrm>
-            <a:off x="873760" y="911225"/>
-            <a:ext cx="6543675" cy="4686300"/>
+        </p:nvSpPr>
+        <p:spPr>
+          <a:xfrm>
+            <a:off x="668727" y="-101602"/>
+            <a:ext cx="7776000" cy="3969385"/>
           </a:xfrm>
           <a:prstGeom prst="rect">
             <a:avLst/>
           </a:prstGeom>
-        </p:spPr>
-      </p:pic>
-      <p:sp>
-        <p:nvSpPr>
-          <p:cNvPr id="9" name="圆角矩形标注 8"/>
-          <p:cNvSpPr/>
-          <p:nvPr/>
-        </p:nvSpPr>
-        <p:spPr>
-          <a:xfrm>
-            <a:off x="5370830" y="5155565"/>
-            <a:ext cx="2663190" cy="441960"/>
-          </a:xfrm>
-          <a:prstGeom prst="wedgeRoundRectCallout">
-            <a:avLst>
-              <a:gd name="adj1" fmla="val -25185"/>
-              <a:gd name="adj2" fmla="val -83189"/>
-              <a:gd name="adj3" fmla="val 16667"/>
-            </a:avLst>
-          </a:prstGeom>
-        </p:spPr>
-        <p:style>
-          <a:lnRef idx="2">
-            <a:schemeClr val="accent5"/>
-          </a:lnRef>
-          <a:fillRef idx="1">
-            <a:schemeClr val="lt1"/>
-          </a:fillRef>
-          <a:effectRef idx="0">
-            <a:schemeClr val="accent5"/>
-          </a:effectRef>
-          <a:fontRef idx="minor">
-            <a:schemeClr val="dk1"/>
-          </a:fontRef>
-        </p:style>
-        <p:txBody>
-          <a:bodyPr rtlCol="0" anchor="ctr"/>
-          <a:p>
-            <a:pPr algn="l">
+          <a:noFill/>
+        </p:spPr>
+        <p:txBody>
+          <a:bodyPr wrap="square" rtlCol="0">
+            <a:spAutoFit/>
+          </a:bodyPr>
+          <a:lstStyle/>
+          <a:p>
+            <a:pPr>
               <a:lnSpc>
                 <a:spcPct val="150000"/>
               </a:lnSpc>
             </a:pPr>
             <a:r>
-              <a:rPr lang="zh-CN" altLang="en-US" sz="2000" dirty="0">
-                <a:solidFill>
-                  <a:schemeClr val="tx1">
-                    <a:lumMod val="75000"/>
-                    <a:lumOff val="25000"/>
-                  </a:schemeClr>
-                </a:solidFill>
-                <a:latin typeface="微软雅黑" panose="020B0503020204020204" pitchFamily="34" charset="-122"/>
-                <a:ea typeface="微软雅黑" panose="020B0503020204020204" pitchFamily="34" charset="-122"/>
-              </a:rPr>
-              <a:t>减去代码执行的时间</a:t>
-            </a:r>
-            <a:endParaRPr lang="zh-CN" altLang="en-US" sz="2000" dirty="0">
+              <a:rPr lang="zh-CN" altLang="en-US" sz="2400" b="1" dirty="0" smtClean="0">
+                <a:solidFill>
+                  <a:schemeClr val="tx1">
+                    <a:lumMod val="75000"/>
+                    <a:lumOff val="25000"/>
+                  </a:schemeClr>
+                </a:solidFill>
+                <a:latin typeface="微软雅黑" panose="020B0503020204020204" pitchFamily="34" charset="-122"/>
+                <a:ea typeface="微软雅黑" panose="020B0503020204020204" pitchFamily="34" charset="-122"/>
+              </a:rPr>
+              <a:t>返回值</a:t>
+            </a:r>
+            <a:endParaRPr lang="zh-CN" altLang="en-US" sz="2400" dirty="0" smtClean="0">
               <a:solidFill>
                 <a:schemeClr val="tx1">
                   <a:lumMod val="75000"/>
@@ -7790,139 +7959,130 @@
               <a:ea typeface="微软雅黑" panose="020B0503020204020204" pitchFamily="34" charset="-122"/>
             </a:endParaRPr>
           </a:p>
-        </p:txBody>
-      </p:sp>
-      <p:sp>
-        <p:nvSpPr>
-          <p:cNvPr id="5" name="圆角矩形标注 4"/>
-          <p:cNvSpPr/>
-          <p:nvPr/>
-        </p:nvSpPr>
-        <p:spPr>
-          <a:xfrm>
-            <a:off x="5480050" y="2792095"/>
-            <a:ext cx="2855595" cy="977265"/>
-          </a:xfrm>
-          <a:prstGeom prst="wedgeRoundRectCallout">
-            <a:avLst>
-              <a:gd name="adj1" fmla="val -54077"/>
-              <a:gd name="adj2" fmla="val -24137"/>
-              <a:gd name="adj3" fmla="val 16667"/>
-            </a:avLst>
-          </a:prstGeom>
-        </p:spPr>
-        <p:style>
-          <a:lnRef idx="2">
-            <a:schemeClr val="accent5"/>
-          </a:lnRef>
-          <a:fillRef idx="1">
-            <a:schemeClr val="lt1"/>
-          </a:fillRef>
-          <a:effectRef idx="0">
-            <a:schemeClr val="accent5"/>
-          </a:effectRef>
-          <a:fontRef idx="minor">
-            <a:schemeClr val="dk1"/>
-          </a:fontRef>
-        </p:style>
-        <p:txBody>
-          <a:bodyPr rtlCol="0" anchor="ctr"/>
-          <a:p>
-            <a:pPr algn="l">
+          <a:p>
+            <a:pPr>
               <a:lnSpc>
                 <a:spcPct val="150000"/>
               </a:lnSpc>
             </a:pPr>
             <a:r>
-              <a:rPr lang="zh-CN" altLang="en-US" sz="2000" dirty="0">
-                <a:solidFill>
-                  <a:schemeClr val="tx1">
-                    <a:lumMod val="75000"/>
-                    <a:lumOff val="25000"/>
-                  </a:schemeClr>
-                </a:solidFill>
-                <a:latin typeface="微软雅黑" panose="020B0503020204020204" pitchFamily="34" charset="-122"/>
-                <a:ea typeface="微软雅黑" panose="020B0503020204020204" pitchFamily="34" charset="-122"/>
-              </a:rPr>
-              <a:t>如果没有该函数，调用传统的定时函数</a:t>
-            </a:r>
-            <a:endParaRPr lang="zh-CN" altLang="en-US" sz="2000" dirty="0">
-              <a:solidFill>
-                <a:schemeClr val="tx1">
-                  <a:lumMod val="75000"/>
-                  <a:lumOff val="25000"/>
-                </a:schemeClr>
-              </a:solidFill>
-              <a:latin typeface="微软雅黑" panose="020B0503020204020204" pitchFamily="34" charset="-122"/>
-              <a:ea typeface="微软雅黑" panose="020B0503020204020204" pitchFamily="34" charset="-122"/>
-            </a:endParaRPr>
-          </a:p>
-        </p:txBody>
-      </p:sp>
-      <p:sp>
-        <p:nvSpPr>
-          <p:cNvPr id="6" name="圆角矩形标注 5"/>
-          <p:cNvSpPr/>
-          <p:nvPr/>
-        </p:nvSpPr>
-        <p:spPr>
-          <a:xfrm>
-            <a:off x="2443480" y="358775"/>
-            <a:ext cx="4203700" cy="441960"/>
-          </a:xfrm>
-          <a:prstGeom prst="wedgeRoundRectCallout">
-            <a:avLst>
-              <a:gd name="adj1" fmla="val -28803"/>
-              <a:gd name="adj2" fmla="val 75431"/>
-              <a:gd name="adj3" fmla="val 16667"/>
-            </a:avLst>
-          </a:prstGeom>
-        </p:spPr>
-        <p:style>
-          <a:lnRef idx="2">
-            <a:schemeClr val="accent5"/>
-          </a:lnRef>
-          <a:fillRef idx="1">
-            <a:schemeClr val="lt1"/>
-          </a:fillRef>
-          <a:effectRef idx="0">
-            <a:schemeClr val="accent5"/>
-          </a:effectRef>
-          <a:fontRef idx="minor">
-            <a:schemeClr val="dk1"/>
-          </a:fontRef>
-        </p:style>
-        <p:txBody>
-          <a:bodyPr rtlCol="0" anchor="ctr"/>
-          <a:p>
-            <a:pPr algn="l">
+              <a:rPr lang="zh-CN" altLang="en-US" sz="2400" dirty="0" smtClean="0">
+                <a:solidFill>
+                  <a:schemeClr val="tx1">
+                    <a:lumMod val="75000"/>
+                    <a:lumOff val="25000"/>
+                  </a:schemeClr>
+                </a:solidFill>
+                <a:latin typeface="微软雅黑" panose="020B0503020204020204" pitchFamily="34" charset="-122"/>
+                <a:ea typeface="微软雅黑" panose="020B0503020204020204" pitchFamily="34" charset="-122"/>
+              </a:rPr>
+              <a:t>该函数返回一个</a:t>
+            </a:r>
+            <a:r>
+              <a:rPr lang="en-US" altLang="zh-CN" sz="2400" dirty="0" smtClean="0">
+                <a:solidFill>
+                  <a:schemeClr val="tx1">
+                    <a:lumMod val="75000"/>
+                    <a:lumOff val="25000"/>
+                  </a:schemeClr>
+                </a:solidFill>
+                <a:latin typeface="微软雅黑" panose="020B0503020204020204" pitchFamily="34" charset="-122"/>
+                <a:ea typeface="微软雅黑" panose="020B0503020204020204" pitchFamily="34" charset="-122"/>
+              </a:rPr>
+              <a:t>long</a:t>
+            </a:r>
+            <a:r>
+              <a:rPr lang="zh-CN" altLang="en-US" sz="2400" dirty="0" smtClean="0">
+                <a:solidFill>
+                  <a:schemeClr val="tx1">
+                    <a:lumMod val="75000"/>
+                    <a:lumOff val="25000"/>
+                  </a:schemeClr>
+                </a:solidFill>
+                <a:latin typeface="微软雅黑" panose="020B0503020204020204" pitchFamily="34" charset="-122"/>
+                <a:ea typeface="微软雅黑" panose="020B0503020204020204" pitchFamily="34" charset="-122"/>
+              </a:rPr>
+              <a:t>型（很大的整数）数值，标识回调函数身份，如果需要取消，可以调用</a:t>
+            </a:r>
+            <a:r>
+              <a:rPr lang="en-US" altLang="zh-CN" sz="2400" dirty="0" smtClean="0">
+                <a:solidFill>
+                  <a:schemeClr val="tx1">
+                    <a:lumMod val="75000"/>
+                    <a:lumOff val="25000"/>
+                  </a:schemeClr>
+                </a:solidFill>
+                <a:latin typeface="微软雅黑" panose="020B0503020204020204" pitchFamily="34" charset="-122"/>
+                <a:ea typeface="微软雅黑" panose="020B0503020204020204" pitchFamily="34" charset="-122"/>
+              </a:rPr>
+              <a:t>cancelRequestAnimationFrame();</a:t>
+            </a:r>
+            <a:r>
+              <a:rPr lang="zh-CN" altLang="en-US" sz="2400" dirty="0" smtClean="0">
+                <a:solidFill>
+                  <a:schemeClr val="tx1">
+                    <a:lumMod val="75000"/>
+                    <a:lumOff val="25000"/>
+                  </a:schemeClr>
+                </a:solidFill>
+                <a:latin typeface="微软雅黑" panose="020B0503020204020204" pitchFamily="34" charset="-122"/>
+                <a:ea typeface="微软雅黑" panose="020B0503020204020204" pitchFamily="34" charset="-122"/>
+              </a:rPr>
+              <a:t>并把这个数值传给它</a:t>
+            </a:r>
+          </a:p>
+          <a:p>
+            <a:pPr>
               <a:lnSpc>
                 <a:spcPct val="150000"/>
               </a:lnSpc>
             </a:pPr>
             <a:r>
-              <a:rPr lang="zh-CN" altLang="en-US" sz="2000" dirty="0">
-                <a:solidFill>
-                  <a:schemeClr val="tx1">
-                    <a:lumMod val="75000"/>
-                    <a:lumOff val="25000"/>
-                  </a:schemeClr>
-                </a:solidFill>
-                <a:latin typeface="微软雅黑" panose="020B0503020204020204" pitchFamily="34" charset="-122"/>
-                <a:ea typeface="微软雅黑" panose="020B0503020204020204" pitchFamily="34" charset="-122"/>
-              </a:rPr>
-              <a:t>添加个自定义的方法作为兼容方法</a:t>
-            </a:r>
-            <a:endParaRPr lang="zh-CN" altLang="en-US" sz="2000" dirty="0">
-              <a:solidFill>
-                <a:schemeClr val="tx1">
-                  <a:lumMod val="75000"/>
-                  <a:lumOff val="25000"/>
-                </a:schemeClr>
-              </a:solidFill>
-              <a:latin typeface="微软雅黑" panose="020B0503020204020204" pitchFamily="34" charset="-122"/>
-              <a:ea typeface="微软雅黑" panose="020B0503020204020204" pitchFamily="34" charset="-122"/>
-            </a:endParaRPr>
+              <a:rPr lang="zh-CN" altLang="en-US" sz="2400" b="1" dirty="0" smtClean="0">
+                <a:solidFill>
+                  <a:schemeClr val="tx1">
+                    <a:lumMod val="75000"/>
+                    <a:lumOff val="25000"/>
+                  </a:schemeClr>
+                </a:solidFill>
+                <a:latin typeface="微软雅黑" panose="020B0503020204020204" pitchFamily="34" charset="-122"/>
+                <a:ea typeface="微软雅黑" panose="020B0503020204020204" pitchFamily="34" charset="-122"/>
+              </a:rPr>
+              <a:t>兼容性</a:t>
+            </a:r>
+          </a:p>
+          <a:p>
+            <a:pPr>
+              <a:lnSpc>
+                <a:spcPct val="150000"/>
+              </a:lnSpc>
+            </a:pPr>
+            <a:r>
+              <a:rPr lang="zh-CN" altLang="en-US" sz="2400" dirty="0" smtClean="0">
+                <a:solidFill>
+                  <a:schemeClr val="tx1">
+                    <a:lumMod val="75000"/>
+                    <a:lumOff val="25000"/>
+                  </a:schemeClr>
+                </a:solidFill>
+                <a:latin typeface="微软雅黑" panose="020B0503020204020204" pitchFamily="34" charset="-122"/>
+                <a:ea typeface="微软雅黑" panose="020B0503020204020204" pitchFamily="34" charset="-122"/>
+              </a:rPr>
+              <a:t>只有较新的浏览器才支持该函数，所以我们需要进行一个浏览器兼容的处理</a:t>
+            </a:r>
+            <a:r>
+              <a:rPr lang="en-US" altLang="zh-CN" sz="2400" dirty="0" smtClean="0">
+                <a:solidFill>
+                  <a:schemeClr val="tx1">
+                    <a:lumMod val="75000"/>
+                    <a:lumOff val="25000"/>
+                  </a:schemeClr>
+                </a:solidFill>
+                <a:latin typeface="微软雅黑" panose="020B0503020204020204" pitchFamily="34" charset="-122"/>
+                <a:ea typeface="微软雅黑" panose="020B0503020204020204" pitchFamily="34" charset="-122"/>
+              </a:rPr>
+              <a:t>.</a:t>
+            </a:r>
           </a:p>
         </p:txBody>
       </p:sp>
@@ -7931,6 +8091,13 @@
   <p:clrMapOvr>
     <a:masterClrMapping/>
   </p:clrMapOvr>
+  <p:timing>
+    <p:tnLst>
+      <p:par>
+        <p:cTn id="1" dur="indefinite" restart="never" nodeType="tmRoot"/>
+      </p:par>
+    </p:tnLst>
+  </p:timing>
 </p:sld>
 </file>
 
@@ -7951,372 +8118,9 @@
           <a:chExt cx="0" cy="0"/>
         </a:xfrm>
       </p:grpSpPr>
-      <p:sp>
-        <p:nvSpPr>
-          <p:cNvPr id="4" name="TextBox 3"/>
-          <p:cNvSpPr txBox="1"/>
-          <p:nvPr/>
-        </p:nvSpPr>
-        <p:spPr>
-          <a:xfrm>
-            <a:off x="684000" y="97468"/>
-            <a:ext cx="7776000" cy="521970"/>
-          </a:xfrm>
-          <a:prstGeom prst="rect">
-            <a:avLst/>
-          </a:prstGeom>
-          <a:noFill/>
-        </p:spPr>
-        <p:txBody>
-          <a:bodyPr wrap="square" rtlCol="0">
-            <a:spAutoFit/>
-          </a:bodyPr>
-          <a:lstStyle/>
-          <a:p>
-            <a:r>
-              <a:rPr lang="en-US" altLang="zh-CN" sz="2800" b="1" dirty="0" smtClean="0">
-                <a:solidFill>
-                  <a:schemeClr val="tx1">
-                    <a:lumMod val="75000"/>
-                    <a:lumOff val="25000"/>
-                  </a:schemeClr>
-                </a:solidFill>
-                <a:latin typeface="微软雅黑" panose="020B0503020204020204" pitchFamily="34" charset="-122"/>
-                <a:ea typeface="微软雅黑" panose="020B0503020204020204" pitchFamily="34" charset="-122"/>
-              </a:rPr>
-              <a:t>4.</a:t>
-            </a:r>
-            <a:r>
-              <a:rPr lang="zh-CN" altLang="en-US" sz="2800" b="1" dirty="0" smtClean="0">
-                <a:solidFill>
-                  <a:schemeClr val="tx1">
-                    <a:lumMod val="75000"/>
-                    <a:lumOff val="25000"/>
-                  </a:schemeClr>
-                </a:solidFill>
-                <a:latin typeface="微软雅黑" panose="020B0503020204020204" pitchFamily="34" charset="-122"/>
-                <a:ea typeface="微软雅黑" panose="020B0503020204020204" pitchFamily="34" charset="-122"/>
-              </a:rPr>
-              <a:t>粒子网络实例</a:t>
-            </a:r>
-            <a:endParaRPr lang="zh-CN" altLang="en-US" sz="2800" b="1" dirty="0" smtClean="0">
-              <a:solidFill>
-                <a:schemeClr val="tx1">
-                  <a:lumMod val="75000"/>
-                  <a:lumOff val="25000"/>
-                </a:schemeClr>
-              </a:solidFill>
-              <a:latin typeface="微软雅黑" panose="020B0503020204020204" pitchFamily="34" charset="-122"/>
-              <a:ea typeface="微软雅黑" panose="020B0503020204020204" pitchFamily="34" charset="-122"/>
-            </a:endParaRPr>
-          </a:p>
-        </p:txBody>
-      </p:sp>
-      <p:sp>
-        <p:nvSpPr>
-          <p:cNvPr id="5" name="TextBox 4"/>
-          <p:cNvSpPr txBox="1"/>
-          <p:nvPr/>
-        </p:nvSpPr>
-        <p:spPr>
-          <a:xfrm>
-            <a:off x="668727" y="687703"/>
-            <a:ext cx="7776000" cy="3415030"/>
-          </a:xfrm>
-          <a:prstGeom prst="rect">
-            <a:avLst/>
-          </a:prstGeom>
-          <a:noFill/>
-        </p:spPr>
-        <p:txBody>
-          <a:bodyPr wrap="square" rtlCol="0">
-            <a:spAutoFit/>
-          </a:bodyPr>
-          <a:lstStyle/>
-          <a:p>
-            <a:pPr>
-              <a:lnSpc>
-                <a:spcPct val="150000"/>
-              </a:lnSpc>
-            </a:pPr>
-            <a:r>
-              <a:rPr lang="en-US" altLang="zh-CN" sz="2400" b="1" dirty="0" smtClean="0">
-                <a:solidFill>
-                  <a:schemeClr val="tx1">
-                    <a:lumMod val="75000"/>
-                    <a:lumOff val="25000"/>
-                  </a:schemeClr>
-                </a:solidFill>
-                <a:latin typeface="微软雅黑" panose="020B0503020204020204" pitchFamily="34" charset="-122"/>
-                <a:ea typeface="微软雅黑" panose="020B0503020204020204" pitchFamily="34" charset="-122"/>
-              </a:rPr>
-              <a:t>4-a </a:t>
-            </a:r>
-            <a:r>
-              <a:rPr lang="zh-CN" altLang="en-US" sz="2400" b="1" dirty="0" smtClean="0">
-                <a:solidFill>
-                  <a:schemeClr val="tx1">
-                    <a:lumMod val="75000"/>
-                    <a:lumOff val="25000"/>
-                  </a:schemeClr>
-                </a:solidFill>
-                <a:latin typeface="微软雅黑" panose="020B0503020204020204" pitchFamily="34" charset="-122"/>
-                <a:ea typeface="微软雅黑" panose="020B0503020204020204" pitchFamily="34" charset="-122"/>
-              </a:rPr>
-              <a:t>全屏</a:t>
-            </a:r>
-            <a:r>
-              <a:rPr lang="en-US" altLang="zh-CN" sz="2400" b="1" dirty="0" smtClean="0">
-                <a:solidFill>
-                  <a:schemeClr val="tx1">
-                    <a:lumMod val="75000"/>
-                    <a:lumOff val="25000"/>
-                  </a:schemeClr>
-                </a:solidFill>
-                <a:latin typeface="微软雅黑" panose="020B0503020204020204" pitchFamily="34" charset="-122"/>
-                <a:ea typeface="微软雅黑" panose="020B0503020204020204" pitchFamily="34" charset="-122"/>
-              </a:rPr>
-              <a:t>canvas</a:t>
-            </a:r>
-            <a:endParaRPr lang="en-US" altLang="zh-CN" sz="2400" dirty="0" smtClean="0">
-              <a:solidFill>
-                <a:schemeClr val="tx1">
-                  <a:lumMod val="75000"/>
-                  <a:lumOff val="25000"/>
-                </a:schemeClr>
-              </a:solidFill>
-              <a:latin typeface="微软雅黑" panose="020B0503020204020204" pitchFamily="34" charset="-122"/>
-              <a:ea typeface="微软雅黑" panose="020B0503020204020204" pitchFamily="34" charset="-122"/>
-            </a:endParaRPr>
-          </a:p>
-          <a:p>
-            <a:pPr>
-              <a:lnSpc>
-                <a:spcPct val="150000"/>
-              </a:lnSpc>
-            </a:pPr>
-            <a:r>
-              <a:rPr lang="zh-CN" altLang="en-US" sz="2400" dirty="0" smtClean="0">
-                <a:solidFill>
-                  <a:schemeClr val="tx1">
-                    <a:lumMod val="75000"/>
-                    <a:lumOff val="25000"/>
-                  </a:schemeClr>
-                </a:solidFill>
-                <a:latin typeface="微软雅黑" panose="020B0503020204020204" pitchFamily="34" charset="-122"/>
-                <a:ea typeface="微软雅黑" panose="020B0503020204020204" pitchFamily="34" charset="-122"/>
-              </a:rPr>
-              <a:t>本案例中，整个动画很有可能作为某页面的背景，这个背景，一般来说就是全屏的</a:t>
-            </a:r>
-            <a:r>
-              <a:rPr lang="en-US" altLang="zh-CN" sz="2400" dirty="0" smtClean="0">
-                <a:solidFill>
-                  <a:schemeClr val="tx1">
-                    <a:lumMod val="75000"/>
-                    <a:lumOff val="25000"/>
-                  </a:schemeClr>
-                </a:solidFill>
-                <a:latin typeface="微软雅黑" panose="020B0503020204020204" pitchFamily="34" charset="-122"/>
-                <a:ea typeface="微软雅黑" panose="020B0503020204020204" pitchFamily="34" charset="-122"/>
-              </a:rPr>
-              <a:t>.</a:t>
-            </a:r>
-            <a:r>
-              <a:rPr lang="zh-CN" altLang="en-US" sz="2400" dirty="0" smtClean="0">
-                <a:solidFill>
-                  <a:schemeClr val="tx1">
-                    <a:lumMod val="75000"/>
-                    <a:lumOff val="25000"/>
-                  </a:schemeClr>
-                </a:solidFill>
-                <a:latin typeface="微软雅黑" panose="020B0503020204020204" pitchFamily="34" charset="-122"/>
-                <a:ea typeface="微软雅黑" panose="020B0503020204020204" pitchFamily="34" charset="-122"/>
-              </a:rPr>
-              <a:t>需要调整</a:t>
-            </a:r>
-            <a:r>
-              <a:rPr lang="en-US" altLang="zh-CN" sz="2400" dirty="0" smtClean="0">
-                <a:solidFill>
-                  <a:schemeClr val="tx1">
-                    <a:lumMod val="75000"/>
-                    <a:lumOff val="25000"/>
-                  </a:schemeClr>
-                </a:solidFill>
-                <a:latin typeface="微软雅黑" panose="020B0503020204020204" pitchFamily="34" charset="-122"/>
-                <a:ea typeface="微软雅黑" panose="020B0503020204020204" pitchFamily="34" charset="-122"/>
-              </a:rPr>
-              <a:t>canvas</a:t>
-            </a:r>
-            <a:r>
-              <a:rPr lang="zh-CN" altLang="en-US" sz="2400" dirty="0" smtClean="0">
-                <a:solidFill>
-                  <a:schemeClr val="tx1">
-                    <a:lumMod val="75000"/>
-                    <a:lumOff val="25000"/>
-                  </a:schemeClr>
-                </a:solidFill>
-                <a:latin typeface="微软雅黑" panose="020B0503020204020204" pitchFamily="34" charset="-122"/>
-                <a:ea typeface="微软雅黑" panose="020B0503020204020204" pitchFamily="34" charset="-122"/>
-              </a:rPr>
-              <a:t>的</a:t>
-            </a:r>
-            <a:r>
-              <a:rPr lang="en-US" altLang="zh-CN" sz="2400" dirty="0" smtClean="0">
-                <a:solidFill>
-                  <a:schemeClr val="tx1">
-                    <a:lumMod val="75000"/>
-                    <a:lumOff val="25000"/>
-                  </a:schemeClr>
-                </a:solidFill>
-                <a:latin typeface="微软雅黑" panose="020B0503020204020204" pitchFamily="34" charset="-122"/>
-                <a:ea typeface="微软雅黑" panose="020B0503020204020204" pitchFamily="34" charset="-122"/>
-              </a:rPr>
-              <a:t>width</a:t>
-            </a:r>
-            <a:r>
-              <a:rPr lang="zh-CN" altLang="en-US" sz="2400" dirty="0" smtClean="0">
-                <a:solidFill>
-                  <a:schemeClr val="tx1">
-                    <a:lumMod val="75000"/>
-                    <a:lumOff val="25000"/>
-                  </a:schemeClr>
-                </a:solidFill>
-                <a:latin typeface="微软雅黑" panose="020B0503020204020204" pitchFamily="34" charset="-122"/>
-                <a:ea typeface="微软雅黑" panose="020B0503020204020204" pitchFamily="34" charset="-122"/>
-              </a:rPr>
-              <a:t>和</a:t>
-            </a:r>
-            <a:r>
-              <a:rPr lang="en-US" altLang="zh-CN" sz="2400" dirty="0" smtClean="0">
-                <a:solidFill>
-                  <a:schemeClr val="tx1">
-                    <a:lumMod val="75000"/>
-                    <a:lumOff val="25000"/>
-                  </a:schemeClr>
-                </a:solidFill>
-                <a:latin typeface="微软雅黑" panose="020B0503020204020204" pitchFamily="34" charset="-122"/>
-                <a:ea typeface="微软雅黑" panose="020B0503020204020204" pitchFamily="34" charset="-122"/>
-              </a:rPr>
-              <a:t>height, </a:t>
-            </a:r>
-            <a:r>
-              <a:rPr lang="zh-CN" altLang="en-US" sz="2400" dirty="0" smtClean="0">
-                <a:solidFill>
-                  <a:schemeClr val="tx1">
-                    <a:lumMod val="75000"/>
-                    <a:lumOff val="25000"/>
-                  </a:schemeClr>
-                </a:solidFill>
-                <a:latin typeface="微软雅黑" panose="020B0503020204020204" pitchFamily="34" charset="-122"/>
-                <a:ea typeface="微软雅黑" panose="020B0503020204020204" pitchFamily="34" charset="-122"/>
-              </a:rPr>
-              <a:t>使其等于浏览器的窗口尺寸； 同时如果窗口尺寸发生变化，为</a:t>
-            </a:r>
-            <a:r>
-              <a:rPr lang="en-US" altLang="zh-CN" sz="2400" dirty="0" smtClean="0">
-                <a:solidFill>
-                  <a:schemeClr val="tx1">
-                    <a:lumMod val="75000"/>
-                    <a:lumOff val="25000"/>
-                  </a:schemeClr>
-                </a:solidFill>
-                <a:latin typeface="微软雅黑" panose="020B0503020204020204" pitchFamily="34" charset="-122"/>
-                <a:ea typeface="微软雅黑" panose="020B0503020204020204" pitchFamily="34" charset="-122"/>
-              </a:rPr>
-              <a:t>resize</a:t>
-            </a:r>
-            <a:r>
-              <a:rPr lang="zh-CN" altLang="en-US" sz="2400" dirty="0" smtClean="0">
-                <a:solidFill>
-                  <a:schemeClr val="tx1">
-                    <a:lumMod val="75000"/>
-                    <a:lumOff val="25000"/>
-                  </a:schemeClr>
-                </a:solidFill>
-                <a:latin typeface="微软雅黑" panose="020B0503020204020204" pitchFamily="34" charset="-122"/>
-                <a:ea typeface="微软雅黑" panose="020B0503020204020204" pitchFamily="34" charset="-122"/>
-              </a:rPr>
-              <a:t>事件添加处理函数，及时的改变</a:t>
-            </a:r>
-            <a:r>
-              <a:rPr lang="en-US" altLang="zh-CN" sz="2400" dirty="0" smtClean="0">
-                <a:solidFill>
-                  <a:schemeClr val="tx1">
-                    <a:lumMod val="75000"/>
-                    <a:lumOff val="25000"/>
-                  </a:schemeClr>
-                </a:solidFill>
-                <a:latin typeface="微软雅黑" panose="020B0503020204020204" pitchFamily="34" charset="-122"/>
-                <a:ea typeface="微软雅黑" panose="020B0503020204020204" pitchFamily="34" charset="-122"/>
-              </a:rPr>
-              <a:t>canvas</a:t>
-            </a:r>
-            <a:r>
-              <a:rPr lang="zh-CN" altLang="en-US" sz="2400" dirty="0" smtClean="0">
-                <a:solidFill>
-                  <a:schemeClr val="tx1">
-                    <a:lumMod val="75000"/>
-                    <a:lumOff val="25000"/>
-                  </a:schemeClr>
-                </a:solidFill>
-                <a:latin typeface="微软雅黑" panose="020B0503020204020204" pitchFamily="34" charset="-122"/>
-                <a:ea typeface="微软雅黑" panose="020B0503020204020204" pitchFamily="34" charset="-122"/>
-              </a:rPr>
-              <a:t>的大小</a:t>
-            </a:r>
-            <a:r>
-              <a:rPr lang="en-US" altLang="zh-CN" sz="2400" dirty="0" smtClean="0">
-                <a:solidFill>
-                  <a:schemeClr val="tx1">
-                    <a:lumMod val="75000"/>
-                    <a:lumOff val="25000"/>
-                  </a:schemeClr>
-                </a:solidFill>
-                <a:latin typeface="微软雅黑" panose="020B0503020204020204" pitchFamily="34" charset="-122"/>
-                <a:ea typeface="微软雅黑" panose="020B0503020204020204" pitchFamily="34" charset="-122"/>
-              </a:rPr>
-              <a:t>.</a:t>
-            </a:r>
-            <a:endParaRPr lang="en-US" altLang="zh-CN" sz="2400" dirty="0" smtClean="0">
-              <a:solidFill>
-                <a:schemeClr val="tx1">
-                  <a:lumMod val="75000"/>
-                  <a:lumOff val="25000"/>
-                </a:schemeClr>
-              </a:solidFill>
-              <a:latin typeface="微软雅黑" panose="020B0503020204020204" pitchFamily="34" charset="-122"/>
-              <a:ea typeface="微软雅黑" panose="020B0503020204020204" pitchFamily="34" charset="-122"/>
-            </a:endParaRPr>
-          </a:p>
-        </p:txBody>
-      </p:sp>
       <p:pic>
         <p:nvPicPr>
-          <p:cNvPr id="2" name="图片 1"/>
-          <p:cNvPicPr>
-            <a:picLocks noChangeAspect="1"/>
-          </p:cNvPicPr>
-          <p:nvPr/>
-        </p:nvPicPr>
-        <p:blipFill>
-          <a:blip r:embed="rId1"/>
-          <a:stretch>
-            <a:fillRect/>
-          </a:stretch>
-        </p:blipFill>
-        <p:spPr>
-          <a:xfrm>
-            <a:off x="1504950" y="4253865"/>
-            <a:ext cx="3476625" cy="342900"/>
-          </a:xfrm>
-          <a:prstGeom prst="rect">
-            <a:avLst/>
-          </a:prstGeom>
-        </p:spPr>
-      </p:pic>
-      <p:pic>
-        <p:nvPicPr>
-          <p:cNvPr id="3" name="图片 2"/>
+          <p:cNvPr id="4" name="图片 3"/>
           <p:cNvPicPr>
             <a:picLocks noChangeAspect="1"/>
           </p:cNvPicPr>
@@ -8330,8 +8134,8 @@
         </p:blipFill>
         <p:spPr>
           <a:xfrm>
-            <a:off x="1504950" y="4831080"/>
-            <a:ext cx="4648200" cy="904875"/>
+            <a:off x="873760" y="911225"/>
+            <a:ext cx="6543675" cy="4686300"/>
           </a:xfrm>
           <a:prstGeom prst="rect">
             <a:avLst/>
@@ -8346,8 +8150,8 @@
         </p:nvSpPr>
         <p:spPr>
           <a:xfrm>
-            <a:off x="2896870" y="5908040"/>
-            <a:ext cx="3888105" cy="441960"/>
+            <a:off x="5370830" y="5155565"/>
+            <a:ext cx="2663190" cy="441960"/>
           </a:xfrm>
           <a:prstGeom prst="wedgeRoundRectCallout">
             <a:avLst>
@@ -8373,6 +8177,7 @@
         </p:style>
         <p:txBody>
           <a:bodyPr rtlCol="0" anchor="ctr"/>
+          <a:lstStyle/>
           <a:p>
             <a:pPr algn="l">
               <a:lnSpc>
@@ -8390,21 +8195,53 @@
                 <a:latin typeface="微软雅黑" panose="020B0503020204020204" pitchFamily="34" charset="-122"/>
                 <a:ea typeface="微软雅黑" panose="020B0503020204020204" pitchFamily="34" charset="-122"/>
               </a:rPr>
-              <a:t>设置</a:t>
-            </a:r>
-            <a:r>
-              <a:rPr lang="en-US" altLang="zh-CN" sz="2000" dirty="0">
-                <a:solidFill>
-                  <a:schemeClr val="tx1">
-                    <a:lumMod val="75000"/>
-                    <a:lumOff val="25000"/>
-                  </a:schemeClr>
-                </a:solidFill>
-                <a:latin typeface="微软雅黑" panose="020B0503020204020204" pitchFamily="34" charset="-122"/>
-                <a:ea typeface="微软雅黑" panose="020B0503020204020204" pitchFamily="34" charset="-122"/>
-              </a:rPr>
-              <a:t>w</a:t>
-            </a:r>
+              <a:t>减去代码执行的时间</a:t>
+            </a:r>
+          </a:p>
+        </p:txBody>
+      </p:sp>
+      <p:sp>
+        <p:nvSpPr>
+          <p:cNvPr id="5" name="圆角矩形标注 4"/>
+          <p:cNvSpPr/>
+          <p:nvPr/>
+        </p:nvSpPr>
+        <p:spPr>
+          <a:xfrm>
+            <a:off x="5480050" y="2792095"/>
+            <a:ext cx="2855595" cy="977265"/>
+          </a:xfrm>
+          <a:prstGeom prst="wedgeRoundRectCallout">
+            <a:avLst>
+              <a:gd name="adj1" fmla="val -54077"/>
+              <a:gd name="adj2" fmla="val -24137"/>
+              <a:gd name="adj3" fmla="val 16667"/>
+            </a:avLst>
+          </a:prstGeom>
+        </p:spPr>
+        <p:style>
+          <a:lnRef idx="2">
+            <a:schemeClr val="accent5"/>
+          </a:lnRef>
+          <a:fillRef idx="1">
+            <a:schemeClr val="lt1"/>
+          </a:fillRef>
+          <a:effectRef idx="0">
+            <a:schemeClr val="accent5"/>
+          </a:effectRef>
+          <a:fontRef idx="minor">
+            <a:schemeClr val="dk1"/>
+          </a:fontRef>
+        </p:style>
+        <p:txBody>
+          <a:bodyPr rtlCol="0" anchor="ctr"/>
+          <a:lstStyle/>
+          <a:p>
+            <a:pPr algn="l">
+              <a:lnSpc>
+                <a:spcPct val="150000"/>
+              </a:lnSpc>
+            </a:pPr>
             <a:r>
               <a:rPr lang="zh-CN" altLang="en-US" sz="2000" dirty="0">
                 <a:solidFill>
@@ -8416,21 +8253,53 @@
                 <a:latin typeface="微软雅黑" panose="020B0503020204020204" pitchFamily="34" charset="-122"/>
                 <a:ea typeface="微软雅黑" panose="020B0503020204020204" pitchFamily="34" charset="-122"/>
               </a:rPr>
-              <a:t>和</a:t>
-            </a:r>
-            <a:r>
-              <a:rPr lang="en-US" altLang="zh-CN" sz="2000" dirty="0">
-                <a:solidFill>
-                  <a:schemeClr val="tx1">
-                    <a:lumMod val="75000"/>
-                    <a:lumOff val="25000"/>
-                  </a:schemeClr>
-                </a:solidFill>
-                <a:latin typeface="微软雅黑" panose="020B0503020204020204" pitchFamily="34" charset="-122"/>
-                <a:ea typeface="微软雅黑" panose="020B0503020204020204" pitchFamily="34" charset="-122"/>
-              </a:rPr>
-              <a:t>h</a:t>
-            </a:r>
+              <a:t>如果没有该函数，调用传统的定时函数</a:t>
+            </a:r>
+          </a:p>
+        </p:txBody>
+      </p:sp>
+      <p:sp>
+        <p:nvSpPr>
+          <p:cNvPr id="6" name="圆角矩形标注 5"/>
+          <p:cNvSpPr/>
+          <p:nvPr/>
+        </p:nvSpPr>
+        <p:spPr>
+          <a:xfrm>
+            <a:off x="2443480" y="358775"/>
+            <a:ext cx="4203700" cy="441960"/>
+          </a:xfrm>
+          <a:prstGeom prst="wedgeRoundRectCallout">
+            <a:avLst>
+              <a:gd name="adj1" fmla="val -28803"/>
+              <a:gd name="adj2" fmla="val 75431"/>
+              <a:gd name="adj3" fmla="val 16667"/>
+            </a:avLst>
+          </a:prstGeom>
+        </p:spPr>
+        <p:style>
+          <a:lnRef idx="2">
+            <a:schemeClr val="accent5"/>
+          </a:lnRef>
+          <a:fillRef idx="1">
+            <a:schemeClr val="lt1"/>
+          </a:fillRef>
+          <a:effectRef idx="0">
+            <a:schemeClr val="accent5"/>
+          </a:effectRef>
+          <a:fontRef idx="minor">
+            <a:schemeClr val="dk1"/>
+          </a:fontRef>
+        </p:style>
+        <p:txBody>
+          <a:bodyPr rtlCol="0" anchor="ctr"/>
+          <a:lstStyle/>
+          <a:p>
+            <a:pPr algn="l">
+              <a:lnSpc>
+                <a:spcPct val="150000"/>
+              </a:lnSpc>
+            </a:pPr>
             <a:r>
               <a:rPr lang="zh-CN" altLang="en-US" sz="2000" dirty="0">
                 <a:solidFill>
@@ -8442,9 +8311,154 @@
                 <a:latin typeface="微软雅黑" panose="020B0503020204020204" pitchFamily="34" charset="-122"/>
                 <a:ea typeface="微软雅黑" panose="020B0503020204020204" pitchFamily="34" charset="-122"/>
               </a:rPr>
-              <a:t>变量主要是方便使用</a:t>
-            </a:r>
-            <a:endParaRPr lang="zh-CN" altLang="en-US" sz="2000" dirty="0">
+              <a:t>添加个自定义的方法作为兼容方法</a:t>
+            </a:r>
+          </a:p>
+        </p:txBody>
+      </p:sp>
+    </p:spTree>
+  </p:cSld>
+  <p:clrMapOvr>
+    <a:masterClrMapping/>
+  </p:clrMapOvr>
+</p:sld>
+</file>
+
+<file path=ppt/slides/slide7.xml><?xml version="1.0" encoding="utf-8"?>
+<p:sld xmlns:a="http://schemas.openxmlformats.org/drawingml/2006/main" xmlns:r="http://schemas.openxmlformats.org/officeDocument/2006/relationships" xmlns:p="http://schemas.openxmlformats.org/presentationml/2006/main">
+  <p:cSld>
+    <p:spTree>
+      <p:nvGrpSpPr>
+        <p:cNvPr id="1" name=""/>
+        <p:cNvGrpSpPr/>
+        <p:nvPr/>
+      </p:nvGrpSpPr>
+      <p:grpSpPr>
+        <a:xfrm>
+          <a:off x="0" y="0"/>
+          <a:ext cx="0" cy="0"/>
+          <a:chOff x="0" y="0"/>
+          <a:chExt cx="0" cy="0"/>
+        </a:xfrm>
+      </p:grpSpPr>
+      <p:sp>
+        <p:nvSpPr>
+          <p:cNvPr id="4" name="TextBox 3"/>
+          <p:cNvSpPr txBox="1"/>
+          <p:nvPr/>
+        </p:nvSpPr>
+        <p:spPr>
+          <a:xfrm>
+            <a:off x="684000" y="97468"/>
+            <a:ext cx="7776000" cy="521970"/>
+          </a:xfrm>
+          <a:prstGeom prst="rect">
+            <a:avLst/>
+          </a:prstGeom>
+          <a:noFill/>
+        </p:spPr>
+        <p:txBody>
+          <a:bodyPr wrap="square" rtlCol="0">
+            <a:spAutoFit/>
+          </a:bodyPr>
+          <a:lstStyle/>
+          <a:p>
+            <a:r>
+              <a:rPr lang="en-US" altLang="zh-CN" sz="2800" b="1" dirty="0" smtClean="0">
+                <a:solidFill>
+                  <a:schemeClr val="tx1">
+                    <a:lumMod val="75000"/>
+                    <a:lumOff val="25000"/>
+                  </a:schemeClr>
+                </a:solidFill>
+                <a:latin typeface="微软雅黑" panose="020B0503020204020204" pitchFamily="34" charset="-122"/>
+                <a:ea typeface="微软雅黑" panose="020B0503020204020204" pitchFamily="34" charset="-122"/>
+              </a:rPr>
+              <a:t>4.</a:t>
+            </a:r>
+            <a:r>
+              <a:rPr lang="zh-CN" altLang="en-US" sz="2800" b="1" dirty="0" smtClean="0">
+                <a:solidFill>
+                  <a:schemeClr val="tx1">
+                    <a:lumMod val="75000"/>
+                    <a:lumOff val="25000"/>
+                  </a:schemeClr>
+                </a:solidFill>
+                <a:latin typeface="微软雅黑" panose="020B0503020204020204" pitchFamily="34" charset="-122"/>
+                <a:ea typeface="微软雅黑" panose="020B0503020204020204" pitchFamily="34" charset="-122"/>
+              </a:rPr>
+              <a:t>粒子网络实例</a:t>
+            </a:r>
+          </a:p>
+        </p:txBody>
+      </p:sp>
+      <p:sp>
+        <p:nvSpPr>
+          <p:cNvPr id="5" name="TextBox 4"/>
+          <p:cNvSpPr txBox="1"/>
+          <p:nvPr/>
+        </p:nvSpPr>
+        <p:spPr>
+          <a:xfrm>
+            <a:off x="668727" y="687703"/>
+            <a:ext cx="7776000" cy="3415030"/>
+          </a:xfrm>
+          <a:prstGeom prst="rect">
+            <a:avLst/>
+          </a:prstGeom>
+          <a:noFill/>
+        </p:spPr>
+        <p:txBody>
+          <a:bodyPr wrap="square" rtlCol="0">
+            <a:spAutoFit/>
+          </a:bodyPr>
+          <a:lstStyle/>
+          <a:p>
+            <a:pPr>
+              <a:lnSpc>
+                <a:spcPct val="150000"/>
+              </a:lnSpc>
+            </a:pPr>
+            <a:r>
+              <a:rPr lang="en-US" altLang="zh-CN" sz="2400" b="1" dirty="0" smtClean="0">
+                <a:solidFill>
+                  <a:schemeClr val="tx1">
+                    <a:lumMod val="75000"/>
+                    <a:lumOff val="25000"/>
+                  </a:schemeClr>
+                </a:solidFill>
+                <a:latin typeface="微软雅黑" panose="020B0503020204020204" pitchFamily="34" charset="-122"/>
+                <a:ea typeface="微软雅黑" panose="020B0503020204020204" pitchFamily="34" charset="-122"/>
+              </a:rPr>
+              <a:t>4-a </a:t>
+            </a:r>
+            <a:r>
+              <a:rPr lang="zh-CN" altLang="en-US" sz="2400" b="1" dirty="0" smtClean="0">
+                <a:solidFill>
+                  <a:schemeClr val="tx1">
+                    <a:lumMod val="75000"/>
+                    <a:lumOff val="25000"/>
+                  </a:schemeClr>
+                </a:solidFill>
+                <a:latin typeface="微软雅黑" panose="020B0503020204020204" pitchFamily="34" charset="-122"/>
+                <a:ea typeface="微软雅黑" panose="020B0503020204020204" pitchFamily="34" charset="-122"/>
+              </a:rPr>
+              <a:t>全屏</a:t>
+            </a:r>
+            <a:r>
+              <a:rPr lang="en-US" altLang="zh-CN" sz="2400" b="1" dirty="0" smtClean="0">
+                <a:solidFill>
+                  <a:schemeClr val="tx1">
+                    <a:lumMod val="75000"/>
+                    <a:lumOff val="25000"/>
+                  </a:schemeClr>
+                </a:solidFill>
+                <a:latin typeface="微软雅黑" panose="020B0503020204020204" pitchFamily="34" charset="-122"/>
+                <a:ea typeface="微软雅黑" panose="020B0503020204020204" pitchFamily="34" charset="-122"/>
+              </a:rPr>
+              <a:t>canvas</a:t>
+            </a:r>
+            <a:endParaRPr lang="en-US" altLang="zh-CN" sz="2400" dirty="0" smtClean="0">
               <a:solidFill>
                 <a:schemeClr val="tx1">
                   <a:lumMod val="75000"/>
@@ -8454,6 +8468,353 @@
               <a:latin typeface="微软雅黑" panose="020B0503020204020204" pitchFamily="34" charset="-122"/>
               <a:ea typeface="微软雅黑" panose="020B0503020204020204" pitchFamily="34" charset="-122"/>
             </a:endParaRPr>
+          </a:p>
+          <a:p>
+            <a:pPr>
+              <a:lnSpc>
+                <a:spcPct val="150000"/>
+              </a:lnSpc>
+            </a:pPr>
+            <a:r>
+              <a:rPr lang="zh-CN" altLang="en-US" sz="2400" dirty="0" smtClean="0">
+                <a:solidFill>
+                  <a:schemeClr val="tx1">
+                    <a:lumMod val="75000"/>
+                    <a:lumOff val="25000"/>
+                  </a:schemeClr>
+                </a:solidFill>
+                <a:latin typeface="微软雅黑" panose="020B0503020204020204" pitchFamily="34" charset="-122"/>
+                <a:ea typeface="微软雅黑" panose="020B0503020204020204" pitchFamily="34" charset="-122"/>
+              </a:rPr>
+              <a:t>本案例中，整个动画很有可能作为某页面的背景，这个背景，一般来说就是全屏的</a:t>
+            </a:r>
+            <a:r>
+              <a:rPr lang="en-US" altLang="zh-CN" sz="2400" dirty="0" smtClean="0">
+                <a:solidFill>
+                  <a:schemeClr val="tx1">
+                    <a:lumMod val="75000"/>
+                    <a:lumOff val="25000"/>
+                  </a:schemeClr>
+                </a:solidFill>
+                <a:latin typeface="微软雅黑" panose="020B0503020204020204" pitchFamily="34" charset="-122"/>
+                <a:ea typeface="微软雅黑" panose="020B0503020204020204" pitchFamily="34" charset="-122"/>
+              </a:rPr>
+              <a:t>.</a:t>
+            </a:r>
+            <a:r>
+              <a:rPr lang="zh-CN" altLang="en-US" sz="2400" dirty="0" smtClean="0">
+                <a:solidFill>
+                  <a:schemeClr val="tx1">
+                    <a:lumMod val="75000"/>
+                    <a:lumOff val="25000"/>
+                  </a:schemeClr>
+                </a:solidFill>
+                <a:latin typeface="微软雅黑" panose="020B0503020204020204" pitchFamily="34" charset="-122"/>
+                <a:ea typeface="微软雅黑" panose="020B0503020204020204" pitchFamily="34" charset="-122"/>
+              </a:rPr>
+              <a:t>需要调整</a:t>
+            </a:r>
+            <a:r>
+              <a:rPr lang="en-US" altLang="zh-CN" sz="2400" dirty="0" smtClean="0">
+                <a:solidFill>
+                  <a:schemeClr val="tx1">
+                    <a:lumMod val="75000"/>
+                    <a:lumOff val="25000"/>
+                  </a:schemeClr>
+                </a:solidFill>
+                <a:latin typeface="微软雅黑" panose="020B0503020204020204" pitchFamily="34" charset="-122"/>
+                <a:ea typeface="微软雅黑" panose="020B0503020204020204" pitchFamily="34" charset="-122"/>
+              </a:rPr>
+              <a:t>canvas</a:t>
+            </a:r>
+            <a:r>
+              <a:rPr lang="zh-CN" altLang="en-US" sz="2400" dirty="0" smtClean="0">
+                <a:solidFill>
+                  <a:schemeClr val="tx1">
+                    <a:lumMod val="75000"/>
+                    <a:lumOff val="25000"/>
+                  </a:schemeClr>
+                </a:solidFill>
+                <a:latin typeface="微软雅黑" panose="020B0503020204020204" pitchFamily="34" charset="-122"/>
+                <a:ea typeface="微软雅黑" panose="020B0503020204020204" pitchFamily="34" charset="-122"/>
+              </a:rPr>
+              <a:t>的</a:t>
+            </a:r>
+            <a:r>
+              <a:rPr lang="en-US" altLang="zh-CN" sz="2400" dirty="0" smtClean="0">
+                <a:solidFill>
+                  <a:schemeClr val="tx1">
+                    <a:lumMod val="75000"/>
+                    <a:lumOff val="25000"/>
+                  </a:schemeClr>
+                </a:solidFill>
+                <a:latin typeface="微软雅黑" panose="020B0503020204020204" pitchFamily="34" charset="-122"/>
+                <a:ea typeface="微软雅黑" panose="020B0503020204020204" pitchFamily="34" charset="-122"/>
+              </a:rPr>
+              <a:t>width</a:t>
+            </a:r>
+            <a:r>
+              <a:rPr lang="zh-CN" altLang="en-US" sz="2400" dirty="0" smtClean="0">
+                <a:solidFill>
+                  <a:schemeClr val="tx1">
+                    <a:lumMod val="75000"/>
+                    <a:lumOff val="25000"/>
+                  </a:schemeClr>
+                </a:solidFill>
+                <a:latin typeface="微软雅黑" panose="020B0503020204020204" pitchFamily="34" charset="-122"/>
+                <a:ea typeface="微软雅黑" panose="020B0503020204020204" pitchFamily="34" charset="-122"/>
+              </a:rPr>
+              <a:t>和</a:t>
+            </a:r>
+            <a:r>
+              <a:rPr lang="en-US" altLang="zh-CN" sz="2400" dirty="0" smtClean="0">
+                <a:solidFill>
+                  <a:schemeClr val="tx1">
+                    <a:lumMod val="75000"/>
+                    <a:lumOff val="25000"/>
+                  </a:schemeClr>
+                </a:solidFill>
+                <a:latin typeface="微软雅黑" panose="020B0503020204020204" pitchFamily="34" charset="-122"/>
+                <a:ea typeface="微软雅黑" panose="020B0503020204020204" pitchFamily="34" charset="-122"/>
+              </a:rPr>
+              <a:t>height, </a:t>
+            </a:r>
+            <a:r>
+              <a:rPr lang="zh-CN" altLang="en-US" sz="2400" dirty="0" smtClean="0">
+                <a:solidFill>
+                  <a:schemeClr val="tx1">
+                    <a:lumMod val="75000"/>
+                    <a:lumOff val="25000"/>
+                  </a:schemeClr>
+                </a:solidFill>
+                <a:latin typeface="微软雅黑" panose="020B0503020204020204" pitchFamily="34" charset="-122"/>
+                <a:ea typeface="微软雅黑" panose="020B0503020204020204" pitchFamily="34" charset="-122"/>
+              </a:rPr>
+              <a:t>使其等于浏览器的窗口尺寸； 同时如果窗口尺寸发生变化，为</a:t>
+            </a:r>
+            <a:r>
+              <a:rPr lang="en-US" altLang="zh-CN" sz="2400" dirty="0" smtClean="0">
+                <a:solidFill>
+                  <a:schemeClr val="tx1">
+                    <a:lumMod val="75000"/>
+                    <a:lumOff val="25000"/>
+                  </a:schemeClr>
+                </a:solidFill>
+                <a:latin typeface="微软雅黑" panose="020B0503020204020204" pitchFamily="34" charset="-122"/>
+                <a:ea typeface="微软雅黑" panose="020B0503020204020204" pitchFamily="34" charset="-122"/>
+              </a:rPr>
+              <a:t>resize</a:t>
+            </a:r>
+            <a:r>
+              <a:rPr lang="zh-CN" altLang="en-US" sz="2400" dirty="0" smtClean="0">
+                <a:solidFill>
+                  <a:schemeClr val="tx1">
+                    <a:lumMod val="75000"/>
+                    <a:lumOff val="25000"/>
+                  </a:schemeClr>
+                </a:solidFill>
+                <a:latin typeface="微软雅黑" panose="020B0503020204020204" pitchFamily="34" charset="-122"/>
+                <a:ea typeface="微软雅黑" panose="020B0503020204020204" pitchFamily="34" charset="-122"/>
+              </a:rPr>
+              <a:t>事件添加处理函数，及时的改变</a:t>
+            </a:r>
+            <a:r>
+              <a:rPr lang="en-US" altLang="zh-CN" sz="2400" dirty="0" smtClean="0">
+                <a:solidFill>
+                  <a:schemeClr val="tx1">
+                    <a:lumMod val="75000"/>
+                    <a:lumOff val="25000"/>
+                  </a:schemeClr>
+                </a:solidFill>
+                <a:latin typeface="微软雅黑" panose="020B0503020204020204" pitchFamily="34" charset="-122"/>
+                <a:ea typeface="微软雅黑" panose="020B0503020204020204" pitchFamily="34" charset="-122"/>
+              </a:rPr>
+              <a:t>canvas</a:t>
+            </a:r>
+            <a:r>
+              <a:rPr lang="zh-CN" altLang="en-US" sz="2400" dirty="0" smtClean="0">
+                <a:solidFill>
+                  <a:schemeClr val="tx1">
+                    <a:lumMod val="75000"/>
+                    <a:lumOff val="25000"/>
+                  </a:schemeClr>
+                </a:solidFill>
+                <a:latin typeface="微软雅黑" panose="020B0503020204020204" pitchFamily="34" charset="-122"/>
+                <a:ea typeface="微软雅黑" panose="020B0503020204020204" pitchFamily="34" charset="-122"/>
+              </a:rPr>
+              <a:t>的大小</a:t>
+            </a:r>
+            <a:r>
+              <a:rPr lang="en-US" altLang="zh-CN" sz="2400" dirty="0" smtClean="0">
+                <a:solidFill>
+                  <a:schemeClr val="tx1">
+                    <a:lumMod val="75000"/>
+                    <a:lumOff val="25000"/>
+                  </a:schemeClr>
+                </a:solidFill>
+                <a:latin typeface="微软雅黑" panose="020B0503020204020204" pitchFamily="34" charset="-122"/>
+                <a:ea typeface="微软雅黑" panose="020B0503020204020204" pitchFamily="34" charset="-122"/>
+              </a:rPr>
+              <a:t>.</a:t>
+            </a:r>
+          </a:p>
+        </p:txBody>
+      </p:sp>
+      <p:pic>
+        <p:nvPicPr>
+          <p:cNvPr id="2" name="图片 1"/>
+          <p:cNvPicPr>
+            <a:picLocks noChangeAspect="1"/>
+          </p:cNvPicPr>
+          <p:nvPr/>
+        </p:nvPicPr>
+        <p:blipFill>
+          <a:blip r:embed="rId2"/>
+          <a:stretch>
+            <a:fillRect/>
+          </a:stretch>
+        </p:blipFill>
+        <p:spPr>
+          <a:xfrm>
+            <a:off x="1504950" y="4253865"/>
+            <a:ext cx="3476625" cy="342900"/>
+          </a:xfrm>
+          <a:prstGeom prst="rect">
+            <a:avLst/>
+          </a:prstGeom>
+        </p:spPr>
+      </p:pic>
+      <p:pic>
+        <p:nvPicPr>
+          <p:cNvPr id="3" name="图片 2"/>
+          <p:cNvPicPr>
+            <a:picLocks noChangeAspect="1"/>
+          </p:cNvPicPr>
+          <p:nvPr/>
+        </p:nvPicPr>
+        <p:blipFill>
+          <a:blip r:embed="rId3"/>
+          <a:stretch>
+            <a:fillRect/>
+          </a:stretch>
+        </p:blipFill>
+        <p:spPr>
+          <a:xfrm>
+            <a:off x="1504950" y="4831080"/>
+            <a:ext cx="4648200" cy="904875"/>
+          </a:xfrm>
+          <a:prstGeom prst="rect">
+            <a:avLst/>
+          </a:prstGeom>
+        </p:spPr>
+      </p:pic>
+      <p:sp>
+        <p:nvSpPr>
+          <p:cNvPr id="9" name="圆角矩形标注 8"/>
+          <p:cNvSpPr/>
+          <p:nvPr/>
+        </p:nvSpPr>
+        <p:spPr>
+          <a:xfrm>
+            <a:off x="2896870" y="5908040"/>
+            <a:ext cx="3888105" cy="441960"/>
+          </a:xfrm>
+          <a:prstGeom prst="wedgeRoundRectCallout">
+            <a:avLst>
+              <a:gd name="adj1" fmla="val -25185"/>
+              <a:gd name="adj2" fmla="val -83189"/>
+              <a:gd name="adj3" fmla="val 16667"/>
+            </a:avLst>
+          </a:prstGeom>
+        </p:spPr>
+        <p:style>
+          <a:lnRef idx="2">
+            <a:schemeClr val="accent5"/>
+          </a:lnRef>
+          <a:fillRef idx="1">
+            <a:schemeClr val="lt1"/>
+          </a:fillRef>
+          <a:effectRef idx="0">
+            <a:schemeClr val="accent5"/>
+          </a:effectRef>
+          <a:fontRef idx="minor">
+            <a:schemeClr val="dk1"/>
+          </a:fontRef>
+        </p:style>
+        <p:txBody>
+          <a:bodyPr rtlCol="0" anchor="ctr"/>
+          <a:lstStyle/>
+          <a:p>
+            <a:pPr algn="l">
+              <a:lnSpc>
+                <a:spcPct val="150000"/>
+              </a:lnSpc>
+            </a:pPr>
+            <a:r>
+              <a:rPr lang="zh-CN" altLang="en-US" sz="2000" dirty="0">
+                <a:solidFill>
+                  <a:schemeClr val="tx1">
+                    <a:lumMod val="75000"/>
+                    <a:lumOff val="25000"/>
+                  </a:schemeClr>
+                </a:solidFill>
+                <a:latin typeface="微软雅黑" panose="020B0503020204020204" pitchFamily="34" charset="-122"/>
+                <a:ea typeface="微软雅黑" panose="020B0503020204020204" pitchFamily="34" charset="-122"/>
+              </a:rPr>
+              <a:t>设置</a:t>
+            </a:r>
+            <a:r>
+              <a:rPr lang="en-US" altLang="zh-CN" sz="2000" dirty="0">
+                <a:solidFill>
+                  <a:schemeClr val="tx1">
+                    <a:lumMod val="75000"/>
+                    <a:lumOff val="25000"/>
+                  </a:schemeClr>
+                </a:solidFill>
+                <a:latin typeface="微软雅黑" panose="020B0503020204020204" pitchFamily="34" charset="-122"/>
+                <a:ea typeface="微软雅黑" panose="020B0503020204020204" pitchFamily="34" charset="-122"/>
+              </a:rPr>
+              <a:t>w</a:t>
+            </a:r>
+            <a:r>
+              <a:rPr lang="zh-CN" altLang="en-US" sz="2000" dirty="0">
+                <a:solidFill>
+                  <a:schemeClr val="tx1">
+                    <a:lumMod val="75000"/>
+                    <a:lumOff val="25000"/>
+                  </a:schemeClr>
+                </a:solidFill>
+                <a:latin typeface="微软雅黑" panose="020B0503020204020204" pitchFamily="34" charset="-122"/>
+                <a:ea typeface="微软雅黑" panose="020B0503020204020204" pitchFamily="34" charset="-122"/>
+              </a:rPr>
+              <a:t>和</a:t>
+            </a:r>
+            <a:r>
+              <a:rPr lang="en-US" altLang="zh-CN" sz="2000" dirty="0">
+                <a:solidFill>
+                  <a:schemeClr val="tx1">
+                    <a:lumMod val="75000"/>
+                    <a:lumOff val="25000"/>
+                  </a:schemeClr>
+                </a:solidFill>
+                <a:latin typeface="微软雅黑" panose="020B0503020204020204" pitchFamily="34" charset="-122"/>
+                <a:ea typeface="微软雅黑" panose="020B0503020204020204" pitchFamily="34" charset="-122"/>
+              </a:rPr>
+              <a:t>h</a:t>
+            </a:r>
+            <a:r>
+              <a:rPr lang="zh-CN" altLang="en-US" sz="2000" dirty="0">
+                <a:solidFill>
+                  <a:schemeClr val="tx1">
+                    <a:lumMod val="75000"/>
+                    <a:lumOff val="25000"/>
+                  </a:schemeClr>
+                </a:solidFill>
+                <a:latin typeface="微软雅黑" panose="020B0503020204020204" pitchFamily="34" charset="-122"/>
+                <a:ea typeface="微软雅黑" panose="020B0503020204020204" pitchFamily="34" charset="-122"/>
+              </a:rPr>
+              <a:t>变量主要是方便使用</a:t>
+            </a:r>
           </a:p>
         </p:txBody>
       </p:sp>
@@ -8472,7 +8833,7 @@
 </p:sld>
 </file>
 
-<file path=ppt/slides/slide7.xml><?xml version="1.0" encoding="utf-8"?>
+<file path=ppt/slides/slide8.xml><?xml version="1.0" encoding="utf-8"?>
 <p:sld xmlns:a="http://schemas.openxmlformats.org/drawingml/2006/main" xmlns:r="http://schemas.openxmlformats.org/officeDocument/2006/relationships" xmlns:p="http://schemas.openxmlformats.org/presentationml/2006/main">
   <p:cSld>
     <p:spTree>
@@ -8481,7 +8842,14 @@
         <p:cNvGrpSpPr/>
         <p:nvPr/>
       </p:nvGrpSpPr>
-      <p:grpSpPr/>
+      <p:grpSpPr>
+        <a:xfrm>
+          <a:off x="0" y="0"/>
+          <a:ext cx="0" cy="0"/>
+          <a:chOff x="0" y="0"/>
+          <a:chExt cx="0" cy="0"/>
+        </a:xfrm>
+      </p:grpSpPr>
       <p:sp>
         <p:nvSpPr>
           <p:cNvPr id="5" name="TextBox 4"/>
@@ -8502,6 +8870,7 @@
           <a:bodyPr wrap="square" rtlCol="0">
             <a:spAutoFit/>
           </a:bodyPr>
+          <a:lstStyle/>
           <a:p>
             <a:pPr>
               <a:lnSpc>
@@ -8627,20 +8996,7 @@
                 <a:latin typeface="微软雅黑" panose="020B0503020204020204" pitchFamily="34" charset="-122"/>
                 <a:ea typeface="微软雅黑" panose="020B0503020204020204" pitchFamily="34" charset="-122"/>
               </a:rPr>
-              <a:t>随机的朝</a:t>
-            </a:r>
-            <a:r>
-              <a:rPr lang="zh-CN" altLang="en-US" sz="2400" b="1" dirty="0" smtClean="0">
-                <a:solidFill>
-                  <a:schemeClr val="tx1">
-                    <a:lumMod val="75000"/>
-                    <a:lumOff val="25000"/>
-                  </a:schemeClr>
-                </a:solidFill>
-                <a:latin typeface="微软雅黑" panose="020B0503020204020204" pitchFamily="34" charset="-122"/>
-                <a:ea typeface="微软雅黑" panose="020B0503020204020204" pitchFamily="34" charset="-122"/>
-              </a:rPr>
-              <a:t>向画布的速度和方向</a:t>
+              <a:t>随机的朝向画布的速度和方向</a:t>
             </a:r>
             <a:r>
               <a:rPr lang="en-US" altLang="zh-CN" sz="2400" dirty="0" smtClean="0">
@@ -8655,16 +9011,6 @@
               </a:rPr>
               <a:t>.</a:t>
             </a:r>
-            <a:endParaRPr lang="en-US" altLang="zh-CN" sz="2400" dirty="0" smtClean="0">
-              <a:solidFill>
-                <a:schemeClr val="tx1">
-                  <a:lumMod val="75000"/>
-                  <a:lumOff val="25000"/>
-                </a:schemeClr>
-              </a:solidFill>
-              <a:latin typeface="微软雅黑" panose="020B0503020204020204" pitchFamily="34" charset="-122"/>
-              <a:ea typeface="微软雅黑" panose="020B0503020204020204" pitchFamily="34" charset="-122"/>
-            </a:endParaRPr>
           </a:p>
         </p:txBody>
       </p:sp>
@@ -8709,6 +9055,7 @@
         </p:style>
         <p:txBody>
           <a:bodyPr rtlCol="0" anchor="ctr"/>
+          <a:lstStyle/>
           <a:p>
             <a:pPr algn="ctr"/>
             <a:endParaRPr lang="zh-CN" altLang="en-US"/>
@@ -8891,6 +9238,7 @@
         </p:style>
         <p:txBody>
           <a:bodyPr rtlCol="0" anchor="ctr"/>
+          <a:lstStyle/>
           <a:p>
             <a:pPr algn="ctr"/>
             <a:endParaRPr lang="zh-CN" altLang="en-US"/>
@@ -8970,6 +9318,7 @@
         </p:style>
         <p:txBody>
           <a:bodyPr rtlCol="0" anchor="ctr"/>
+          <a:lstStyle/>
           <a:p>
             <a:pPr algn="ctr"/>
             <a:endParaRPr lang="zh-CN" altLang="en-US"/>
@@ -9049,6 +9398,7 @@
         </p:style>
         <p:txBody>
           <a:bodyPr rtlCol="0" anchor="ctr"/>
+          <a:lstStyle/>
           <a:p>
             <a:pPr algn="ctr"/>
             <a:endParaRPr lang="zh-CN" altLang="en-US"/>
@@ -9128,6 +9478,7 @@
         </p:style>
         <p:txBody>
           <a:bodyPr rtlCol="0" anchor="ctr"/>
+          <a:lstStyle/>
           <a:p>
             <a:pPr algn="ctr"/>
             <a:endParaRPr lang="zh-CN" altLang="en-US"/>
@@ -9207,6 +9558,7 @@
         </p:style>
         <p:txBody>
           <a:bodyPr rtlCol="0" anchor="ctr"/>
+          <a:lstStyle/>
           <a:p>
             <a:pPr algn="ctr"/>
             <a:endParaRPr lang="zh-CN" altLang="en-US"/>
@@ -9286,6 +9638,7 @@
         </p:style>
         <p:txBody>
           <a:bodyPr rtlCol="0" anchor="ctr"/>
+          <a:lstStyle/>
           <a:p>
             <a:pPr algn="ctr"/>
             <a:endParaRPr lang="zh-CN" altLang="en-US"/>
@@ -9349,6 +9702,7 @@
           <a:bodyPr wrap="square" rtlCol="0">
             <a:spAutoFit/>
           </a:bodyPr>
+          <a:lstStyle/>
           <a:p>
             <a:pPr>
               <a:lnSpc>
@@ -9459,575 +9813,6 @@
               </a:rPr>
               <a:t>.</a:t>
             </a:r>
-            <a:endParaRPr lang="en-US" altLang="zh-CN" sz="2400" dirty="0" smtClean="0">
-              <a:solidFill>
-                <a:schemeClr val="tx1">
-                  <a:lumMod val="75000"/>
-                  <a:lumOff val="25000"/>
-                </a:schemeClr>
-              </a:solidFill>
-              <a:latin typeface="微软雅黑" panose="020B0503020204020204" pitchFamily="34" charset="-122"/>
-              <a:ea typeface="微软雅黑" panose="020B0503020204020204" pitchFamily="34" charset="-122"/>
-            </a:endParaRPr>
-          </a:p>
-        </p:txBody>
-      </p:sp>
-    </p:spTree>
-  </p:cSld>
-  <p:clrMapOvr>
-    <a:masterClrMapping/>
-  </p:clrMapOvr>
-</p:sld>
-</file>
-
-<file path=ppt/slides/slide8.xml><?xml version="1.0" encoding="utf-8"?>
-<p:sld xmlns:a="http://schemas.openxmlformats.org/drawingml/2006/main" xmlns:r="http://schemas.openxmlformats.org/officeDocument/2006/relationships" xmlns:p="http://schemas.openxmlformats.org/presentationml/2006/main">
-  <p:cSld>
-    <p:spTree>
-      <p:nvGrpSpPr>
-        <p:cNvPr id="1" name=""/>
-        <p:cNvGrpSpPr/>
-        <p:nvPr/>
-      </p:nvGrpSpPr>
-      <p:grpSpPr/>
-      <p:pic>
-        <p:nvPicPr>
-          <p:cNvPr id="2" name="图片 1"/>
-          <p:cNvPicPr>
-            <a:picLocks noChangeAspect="1"/>
-          </p:cNvPicPr>
-          <p:nvPr/>
-        </p:nvPicPr>
-        <p:blipFill>
-          <a:blip r:embed="rId1"/>
-          <a:stretch>
-            <a:fillRect/>
-          </a:stretch>
-        </p:blipFill>
-        <p:spPr>
-          <a:xfrm>
-            <a:off x="962025" y="549910"/>
-            <a:ext cx="1695450" cy="590550"/>
-          </a:xfrm>
-          <a:prstGeom prst="rect">
-            <a:avLst/>
-          </a:prstGeom>
-        </p:spPr>
-      </p:pic>
-      <p:pic>
-        <p:nvPicPr>
-          <p:cNvPr id="3" name="图片 2"/>
-          <p:cNvPicPr>
-            <a:picLocks noChangeAspect="1"/>
-          </p:cNvPicPr>
-          <p:nvPr/>
-        </p:nvPicPr>
-        <p:blipFill>
-          <a:blip r:embed="rId2"/>
-          <a:stretch>
-            <a:fillRect/>
-          </a:stretch>
-        </p:blipFill>
-        <p:spPr>
-          <a:xfrm>
-            <a:off x="962025" y="1254125"/>
-            <a:ext cx="2619375" cy="3829050"/>
-          </a:xfrm>
-          <a:prstGeom prst="rect">
-            <a:avLst/>
-          </a:prstGeom>
-        </p:spPr>
-      </p:pic>
-      <p:pic>
-        <p:nvPicPr>
-          <p:cNvPr id="4" name="图片 3"/>
-          <p:cNvPicPr>
-            <a:picLocks noChangeAspect="1"/>
-          </p:cNvPicPr>
-          <p:nvPr/>
-        </p:nvPicPr>
-        <p:blipFill>
-          <a:blip r:embed="rId3"/>
-          <a:stretch>
-            <a:fillRect/>
-          </a:stretch>
-        </p:blipFill>
-        <p:spPr>
-          <a:xfrm>
-            <a:off x="5584825" y="1530350"/>
-            <a:ext cx="2314575" cy="3552825"/>
-          </a:xfrm>
-          <a:prstGeom prst="rect">
-            <a:avLst/>
-          </a:prstGeom>
-        </p:spPr>
-      </p:pic>
-      <p:sp>
-        <p:nvSpPr>
-          <p:cNvPr id="9" name="圆角矩形标注 8"/>
-          <p:cNvSpPr/>
-          <p:nvPr/>
-        </p:nvSpPr>
-        <p:spPr>
-          <a:xfrm>
-            <a:off x="2787015" y="624205"/>
-            <a:ext cx="2663190" cy="441960"/>
-          </a:xfrm>
-          <a:prstGeom prst="wedgeRoundRectCallout">
-            <a:avLst>
-              <a:gd name="adj1" fmla="val -55102"/>
-              <a:gd name="adj2" fmla="val 862"/>
-              <a:gd name="adj3" fmla="val 16667"/>
-            </a:avLst>
-          </a:prstGeom>
-        </p:spPr>
-        <p:style>
-          <a:lnRef idx="2">
-            <a:schemeClr val="accent5"/>
-          </a:lnRef>
-          <a:fillRef idx="1">
-            <a:schemeClr val="lt1"/>
-          </a:fillRef>
-          <a:effectRef idx="0">
-            <a:schemeClr val="accent5"/>
-          </a:effectRef>
-          <a:fontRef idx="minor">
-            <a:schemeClr val="dk1"/>
-          </a:fontRef>
-        </p:style>
-        <p:txBody>
-          <a:bodyPr rtlCol="0" anchor="ctr"/>
-          <a:p>
-            <a:pPr algn="l">
-              <a:lnSpc>
-                <a:spcPct val="150000"/>
-              </a:lnSpc>
-            </a:pPr>
-            <a:r>
-              <a:rPr lang="zh-CN" altLang="en-US" sz="2000" dirty="0">
-                <a:solidFill>
-                  <a:schemeClr val="tx1">
-                    <a:lumMod val="75000"/>
-                    <a:lumOff val="25000"/>
-                  </a:schemeClr>
-                </a:solidFill>
-                <a:latin typeface="微软雅黑" panose="020B0503020204020204" pitchFamily="34" charset="-122"/>
-                <a:ea typeface="微软雅黑" panose="020B0503020204020204" pitchFamily="34" charset="-122"/>
-              </a:rPr>
-              <a:t>速度的最大最小数值</a:t>
-            </a:r>
-            <a:endParaRPr lang="zh-CN" altLang="en-US" sz="2000" dirty="0">
-              <a:solidFill>
-                <a:schemeClr val="tx1">
-                  <a:lumMod val="75000"/>
-                  <a:lumOff val="25000"/>
-                </a:schemeClr>
-              </a:solidFill>
-              <a:latin typeface="微软雅黑" panose="020B0503020204020204" pitchFamily="34" charset="-122"/>
-              <a:ea typeface="微软雅黑" panose="020B0503020204020204" pitchFamily="34" charset="-122"/>
-            </a:endParaRPr>
-          </a:p>
-        </p:txBody>
-      </p:sp>
-      <p:sp>
-        <p:nvSpPr>
-          <p:cNvPr id="5" name="圆角矩形标注 4"/>
-          <p:cNvSpPr/>
-          <p:nvPr/>
-        </p:nvSpPr>
-        <p:spPr>
-          <a:xfrm>
-            <a:off x="2539365" y="1393825"/>
-            <a:ext cx="1578610" cy="441960"/>
-          </a:xfrm>
-          <a:prstGeom prst="wedgeRoundRectCallout">
-            <a:avLst>
-              <a:gd name="adj1" fmla="val -53552"/>
-              <a:gd name="adj2" fmla="val 41235"/>
-              <a:gd name="adj3" fmla="val 16667"/>
-            </a:avLst>
-          </a:prstGeom>
-        </p:spPr>
-        <p:style>
-          <a:lnRef idx="2">
-            <a:schemeClr val="accent5"/>
-          </a:lnRef>
-          <a:fillRef idx="1">
-            <a:schemeClr val="lt1"/>
-          </a:fillRef>
-          <a:effectRef idx="0">
-            <a:schemeClr val="accent5"/>
-          </a:effectRef>
-          <a:fontRef idx="minor">
-            <a:schemeClr val="dk1"/>
-          </a:fontRef>
-        </p:style>
-        <p:txBody>
-          <a:bodyPr rtlCol="0" anchor="ctr"/>
-          <a:p>
-            <a:pPr algn="l">
-              <a:lnSpc>
-                <a:spcPct val="150000"/>
-              </a:lnSpc>
-            </a:pPr>
-            <a:r>
-              <a:rPr lang="zh-CN" altLang="en-US" sz="2000" dirty="0">
-                <a:solidFill>
-                  <a:schemeClr val="tx1">
-                    <a:lumMod val="75000"/>
-                    <a:lumOff val="25000"/>
-                  </a:schemeClr>
-                </a:solidFill>
-                <a:latin typeface="微软雅黑" panose="020B0503020204020204" pitchFamily="34" charset="-122"/>
-                <a:ea typeface="微软雅黑" panose="020B0503020204020204" pitchFamily="34" charset="-122"/>
-              </a:rPr>
-              <a:t>上边缘位置</a:t>
-            </a:r>
-            <a:endParaRPr lang="zh-CN" altLang="en-US" sz="2000" dirty="0">
-              <a:solidFill>
-                <a:schemeClr val="tx1">
-                  <a:lumMod val="75000"/>
-                  <a:lumOff val="25000"/>
-                </a:schemeClr>
-              </a:solidFill>
-              <a:latin typeface="微软雅黑" panose="020B0503020204020204" pitchFamily="34" charset="-122"/>
-              <a:ea typeface="微软雅黑" panose="020B0503020204020204" pitchFamily="34" charset="-122"/>
-            </a:endParaRPr>
-          </a:p>
-        </p:txBody>
-      </p:sp>
-      <p:sp>
-        <p:nvSpPr>
-          <p:cNvPr id="6" name="圆角矩形标注 5"/>
-          <p:cNvSpPr/>
-          <p:nvPr/>
-        </p:nvSpPr>
-        <p:spPr>
-          <a:xfrm>
-            <a:off x="3452495" y="2328545"/>
-            <a:ext cx="1331595" cy="441960"/>
-          </a:xfrm>
-          <a:prstGeom prst="wedgeRoundRectCallout">
-            <a:avLst>
-              <a:gd name="adj1" fmla="val -54577"/>
-              <a:gd name="adj2" fmla="val -2298"/>
-              <a:gd name="adj3" fmla="val 16667"/>
-            </a:avLst>
-          </a:prstGeom>
-        </p:spPr>
-        <p:style>
-          <a:lnRef idx="2">
-            <a:schemeClr val="accent5"/>
-          </a:lnRef>
-          <a:fillRef idx="1">
-            <a:schemeClr val="lt1"/>
-          </a:fillRef>
-          <a:effectRef idx="0">
-            <a:schemeClr val="accent5"/>
-          </a:effectRef>
-          <a:fontRef idx="minor">
-            <a:schemeClr val="dk1"/>
-          </a:fontRef>
-        </p:style>
-        <p:txBody>
-          <a:bodyPr rtlCol="0" anchor="ctr"/>
-          <a:p>
-            <a:pPr algn="l">
-              <a:lnSpc>
-                <a:spcPct val="150000"/>
-              </a:lnSpc>
-            </a:pPr>
-            <a:r>
-              <a:rPr lang="zh-CN" altLang="en-US" sz="2000" dirty="0">
-                <a:solidFill>
-                  <a:schemeClr val="tx1">
-                    <a:lumMod val="75000"/>
-                    <a:lumOff val="25000"/>
-                  </a:schemeClr>
-                </a:solidFill>
-                <a:latin typeface="微软雅黑" panose="020B0503020204020204" pitchFamily="34" charset="-122"/>
-                <a:ea typeface="微软雅黑" panose="020B0503020204020204" pitchFamily="34" charset="-122"/>
-              </a:rPr>
-              <a:t>水平速度</a:t>
-            </a:r>
-            <a:endParaRPr lang="zh-CN" altLang="en-US" sz="2000" dirty="0">
-              <a:solidFill>
-                <a:schemeClr val="tx1">
-                  <a:lumMod val="75000"/>
-                  <a:lumOff val="25000"/>
-                </a:schemeClr>
-              </a:solidFill>
-              <a:latin typeface="微软雅黑" panose="020B0503020204020204" pitchFamily="34" charset="-122"/>
-              <a:ea typeface="微软雅黑" panose="020B0503020204020204" pitchFamily="34" charset="-122"/>
-            </a:endParaRPr>
-          </a:p>
-        </p:txBody>
-      </p:sp>
-      <p:sp>
-        <p:nvSpPr>
-          <p:cNvPr id="7" name="圆角矩形标注 6"/>
-          <p:cNvSpPr/>
-          <p:nvPr/>
-        </p:nvSpPr>
-        <p:spPr>
-          <a:xfrm>
-            <a:off x="2657475" y="3085465"/>
-            <a:ext cx="2316480" cy="441960"/>
-          </a:xfrm>
-          <a:prstGeom prst="wedgeRoundRectCallout">
-            <a:avLst>
-              <a:gd name="adj1" fmla="val -35279"/>
-              <a:gd name="adj2" fmla="val -70689"/>
-              <a:gd name="adj3" fmla="val 16667"/>
-            </a:avLst>
-          </a:prstGeom>
-        </p:spPr>
-        <p:style>
-          <a:lnRef idx="2">
-            <a:schemeClr val="accent5"/>
-          </a:lnRef>
-          <a:fillRef idx="1">
-            <a:schemeClr val="lt1"/>
-          </a:fillRef>
-          <a:effectRef idx="0">
-            <a:schemeClr val="accent5"/>
-          </a:effectRef>
-          <a:fontRef idx="minor">
-            <a:schemeClr val="dk1"/>
-          </a:fontRef>
-        </p:style>
-        <p:txBody>
-          <a:bodyPr rtlCol="0" anchor="ctr"/>
-          <a:p>
-            <a:pPr algn="l">
-              <a:lnSpc>
-                <a:spcPct val="150000"/>
-              </a:lnSpc>
-            </a:pPr>
-            <a:r>
-              <a:rPr lang="zh-CN" altLang="en-US" sz="2000" dirty="0">
-                <a:solidFill>
-                  <a:schemeClr val="tx1">
-                    <a:lumMod val="75000"/>
-                    <a:lumOff val="25000"/>
-                  </a:schemeClr>
-                </a:solidFill>
-                <a:latin typeface="微软雅黑" panose="020B0503020204020204" pitchFamily="34" charset="-122"/>
-                <a:ea typeface="微软雅黑" panose="020B0503020204020204" pitchFamily="34" charset="-122"/>
-              </a:rPr>
-              <a:t>垂直速度只能向下</a:t>
-            </a:r>
-            <a:endParaRPr lang="zh-CN" altLang="en-US" sz="2000" dirty="0">
-              <a:solidFill>
-                <a:schemeClr val="tx1">
-                  <a:lumMod val="75000"/>
-                  <a:lumOff val="25000"/>
-                </a:schemeClr>
-              </a:solidFill>
-              <a:latin typeface="微软雅黑" panose="020B0503020204020204" pitchFamily="34" charset="-122"/>
-              <a:ea typeface="微软雅黑" panose="020B0503020204020204" pitchFamily="34" charset="-122"/>
-            </a:endParaRPr>
-          </a:p>
-        </p:txBody>
-      </p:sp>
-      <p:sp>
-        <p:nvSpPr>
-          <p:cNvPr id="8" name="圆角矩形标注 7"/>
-          <p:cNvSpPr/>
-          <p:nvPr/>
-        </p:nvSpPr>
-        <p:spPr>
-          <a:xfrm>
-            <a:off x="2251075" y="4953000"/>
-            <a:ext cx="1578610" cy="441960"/>
-          </a:xfrm>
-          <a:prstGeom prst="wedgeRoundRectCallout">
-            <a:avLst>
-              <a:gd name="adj1" fmla="val -23934"/>
-              <a:gd name="adj2" fmla="val -77011"/>
-              <a:gd name="adj3" fmla="val 16667"/>
-            </a:avLst>
-          </a:prstGeom>
-        </p:spPr>
-        <p:style>
-          <a:lnRef idx="2">
-            <a:schemeClr val="accent5"/>
-          </a:lnRef>
-          <a:fillRef idx="1">
-            <a:schemeClr val="lt1"/>
-          </a:fillRef>
-          <a:effectRef idx="0">
-            <a:schemeClr val="accent5"/>
-          </a:effectRef>
-          <a:fontRef idx="minor">
-            <a:schemeClr val="dk1"/>
-          </a:fontRef>
-        </p:style>
-        <p:txBody>
-          <a:bodyPr rtlCol="0" anchor="ctr"/>
-          <a:p>
-            <a:pPr algn="l">
-              <a:lnSpc>
-                <a:spcPct val="150000"/>
-              </a:lnSpc>
-            </a:pPr>
-            <a:r>
-              <a:rPr lang="zh-CN" altLang="en-US" sz="2000" dirty="0">
-                <a:solidFill>
-                  <a:schemeClr val="tx1">
-                    <a:lumMod val="75000"/>
-                    <a:lumOff val="25000"/>
-                  </a:schemeClr>
-                </a:solidFill>
-                <a:latin typeface="微软雅黑" panose="020B0503020204020204" pitchFamily="34" charset="-122"/>
-                <a:ea typeface="微软雅黑" panose="020B0503020204020204" pitchFamily="34" charset="-122"/>
-              </a:rPr>
-              <a:t>下边缘配置</a:t>
-            </a:r>
-            <a:endParaRPr lang="zh-CN" altLang="en-US" sz="2000" dirty="0">
-              <a:solidFill>
-                <a:schemeClr val="tx1">
-                  <a:lumMod val="75000"/>
-                  <a:lumOff val="25000"/>
-                </a:schemeClr>
-              </a:solidFill>
-              <a:latin typeface="微软雅黑" panose="020B0503020204020204" pitchFamily="34" charset="-122"/>
-              <a:ea typeface="微软雅黑" panose="020B0503020204020204" pitchFamily="34" charset="-122"/>
-            </a:endParaRPr>
-          </a:p>
-        </p:txBody>
-      </p:sp>
-      <p:sp>
-        <p:nvSpPr>
-          <p:cNvPr id="10" name="圆角矩形标注 9"/>
-          <p:cNvSpPr/>
-          <p:nvPr/>
-        </p:nvSpPr>
-        <p:spPr>
-          <a:xfrm>
-            <a:off x="5953125" y="1140460"/>
-            <a:ext cx="1578610" cy="441960"/>
-          </a:xfrm>
-          <a:prstGeom prst="wedgeRoundRectCallout">
-            <a:avLst>
-              <a:gd name="adj1" fmla="val -22204"/>
-              <a:gd name="adj2" fmla="val 65948"/>
-              <a:gd name="adj3" fmla="val 16667"/>
-            </a:avLst>
-          </a:prstGeom>
-        </p:spPr>
-        <p:style>
-          <a:lnRef idx="2">
-            <a:schemeClr val="accent5"/>
-          </a:lnRef>
-          <a:fillRef idx="1">
-            <a:schemeClr val="lt1"/>
-          </a:fillRef>
-          <a:effectRef idx="0">
-            <a:schemeClr val="accent5"/>
-          </a:effectRef>
-          <a:fontRef idx="minor">
-            <a:schemeClr val="dk1"/>
-          </a:fontRef>
-        </p:style>
-        <p:txBody>
-          <a:bodyPr rtlCol="0" anchor="ctr"/>
-          <a:p>
-            <a:pPr algn="l">
-              <a:lnSpc>
-                <a:spcPct val="150000"/>
-              </a:lnSpc>
-            </a:pPr>
-            <a:r>
-              <a:rPr lang="zh-CN" altLang="en-US" sz="2000" dirty="0">
-                <a:solidFill>
-                  <a:schemeClr val="tx1">
-                    <a:lumMod val="75000"/>
-                    <a:lumOff val="25000"/>
-                  </a:schemeClr>
-                </a:solidFill>
-                <a:latin typeface="微软雅黑" panose="020B0503020204020204" pitchFamily="34" charset="-122"/>
-                <a:ea typeface="微软雅黑" panose="020B0503020204020204" pitchFamily="34" charset="-122"/>
-              </a:rPr>
-              <a:t>左边缘配置</a:t>
-            </a:r>
-            <a:endParaRPr lang="zh-CN" altLang="en-US" sz="2000" dirty="0">
-              <a:solidFill>
-                <a:schemeClr val="tx1">
-                  <a:lumMod val="75000"/>
-                  <a:lumOff val="25000"/>
-                </a:schemeClr>
-              </a:solidFill>
-              <a:latin typeface="微软雅黑" panose="020B0503020204020204" pitchFamily="34" charset="-122"/>
-              <a:ea typeface="微软雅黑" panose="020B0503020204020204" pitchFamily="34" charset="-122"/>
-            </a:endParaRPr>
-          </a:p>
-        </p:txBody>
-      </p:sp>
-      <p:sp>
-        <p:nvSpPr>
-          <p:cNvPr id="11" name="圆角矩形标注 10"/>
-          <p:cNvSpPr/>
-          <p:nvPr/>
-        </p:nvSpPr>
-        <p:spPr>
-          <a:xfrm>
-            <a:off x="6159500" y="3085465"/>
-            <a:ext cx="1578610" cy="441960"/>
-          </a:xfrm>
-          <a:prstGeom prst="wedgeRoundRectCallout">
-            <a:avLst>
-              <a:gd name="adj1" fmla="val -23934"/>
-              <a:gd name="adj2" fmla="val 84770"/>
-              <a:gd name="adj3" fmla="val 16667"/>
-            </a:avLst>
-          </a:prstGeom>
-        </p:spPr>
-        <p:style>
-          <a:lnRef idx="2">
-            <a:schemeClr val="accent5"/>
-          </a:lnRef>
-          <a:fillRef idx="1">
-            <a:schemeClr val="lt1"/>
-          </a:fillRef>
-          <a:effectRef idx="0">
-            <a:schemeClr val="accent5"/>
-          </a:effectRef>
-          <a:fontRef idx="minor">
-            <a:schemeClr val="dk1"/>
-          </a:fontRef>
-        </p:style>
-        <p:txBody>
-          <a:bodyPr rtlCol="0" anchor="ctr"/>
-          <a:p>
-            <a:pPr algn="l">
-              <a:lnSpc>
-                <a:spcPct val="150000"/>
-              </a:lnSpc>
-            </a:pPr>
-            <a:r>
-              <a:rPr lang="zh-CN" altLang="en-US" sz="2000" dirty="0">
-                <a:solidFill>
-                  <a:schemeClr val="tx1">
-                    <a:lumMod val="75000"/>
-                    <a:lumOff val="25000"/>
-                  </a:schemeClr>
-                </a:solidFill>
-                <a:latin typeface="微软雅黑" panose="020B0503020204020204" pitchFamily="34" charset="-122"/>
-                <a:ea typeface="微软雅黑" panose="020B0503020204020204" pitchFamily="34" charset="-122"/>
-              </a:rPr>
-              <a:t>右边缘配置</a:t>
-            </a:r>
-            <a:endParaRPr lang="zh-CN" altLang="en-US" sz="2000" dirty="0">
-              <a:solidFill>
-                <a:schemeClr val="tx1">
-                  <a:lumMod val="75000"/>
-                  <a:lumOff val="25000"/>
-                </a:schemeClr>
-              </a:solidFill>
-              <a:latin typeface="微软雅黑" panose="020B0503020204020204" pitchFamily="34" charset="-122"/>
-              <a:ea typeface="微软雅黑" panose="020B0503020204020204" pitchFamily="34" charset="-122"/>
-            </a:endParaRPr>
           </a:p>
         </p:txBody>
       </p:sp>
@@ -10048,7 +9833,14 @@
         <p:cNvGrpSpPr/>
         <p:nvPr/>
       </p:nvGrpSpPr>
-      <p:grpSpPr/>
+      <p:grpSpPr>
+        <a:xfrm>
+          <a:off x="0" y="0"/>
+          <a:ext cx="0" cy="0"/>
+          <a:chOff x="0" y="0"/>
+          <a:chExt cx="0" cy="0"/>
+        </a:xfrm>
+      </p:grpSpPr>
       <p:pic>
         <p:nvPicPr>
           <p:cNvPr id="2" name="图片 1"/>
@@ -10058,103 +9850,84 @@
           <p:nvPr/>
         </p:nvPicPr>
         <p:blipFill>
-          <a:blip r:embed="rId1"/>
+          <a:blip r:embed="rId2"/>
           <a:stretch>
             <a:fillRect/>
           </a:stretch>
         </p:blipFill>
         <p:spPr>
           <a:xfrm>
-            <a:off x="842645" y="502285"/>
-            <a:ext cx="5562600" cy="3324225"/>
+            <a:off x="962025" y="549910"/>
+            <a:ext cx="1695450" cy="590550"/>
           </a:xfrm>
           <a:prstGeom prst="rect">
             <a:avLst/>
           </a:prstGeom>
         </p:spPr>
       </p:pic>
-      <p:sp>
-        <p:nvSpPr>
-          <p:cNvPr id="7" name="圆角矩形标注 6"/>
+      <p:pic>
+        <p:nvPicPr>
+          <p:cNvPr id="3" name="图片 2"/>
+          <p:cNvPicPr>
+            <a:picLocks noChangeAspect="1"/>
+          </p:cNvPicPr>
+          <p:nvPr/>
+        </p:nvPicPr>
+        <p:blipFill>
+          <a:blip r:embed="rId3"/>
+          <a:stretch>
+            <a:fillRect/>
+          </a:stretch>
+        </p:blipFill>
+        <p:spPr>
+          <a:xfrm>
+            <a:off x="962025" y="1254125"/>
+            <a:ext cx="2619375" cy="3829050"/>
+          </a:xfrm>
+          <a:prstGeom prst="rect">
+            <a:avLst/>
+          </a:prstGeom>
+        </p:spPr>
+      </p:pic>
+      <p:pic>
+        <p:nvPicPr>
+          <p:cNvPr id="4" name="图片 3"/>
+          <p:cNvPicPr>
+            <a:picLocks noChangeAspect="1"/>
+          </p:cNvPicPr>
+          <p:nvPr/>
+        </p:nvPicPr>
+        <p:blipFill>
+          <a:blip r:embed="rId4"/>
+          <a:stretch>
+            <a:fillRect/>
+          </a:stretch>
+        </p:blipFill>
+        <p:spPr>
+          <a:xfrm>
+            <a:off x="5584825" y="1530350"/>
+            <a:ext cx="2314575" cy="3552825"/>
+          </a:xfrm>
+          <a:prstGeom prst="rect">
+            <a:avLst/>
+          </a:prstGeom>
+        </p:spPr>
+      </p:pic>
+      <p:sp>
+        <p:nvSpPr>
+          <p:cNvPr id="9" name="圆角矩形标注 8"/>
           <p:cNvSpPr/>
           <p:nvPr/>
         </p:nvSpPr>
         <p:spPr>
           <a:xfrm>
-            <a:off x="1901190" y="171450"/>
-            <a:ext cx="1355090" cy="441960"/>
+            <a:off x="2787015" y="624205"/>
+            <a:ext cx="2663190" cy="441960"/>
           </a:xfrm>
           <a:prstGeom prst="wedgeRoundRectCallout">
             <a:avLst>
-              <a:gd name="adj1" fmla="val -27576"/>
-              <a:gd name="adj2" fmla="val 59913"/>
-              <a:gd name="adj3" fmla="val 16667"/>
-            </a:avLst>
-          </a:prstGeom>
-        </p:spPr>
-        <p:style>
-          <a:lnRef idx="2">
-            <a:schemeClr val="accent6"/>
-          </a:lnRef>
-          <a:fillRef idx="1">
-            <a:schemeClr val="lt1"/>
-          </a:fillRef>
-          <a:effectRef idx="0">
-            <a:schemeClr val="accent6"/>
-          </a:effectRef>
-          <a:fontRef idx="minor">
-            <a:schemeClr val="dk1"/>
-          </a:fontRef>
-        </p:style>
-        <p:txBody>
-          <a:bodyPr rtlCol="0" anchor="ctr"/>
-          <a:p>
-            <a:pPr algn="l">
-              <a:lnSpc>
-                <a:spcPct val="150000"/>
-              </a:lnSpc>
-            </a:pPr>
-            <a:r>
-              <a:rPr lang="zh-CN" altLang="en-US" sz="2000" dirty="0">
-                <a:solidFill>
-                  <a:schemeClr val="tx1">
-                    <a:lumMod val="75000"/>
-                    <a:lumOff val="25000"/>
-                  </a:schemeClr>
-                </a:solidFill>
-                <a:latin typeface="微软雅黑" panose="020B0503020204020204" pitchFamily="34" charset="-122"/>
-                <a:ea typeface="微软雅黑" panose="020B0503020204020204" pitchFamily="34" charset="-122"/>
-              </a:rPr>
-              <a:t>创建粒子</a:t>
-            </a:r>
-            <a:endParaRPr lang="zh-CN" altLang="en-US" sz="2000" dirty="0">
-              <a:solidFill>
-                <a:schemeClr val="tx1">
-                  <a:lumMod val="75000"/>
-                  <a:lumOff val="25000"/>
-                </a:schemeClr>
-              </a:solidFill>
-              <a:latin typeface="微软雅黑" panose="020B0503020204020204" pitchFamily="34" charset="-122"/>
-              <a:ea typeface="微软雅黑" panose="020B0503020204020204" pitchFamily="34" charset="-122"/>
-            </a:endParaRPr>
-          </a:p>
-        </p:txBody>
-      </p:sp>
-      <p:sp>
-        <p:nvSpPr>
-          <p:cNvPr id="11" name="圆角矩形标注 10"/>
-          <p:cNvSpPr/>
-          <p:nvPr/>
-        </p:nvSpPr>
-        <p:spPr>
-          <a:xfrm>
-            <a:off x="5156200" y="378460"/>
-            <a:ext cx="1825625" cy="400685"/>
-          </a:xfrm>
-          <a:prstGeom prst="wedgeRoundRectCallout">
-            <a:avLst>
-              <a:gd name="adj1" fmla="val -23934"/>
-              <a:gd name="adj2" fmla="val 84770"/>
+              <a:gd name="adj1" fmla="val -55102"/>
+              <a:gd name="adj2" fmla="val 862"/>
               <a:gd name="adj3" fmla="val 16667"/>
             </a:avLst>
           </a:prstGeom>
@@ -10175,6 +9948,7 @@
         </p:style>
         <p:txBody>
           <a:bodyPr rtlCol="0" anchor="ctr"/>
+          <a:lstStyle/>
           <a:p>
             <a:pPr algn="l">
               <a:lnSpc>
@@ -10192,36 +9966,26 @@
                 <a:latin typeface="微软雅黑" panose="020B0503020204020204" pitchFamily="34" charset="-122"/>
                 <a:ea typeface="微软雅黑" panose="020B0503020204020204" pitchFamily="34" charset="-122"/>
               </a:rPr>
-              <a:t>随机一个配置</a:t>
-            </a:r>
-            <a:endParaRPr lang="zh-CN" altLang="en-US" sz="2000" dirty="0">
-              <a:solidFill>
-                <a:schemeClr val="tx1">
-                  <a:lumMod val="75000"/>
-                  <a:lumOff val="25000"/>
-                </a:schemeClr>
-              </a:solidFill>
-              <a:latin typeface="微软雅黑" panose="020B0503020204020204" pitchFamily="34" charset="-122"/>
-              <a:ea typeface="微软雅黑" panose="020B0503020204020204" pitchFamily="34" charset="-122"/>
-            </a:endParaRPr>
-          </a:p>
-        </p:txBody>
-      </p:sp>
-      <p:sp>
-        <p:nvSpPr>
-          <p:cNvPr id="3" name="圆角矩形标注 2"/>
+              <a:t>速度的最大最小数值</a:t>
+            </a:r>
+          </a:p>
+        </p:txBody>
+      </p:sp>
+      <p:sp>
+        <p:nvSpPr>
+          <p:cNvPr id="5" name="圆角矩形标注 4"/>
           <p:cNvSpPr/>
           <p:nvPr/>
         </p:nvSpPr>
         <p:spPr>
           <a:xfrm>
-            <a:off x="5485765" y="1504950"/>
-            <a:ext cx="2855595" cy="400685"/>
+            <a:off x="2539365" y="1393825"/>
+            <a:ext cx="1578610" cy="441960"/>
           </a:xfrm>
           <a:prstGeom prst="wedgeRoundRectCallout">
             <a:avLst>
-              <a:gd name="adj1" fmla="val -54800"/>
-              <a:gd name="adj2" fmla="val -4358"/>
+              <a:gd name="adj1" fmla="val -53552"/>
+              <a:gd name="adj2" fmla="val 41235"/>
               <a:gd name="adj3" fmla="val 16667"/>
             </a:avLst>
           </a:prstGeom>
@@ -10242,6 +10006,7 @@
         </p:style>
         <p:txBody>
           <a:bodyPr rtlCol="0" anchor="ctr"/>
+          <a:lstStyle/>
           <a:p>
             <a:pPr algn="l">
               <a:lnSpc>
@@ -10259,73 +10024,39 @@
                 <a:latin typeface="微软雅黑" panose="020B0503020204020204" pitchFamily="34" charset="-122"/>
                 <a:ea typeface="微软雅黑" panose="020B0503020204020204" pitchFamily="34" charset="-122"/>
               </a:rPr>
-              <a:t>生成随机的位置和速度</a:t>
-            </a:r>
-            <a:endParaRPr lang="zh-CN" altLang="en-US" sz="2000" dirty="0">
-              <a:solidFill>
-                <a:schemeClr val="tx1">
-                  <a:lumMod val="75000"/>
-                  <a:lumOff val="25000"/>
-                </a:schemeClr>
-              </a:solidFill>
-              <a:latin typeface="微软雅黑" panose="020B0503020204020204" pitchFamily="34" charset="-122"/>
-              <a:ea typeface="微软雅黑" panose="020B0503020204020204" pitchFamily="34" charset="-122"/>
-            </a:endParaRPr>
-          </a:p>
-        </p:txBody>
-      </p:sp>
-      <p:pic>
-        <p:nvPicPr>
-          <p:cNvPr id="4" name="图片 3"/>
-          <p:cNvPicPr>
-            <a:picLocks noChangeAspect="1"/>
-          </p:cNvPicPr>
-          <p:nvPr/>
-        </p:nvPicPr>
-        <p:blipFill>
-          <a:blip r:embed="rId2"/>
-          <a:stretch>
-            <a:fillRect/>
-          </a:stretch>
-        </p:blipFill>
-        <p:spPr>
-          <a:xfrm>
-            <a:off x="842645" y="4267835"/>
-            <a:ext cx="4286250" cy="933450"/>
-          </a:xfrm>
-          <a:prstGeom prst="rect">
-            <a:avLst/>
-          </a:prstGeom>
-        </p:spPr>
-      </p:pic>
-      <p:sp>
-        <p:nvSpPr>
-          <p:cNvPr id="5" name="圆角矩形标注 4"/>
+              <a:t>上边缘位置</a:t>
+            </a:r>
+          </a:p>
+        </p:txBody>
+      </p:sp>
+      <p:sp>
+        <p:nvSpPr>
+          <p:cNvPr id="6" name="圆角矩形标注 5"/>
           <p:cNvSpPr/>
           <p:nvPr/>
         </p:nvSpPr>
         <p:spPr>
           <a:xfrm>
-            <a:off x="2176145" y="3910330"/>
-            <a:ext cx="2522220" cy="441960"/>
+            <a:off x="3452495" y="2328545"/>
+            <a:ext cx="1331595" cy="441960"/>
           </a:xfrm>
           <a:prstGeom prst="wedgeRoundRectCallout">
             <a:avLst>
-              <a:gd name="adj1" fmla="val -27576"/>
-              <a:gd name="adj2" fmla="val 59913"/>
+              <a:gd name="adj1" fmla="val -54577"/>
+              <a:gd name="adj2" fmla="val -2298"/>
               <a:gd name="adj3" fmla="val 16667"/>
             </a:avLst>
           </a:prstGeom>
         </p:spPr>
         <p:style>
           <a:lnRef idx="2">
-            <a:schemeClr val="accent6"/>
+            <a:schemeClr val="accent5"/>
           </a:lnRef>
           <a:fillRef idx="1">
             <a:schemeClr val="lt1"/>
           </a:fillRef>
           <a:effectRef idx="0">
-            <a:schemeClr val="accent6"/>
+            <a:schemeClr val="accent5"/>
           </a:effectRef>
           <a:fontRef idx="minor">
             <a:schemeClr val="dk1"/>
@@ -10333,6 +10064,7 @@
         </p:style>
         <p:txBody>
           <a:bodyPr rtlCol="0" anchor="ctr"/>
+          <a:lstStyle/>
           <a:p>
             <a:pPr algn="l">
               <a:lnSpc>
@@ -10350,18 +10082,240 @@
                 <a:latin typeface="微软雅黑" panose="020B0503020204020204" pitchFamily="34" charset="-122"/>
                 <a:ea typeface="微软雅黑" panose="020B0503020204020204" pitchFamily="34" charset="-122"/>
               </a:rPr>
-              <a:t>创建需要大量的粒子</a:t>
-            </a:r>
-            <a:endParaRPr lang="zh-CN" altLang="en-US" sz="2000" dirty="0">
-              <a:solidFill>
-                <a:schemeClr val="tx1">
-                  <a:lumMod val="75000"/>
-                  <a:lumOff val="25000"/>
-                </a:schemeClr>
-              </a:solidFill>
-              <a:latin typeface="微软雅黑" panose="020B0503020204020204" pitchFamily="34" charset="-122"/>
-              <a:ea typeface="微软雅黑" panose="020B0503020204020204" pitchFamily="34" charset="-122"/>
-            </a:endParaRPr>
+              <a:t>水平速度</a:t>
+            </a:r>
+          </a:p>
+        </p:txBody>
+      </p:sp>
+      <p:sp>
+        <p:nvSpPr>
+          <p:cNvPr id="7" name="圆角矩形标注 6"/>
+          <p:cNvSpPr/>
+          <p:nvPr/>
+        </p:nvSpPr>
+        <p:spPr>
+          <a:xfrm>
+            <a:off x="2657475" y="3085465"/>
+            <a:ext cx="2316480" cy="441960"/>
+          </a:xfrm>
+          <a:prstGeom prst="wedgeRoundRectCallout">
+            <a:avLst>
+              <a:gd name="adj1" fmla="val -35279"/>
+              <a:gd name="adj2" fmla="val -70689"/>
+              <a:gd name="adj3" fmla="val 16667"/>
+            </a:avLst>
+          </a:prstGeom>
+        </p:spPr>
+        <p:style>
+          <a:lnRef idx="2">
+            <a:schemeClr val="accent5"/>
+          </a:lnRef>
+          <a:fillRef idx="1">
+            <a:schemeClr val="lt1"/>
+          </a:fillRef>
+          <a:effectRef idx="0">
+            <a:schemeClr val="accent5"/>
+          </a:effectRef>
+          <a:fontRef idx="minor">
+            <a:schemeClr val="dk1"/>
+          </a:fontRef>
+        </p:style>
+        <p:txBody>
+          <a:bodyPr rtlCol="0" anchor="ctr"/>
+          <a:lstStyle/>
+          <a:p>
+            <a:pPr algn="l">
+              <a:lnSpc>
+                <a:spcPct val="150000"/>
+              </a:lnSpc>
+            </a:pPr>
+            <a:r>
+              <a:rPr lang="zh-CN" altLang="en-US" sz="2000" dirty="0">
+                <a:solidFill>
+                  <a:schemeClr val="tx1">
+                    <a:lumMod val="75000"/>
+                    <a:lumOff val="25000"/>
+                  </a:schemeClr>
+                </a:solidFill>
+                <a:latin typeface="微软雅黑" panose="020B0503020204020204" pitchFamily="34" charset="-122"/>
+                <a:ea typeface="微软雅黑" panose="020B0503020204020204" pitchFamily="34" charset="-122"/>
+              </a:rPr>
+              <a:t>垂直速度只能向下</a:t>
+            </a:r>
+          </a:p>
+        </p:txBody>
+      </p:sp>
+      <p:sp>
+        <p:nvSpPr>
+          <p:cNvPr id="8" name="圆角矩形标注 7"/>
+          <p:cNvSpPr/>
+          <p:nvPr/>
+        </p:nvSpPr>
+        <p:spPr>
+          <a:xfrm>
+            <a:off x="2251075" y="4953000"/>
+            <a:ext cx="1578610" cy="441960"/>
+          </a:xfrm>
+          <a:prstGeom prst="wedgeRoundRectCallout">
+            <a:avLst>
+              <a:gd name="adj1" fmla="val -23934"/>
+              <a:gd name="adj2" fmla="val -77011"/>
+              <a:gd name="adj3" fmla="val 16667"/>
+            </a:avLst>
+          </a:prstGeom>
+        </p:spPr>
+        <p:style>
+          <a:lnRef idx="2">
+            <a:schemeClr val="accent5"/>
+          </a:lnRef>
+          <a:fillRef idx="1">
+            <a:schemeClr val="lt1"/>
+          </a:fillRef>
+          <a:effectRef idx="0">
+            <a:schemeClr val="accent5"/>
+          </a:effectRef>
+          <a:fontRef idx="minor">
+            <a:schemeClr val="dk1"/>
+          </a:fontRef>
+        </p:style>
+        <p:txBody>
+          <a:bodyPr rtlCol="0" anchor="ctr"/>
+          <a:lstStyle/>
+          <a:p>
+            <a:pPr algn="l">
+              <a:lnSpc>
+                <a:spcPct val="150000"/>
+              </a:lnSpc>
+            </a:pPr>
+            <a:r>
+              <a:rPr lang="zh-CN" altLang="en-US" sz="2000" dirty="0">
+                <a:solidFill>
+                  <a:schemeClr val="tx1">
+                    <a:lumMod val="75000"/>
+                    <a:lumOff val="25000"/>
+                  </a:schemeClr>
+                </a:solidFill>
+                <a:latin typeface="微软雅黑" panose="020B0503020204020204" pitchFamily="34" charset="-122"/>
+                <a:ea typeface="微软雅黑" panose="020B0503020204020204" pitchFamily="34" charset="-122"/>
+              </a:rPr>
+              <a:t>下边缘配置</a:t>
+            </a:r>
+          </a:p>
+        </p:txBody>
+      </p:sp>
+      <p:sp>
+        <p:nvSpPr>
+          <p:cNvPr id="10" name="圆角矩形标注 9"/>
+          <p:cNvSpPr/>
+          <p:nvPr/>
+        </p:nvSpPr>
+        <p:spPr>
+          <a:xfrm>
+            <a:off x="5953125" y="1140460"/>
+            <a:ext cx="1578610" cy="441960"/>
+          </a:xfrm>
+          <a:prstGeom prst="wedgeRoundRectCallout">
+            <a:avLst>
+              <a:gd name="adj1" fmla="val -22204"/>
+              <a:gd name="adj2" fmla="val 65948"/>
+              <a:gd name="adj3" fmla="val 16667"/>
+            </a:avLst>
+          </a:prstGeom>
+        </p:spPr>
+        <p:style>
+          <a:lnRef idx="2">
+            <a:schemeClr val="accent5"/>
+          </a:lnRef>
+          <a:fillRef idx="1">
+            <a:schemeClr val="lt1"/>
+          </a:fillRef>
+          <a:effectRef idx="0">
+            <a:schemeClr val="accent5"/>
+          </a:effectRef>
+          <a:fontRef idx="minor">
+            <a:schemeClr val="dk1"/>
+          </a:fontRef>
+        </p:style>
+        <p:txBody>
+          <a:bodyPr rtlCol="0" anchor="ctr"/>
+          <a:lstStyle/>
+          <a:p>
+            <a:pPr algn="l">
+              <a:lnSpc>
+                <a:spcPct val="150000"/>
+              </a:lnSpc>
+            </a:pPr>
+            <a:r>
+              <a:rPr lang="zh-CN" altLang="en-US" sz="2000" dirty="0">
+                <a:solidFill>
+                  <a:schemeClr val="tx1">
+                    <a:lumMod val="75000"/>
+                    <a:lumOff val="25000"/>
+                  </a:schemeClr>
+                </a:solidFill>
+                <a:latin typeface="微软雅黑" panose="020B0503020204020204" pitchFamily="34" charset="-122"/>
+                <a:ea typeface="微软雅黑" panose="020B0503020204020204" pitchFamily="34" charset="-122"/>
+              </a:rPr>
+              <a:t>左边缘配置</a:t>
+            </a:r>
+          </a:p>
+        </p:txBody>
+      </p:sp>
+      <p:sp>
+        <p:nvSpPr>
+          <p:cNvPr id="11" name="圆角矩形标注 10"/>
+          <p:cNvSpPr/>
+          <p:nvPr/>
+        </p:nvSpPr>
+        <p:spPr>
+          <a:xfrm>
+            <a:off x="6159500" y="3085465"/>
+            <a:ext cx="1578610" cy="441960"/>
+          </a:xfrm>
+          <a:prstGeom prst="wedgeRoundRectCallout">
+            <a:avLst>
+              <a:gd name="adj1" fmla="val -23934"/>
+              <a:gd name="adj2" fmla="val 84770"/>
+              <a:gd name="adj3" fmla="val 16667"/>
+            </a:avLst>
+          </a:prstGeom>
+        </p:spPr>
+        <p:style>
+          <a:lnRef idx="2">
+            <a:schemeClr val="accent5"/>
+          </a:lnRef>
+          <a:fillRef idx="1">
+            <a:schemeClr val="lt1"/>
+          </a:fillRef>
+          <a:effectRef idx="0">
+            <a:schemeClr val="accent5"/>
+          </a:effectRef>
+          <a:fontRef idx="minor">
+            <a:schemeClr val="dk1"/>
+          </a:fontRef>
+        </p:style>
+        <p:txBody>
+          <a:bodyPr rtlCol="0" anchor="ctr"/>
+          <a:lstStyle/>
+          <a:p>
+            <a:pPr algn="l">
+              <a:lnSpc>
+                <a:spcPct val="150000"/>
+              </a:lnSpc>
+            </a:pPr>
+            <a:r>
+              <a:rPr lang="zh-CN" altLang="en-US" sz="2000" dirty="0">
+                <a:solidFill>
+                  <a:schemeClr val="tx1">
+                    <a:lumMod val="75000"/>
+                    <a:lumOff val="25000"/>
+                  </a:schemeClr>
+                </a:solidFill>
+                <a:latin typeface="微软雅黑" panose="020B0503020204020204" pitchFamily="34" charset="-122"/>
+                <a:ea typeface="微软雅黑" panose="020B0503020204020204" pitchFamily="34" charset="-122"/>
+              </a:rPr>
+              <a:t>右边缘配置</a:t>
+            </a:r>
           </a:p>
         </p:txBody>
       </p:sp>
@@ -10653,6 +10607,8 @@
       </a:bgFillStyleLst>
     </a:fmtScheme>
   </a:themeElements>
+  <a:objectDefaults/>
+  <a:extraClrSchemeLst/>
   <a:extLst>
     <a:ext uri="{05A4C25C-085E-4340-85A3-A5531E510DB2}">
       <thm15:themeFamily xmlns:thm15="http://schemas.microsoft.com/office/thememl/2012/main" name="Office Theme" id="{62F939B6-93AF-4DB8-9C6B-D6C7DFDC589F}" vid="{4A3C46E8-61CC-4603-A589-7422A47A8E4A}"/>
@@ -10912,6 +10868,8 @@
       </a:bgFillStyleLst>
     </a:fmtScheme>
   </a:themeElements>
+  <a:objectDefaults/>
+  <a:extraClrSchemeLst/>
   <a:extLst>
     <a:ext uri="{05A4C25C-085E-4340-85A3-A5531E510DB2}">
       <thm15:themeFamily xmlns:thm15="http://schemas.microsoft.com/office/thememl/2012/main" name="Office Theme" id="{62F939B6-93AF-4DB8-9C6B-D6C7DFDC589F}" vid="{4A3C46E8-61CC-4603-A589-7422A47A8E4A}"/>
